--- a/Szakvizsa projekt.pptx
+++ b/Szakvizsa projekt.pptx
@@ -10,6 +10,7 @@
     <p:sldId id="258" r:id="rId4"/>
     <p:sldId id="259" r:id="rId5"/>
     <p:sldId id="260" r:id="rId6"/>
+    <p:sldId id="261" r:id="rId7"/>
   </p:sldIdLst>
   <p:sldSz cx="12192000" cy="6858000"/>
   <p:notesSz cx="6858000" cy="9144000"/>
@@ -108,7 +109,156 @@
       </a:defRPr>
     </a:lvl9pPr>
   </p:defaultTextStyle>
+  <p:extLst>
+    <p:ext uri="{EFAFB233-063F-42B5-8137-9DF3F51BA10A}">
+      <p15:sldGuideLst xmlns:p15="http://schemas.microsoft.com/office/powerpoint/2012/main"/>
+    </p:ext>
+  </p:extLst>
 </p:presentation>
+</file>
+
+<file path=ppt/changesInfos/changesInfo1.xml><?xml version="1.0" encoding="utf-8"?>
+<pc:chgInfo xmlns:a="http://schemas.openxmlformats.org/drawingml/2006/main" xmlns:r="http://schemas.openxmlformats.org/officeDocument/2006/relationships" xmlns:ac="http://schemas.microsoft.com/office/drawing/2013/main/command" xmlns:pc="http://schemas.microsoft.com/office/powerpoint/2013/main/command">
+  <pc:docChgLst>
+    <pc:chgData name="Tamás Pardi" userId="4f212df6317e0062" providerId="LiveId" clId="{FC0DF6FE-944C-46D7-A893-BA13FBC94C51}"/>
+    <pc:docChg chg="custSel addSld modSld">
+      <pc:chgData name="Tamás Pardi" userId="4f212df6317e0062" providerId="LiveId" clId="{FC0DF6FE-944C-46D7-A893-BA13FBC94C51}" dt="2023-01-11T09:36:59.405" v="1758" actId="20577"/>
+      <pc:docMkLst>
+        <pc:docMk/>
+      </pc:docMkLst>
+      <pc:sldChg chg="modSp mod">
+        <pc:chgData name="Tamás Pardi" userId="4f212df6317e0062" providerId="LiveId" clId="{FC0DF6FE-944C-46D7-A893-BA13FBC94C51}" dt="2023-01-11T09:15:46.246" v="697" actId="20577"/>
+        <pc:sldMkLst>
+          <pc:docMk/>
+          <pc:sldMk cId="798821412" sldId="256"/>
+        </pc:sldMkLst>
+        <pc:spChg chg="mod">
+          <ac:chgData name="Tamás Pardi" userId="4f212df6317e0062" providerId="LiveId" clId="{FC0DF6FE-944C-46D7-A893-BA13FBC94C51}" dt="2023-01-11T09:15:46.246" v="697" actId="20577"/>
+          <ac:spMkLst>
+            <pc:docMk/>
+            <pc:sldMk cId="798821412" sldId="256"/>
+            <ac:spMk id="2" creationId="{00EF6369-0057-889A-37A2-6D2A8E6CB1FA}"/>
+          </ac:spMkLst>
+        </pc:spChg>
+        <pc:spChg chg="mod">
+          <ac:chgData name="Tamás Pardi" userId="4f212df6317e0062" providerId="LiveId" clId="{FC0DF6FE-944C-46D7-A893-BA13FBC94C51}" dt="2023-01-11T09:09:42.123" v="110" actId="20577"/>
+          <ac:spMkLst>
+            <pc:docMk/>
+            <pc:sldMk cId="798821412" sldId="256"/>
+            <ac:spMk id="3" creationId="{EC15CA1D-C495-0DD5-A6AC-3E5DC46E46A6}"/>
+          </ac:spMkLst>
+        </pc:spChg>
+      </pc:sldChg>
+      <pc:sldChg chg="modSp mod">
+        <pc:chgData name="Tamás Pardi" userId="4f212df6317e0062" providerId="LiveId" clId="{FC0DF6FE-944C-46D7-A893-BA13FBC94C51}" dt="2023-01-11T09:15:07.399" v="679" actId="20577"/>
+        <pc:sldMkLst>
+          <pc:docMk/>
+          <pc:sldMk cId="2725339818" sldId="257"/>
+        </pc:sldMkLst>
+        <pc:spChg chg="mod">
+          <ac:chgData name="Tamás Pardi" userId="4f212df6317e0062" providerId="LiveId" clId="{FC0DF6FE-944C-46D7-A893-BA13FBC94C51}" dt="2023-01-11T09:15:07.399" v="679" actId="20577"/>
+          <ac:spMkLst>
+            <pc:docMk/>
+            <pc:sldMk cId="2725339818" sldId="257"/>
+            <ac:spMk id="3" creationId="{BBFE49FC-0D9C-728F-E6F4-FA6FD89C7435}"/>
+          </ac:spMkLst>
+        </pc:spChg>
+      </pc:sldChg>
+      <pc:sldChg chg="modSp mod">
+        <pc:chgData name="Tamás Pardi" userId="4f212df6317e0062" providerId="LiveId" clId="{FC0DF6FE-944C-46D7-A893-BA13FBC94C51}" dt="2023-01-11T09:20:02.034" v="964" actId="20577"/>
+        <pc:sldMkLst>
+          <pc:docMk/>
+          <pc:sldMk cId="3113949223" sldId="258"/>
+        </pc:sldMkLst>
+        <pc:spChg chg="mod">
+          <ac:chgData name="Tamás Pardi" userId="4f212df6317e0062" providerId="LiveId" clId="{FC0DF6FE-944C-46D7-A893-BA13FBC94C51}" dt="2023-01-11T09:16:02.859" v="711" actId="20577"/>
+          <ac:spMkLst>
+            <pc:docMk/>
+            <pc:sldMk cId="3113949223" sldId="258"/>
+            <ac:spMk id="2" creationId="{D5702D09-89B5-EE9E-BE9A-9ADB240078BE}"/>
+          </ac:spMkLst>
+        </pc:spChg>
+        <pc:spChg chg="mod">
+          <ac:chgData name="Tamás Pardi" userId="4f212df6317e0062" providerId="LiveId" clId="{FC0DF6FE-944C-46D7-A893-BA13FBC94C51}" dt="2023-01-11T09:20:02.034" v="964" actId="20577"/>
+          <ac:spMkLst>
+            <pc:docMk/>
+            <pc:sldMk cId="3113949223" sldId="258"/>
+            <ac:spMk id="3" creationId="{5F9A8D21-FA44-928A-60FD-6DC72A025862}"/>
+          </ac:spMkLst>
+        </pc:spChg>
+      </pc:sldChg>
+      <pc:sldChg chg="modSp mod">
+        <pc:chgData name="Tamás Pardi" userId="4f212df6317e0062" providerId="LiveId" clId="{FC0DF6FE-944C-46D7-A893-BA13FBC94C51}" dt="2023-01-11T09:31:24.701" v="1347" actId="20577"/>
+        <pc:sldMkLst>
+          <pc:docMk/>
+          <pc:sldMk cId="2880751525" sldId="259"/>
+        </pc:sldMkLst>
+        <pc:spChg chg="mod">
+          <ac:chgData name="Tamás Pardi" userId="4f212df6317e0062" providerId="LiveId" clId="{FC0DF6FE-944C-46D7-A893-BA13FBC94C51}" dt="2023-01-11T09:20:25.622" v="985" actId="20577"/>
+          <ac:spMkLst>
+            <pc:docMk/>
+            <pc:sldMk cId="2880751525" sldId="259"/>
+            <ac:spMk id="2" creationId="{6CC63A0F-2E3D-E2E4-ED92-BB2E295B4349}"/>
+          </ac:spMkLst>
+        </pc:spChg>
+        <pc:spChg chg="mod">
+          <ac:chgData name="Tamás Pardi" userId="4f212df6317e0062" providerId="LiveId" clId="{FC0DF6FE-944C-46D7-A893-BA13FBC94C51}" dt="2023-01-11T09:31:24.701" v="1347" actId="20577"/>
+          <ac:spMkLst>
+            <pc:docMk/>
+            <pc:sldMk cId="2880751525" sldId="259"/>
+            <ac:spMk id="3" creationId="{11388645-56DA-15D0-EAC9-D5B389F1A0FB}"/>
+          </ac:spMkLst>
+        </pc:spChg>
+      </pc:sldChg>
+      <pc:sldChg chg="modSp mod">
+        <pc:chgData name="Tamás Pardi" userId="4f212df6317e0062" providerId="LiveId" clId="{FC0DF6FE-944C-46D7-A893-BA13FBC94C51}" dt="2023-01-11T09:34:10.398" v="1569" actId="20577"/>
+        <pc:sldMkLst>
+          <pc:docMk/>
+          <pc:sldMk cId="2391163559" sldId="260"/>
+        </pc:sldMkLst>
+        <pc:spChg chg="mod">
+          <ac:chgData name="Tamás Pardi" userId="4f212df6317e0062" providerId="LiveId" clId="{FC0DF6FE-944C-46D7-A893-BA13FBC94C51}" dt="2023-01-11T09:31:58.538" v="1358" actId="20577"/>
+          <ac:spMkLst>
+            <pc:docMk/>
+            <pc:sldMk cId="2391163559" sldId="260"/>
+            <ac:spMk id="2" creationId="{2D159454-30CD-C431-A82C-391BF880A381}"/>
+          </ac:spMkLst>
+        </pc:spChg>
+        <pc:spChg chg="mod">
+          <ac:chgData name="Tamás Pardi" userId="4f212df6317e0062" providerId="LiveId" clId="{FC0DF6FE-944C-46D7-A893-BA13FBC94C51}" dt="2023-01-11T09:34:10.398" v="1569" actId="20577"/>
+          <ac:spMkLst>
+            <pc:docMk/>
+            <pc:sldMk cId="2391163559" sldId="260"/>
+            <ac:spMk id="3" creationId="{C2AE3A43-FBC6-10DF-117A-EDC3E7F985FE}"/>
+          </ac:spMkLst>
+        </pc:spChg>
+      </pc:sldChg>
+      <pc:sldChg chg="modSp new mod">
+        <pc:chgData name="Tamás Pardi" userId="4f212df6317e0062" providerId="LiveId" clId="{FC0DF6FE-944C-46D7-A893-BA13FBC94C51}" dt="2023-01-11T09:36:59.405" v="1758" actId="20577"/>
+        <pc:sldMkLst>
+          <pc:docMk/>
+          <pc:sldMk cId="3876860194" sldId="261"/>
+        </pc:sldMkLst>
+        <pc:spChg chg="mod">
+          <ac:chgData name="Tamás Pardi" userId="4f212df6317e0062" providerId="LiveId" clId="{FC0DF6FE-944C-46D7-A893-BA13FBC94C51}" dt="2023-01-11T09:34:41.845" v="1583" actId="20577"/>
+          <ac:spMkLst>
+            <pc:docMk/>
+            <pc:sldMk cId="3876860194" sldId="261"/>
+            <ac:spMk id="2" creationId="{6FFF67A1-6AAF-728E-AD27-99EDE03F1222}"/>
+          </ac:spMkLst>
+        </pc:spChg>
+        <pc:spChg chg="mod">
+          <ac:chgData name="Tamás Pardi" userId="4f212df6317e0062" providerId="LiveId" clId="{FC0DF6FE-944C-46D7-A893-BA13FBC94C51}" dt="2023-01-11T09:36:59.405" v="1758" actId="20577"/>
+          <ac:spMkLst>
+            <pc:docMk/>
+            <pc:sldMk cId="3876860194" sldId="261"/>
+            <ac:spMk id="3" creationId="{46EDC90E-8058-426E-4302-DC962360651F}"/>
+          </ac:spMkLst>
+        </pc:spChg>
+      </pc:sldChg>
+    </pc:docChg>
+  </pc:docChgLst>
+</pc:chgInfo>
 </file>
 
 <file path=ppt/slideLayouts/slideLayout1.xml><?xml version="1.0" encoding="utf-8"?>
@@ -297,7 +447,7 @@
           <a:p>
             <a:fld id="{4AAD347D-5ACD-4C99-B74B-A9C85AD731AF}" type="datetimeFigureOut">
               <a:rPr lang="en-US" dirty="0"/>
-              <a:t>1/9/2023</a:t>
+              <a:t>1/11/2023</a:t>
             </a:fld>
             <a:endParaRPr lang="en-US" dirty="0"/>
           </a:p>
@@ -567,7 +717,7 @@
           <a:p>
             <a:fld id="{4509A250-FF31-4206-8172-F9D3106AACB1}" type="datetimeFigureOut">
               <a:rPr lang="en-US" dirty="0"/>
-              <a:t>1/9/2023</a:t>
+              <a:t>1/11/2023</a:t>
             </a:fld>
             <a:endParaRPr lang="en-US" dirty="0"/>
           </a:p>
@@ -756,7 +906,7 @@
           <a:p>
             <a:fld id="{4509A250-FF31-4206-8172-F9D3106AACB1}" type="datetimeFigureOut">
               <a:rPr lang="en-US" dirty="0"/>
-              <a:t>1/9/2023</a:t>
+              <a:t>1/11/2023</a:t>
             </a:fld>
             <a:endParaRPr lang="en-US" dirty="0"/>
           </a:p>
@@ -1024,7 +1174,7 @@
           <a:p>
             <a:fld id="{4509A250-FF31-4206-8172-F9D3106AACB1}" type="datetimeFigureOut">
               <a:rPr lang="en-US" dirty="0"/>
-              <a:t>1/9/2023</a:t>
+              <a:t>1/11/2023</a:t>
             </a:fld>
             <a:endParaRPr lang="en-US" dirty="0"/>
           </a:p>
@@ -1360,7 +1510,7 @@
           <a:p>
             <a:fld id="{4509A250-FF31-4206-8172-F9D3106AACB1}" type="datetimeFigureOut">
               <a:rPr lang="en-US" dirty="0"/>
-              <a:t>1/9/2023</a:t>
+              <a:t>1/11/2023</a:t>
             </a:fld>
             <a:endParaRPr lang="en-US" dirty="0"/>
           </a:p>
@@ -1978,7 +2128,7 @@
           <a:p>
             <a:fld id="{4509A250-FF31-4206-8172-F9D3106AACB1}" type="datetimeFigureOut">
               <a:rPr lang="en-US" dirty="0"/>
-              <a:t>1/9/2023</a:t>
+              <a:t>1/11/2023</a:t>
             </a:fld>
             <a:endParaRPr lang="en-US" dirty="0"/>
           </a:p>
@@ -2833,7 +2983,7 @@
           <a:p>
             <a:fld id="{4509A250-FF31-4206-8172-F9D3106AACB1}" type="datetimeFigureOut">
               <a:rPr lang="en-US" dirty="0"/>
-              <a:t>1/9/2023</a:t>
+              <a:t>1/11/2023</a:t>
             </a:fld>
             <a:endParaRPr lang="en-US" dirty="0"/>
           </a:p>
@@ -2998,7 +3148,7 @@
           <a:p>
             <a:fld id="{4509A250-FF31-4206-8172-F9D3106AACB1}" type="datetimeFigureOut">
               <a:rPr lang="en-US" dirty="0"/>
-              <a:t>1/9/2023</a:t>
+              <a:t>1/11/2023</a:t>
             </a:fld>
             <a:endParaRPr lang="en-US" dirty="0"/>
           </a:p>
@@ -3173,7 +3323,7 @@
           <a:p>
             <a:fld id="{4509A250-FF31-4206-8172-F9D3106AACB1}" type="datetimeFigureOut">
               <a:rPr lang="en-US" dirty="0"/>
-              <a:t>1/9/2023</a:t>
+              <a:t>1/11/2023</a:t>
             </a:fld>
             <a:endParaRPr lang="en-US" dirty="0"/>
           </a:p>
@@ -3338,7 +3488,7 @@
           <a:p>
             <a:fld id="{4509A250-FF31-4206-8172-F9D3106AACB1}" type="datetimeFigureOut">
               <a:rPr lang="en-US" dirty="0"/>
-              <a:t>1/9/2023</a:t>
+              <a:t>1/11/2023</a:t>
             </a:fld>
             <a:endParaRPr lang="en-US" dirty="0"/>
           </a:p>
@@ -3580,7 +3730,7 @@
           <a:p>
             <a:fld id="{9796027F-7875-4030-9381-8BD8C4F21935}" type="datetimeFigureOut">
               <a:rPr lang="en-US" dirty="0"/>
-              <a:t>1/9/2023</a:t>
+              <a:t>1/11/2023</a:t>
             </a:fld>
             <a:endParaRPr lang="en-US" dirty="0"/>
           </a:p>
@@ -3867,7 +4017,7 @@
           <a:p>
             <a:fld id="{9796027F-7875-4030-9381-8BD8C4F21935}" type="datetimeFigureOut">
               <a:rPr lang="en-US" dirty="0"/>
-              <a:t>1/9/2023</a:t>
+              <a:t>1/11/2023</a:t>
             </a:fld>
             <a:endParaRPr lang="en-US" dirty="0"/>
           </a:p>
@@ -4306,7 +4456,7 @@
           <a:p>
             <a:fld id="{9796027F-7875-4030-9381-8BD8C4F21935}" type="datetimeFigureOut">
               <a:rPr lang="en-US" dirty="0"/>
-              <a:t>1/9/2023</a:t>
+              <a:t>1/11/2023</a:t>
             </a:fld>
             <a:endParaRPr lang="en-US" dirty="0"/>
           </a:p>
@@ -4419,7 +4569,7 @@
           <a:p>
             <a:fld id="{4509A250-FF31-4206-8172-F9D3106AACB1}" type="datetimeFigureOut">
               <a:rPr lang="en-US" dirty="0"/>
-              <a:t>1/9/2023</a:t>
+              <a:t>1/11/2023</a:t>
             </a:fld>
             <a:endParaRPr lang="en-US" dirty="0"/>
           </a:p>
@@ -4509,7 +4659,7 @@
           <a:p>
             <a:fld id="{4509A250-FF31-4206-8172-F9D3106AACB1}" type="datetimeFigureOut">
               <a:rPr lang="en-US" dirty="0"/>
-              <a:t>1/9/2023</a:t>
+              <a:t>1/11/2023</a:t>
             </a:fld>
             <a:endParaRPr lang="en-US" dirty="0"/>
           </a:p>
@@ -4783,7 +4933,7 @@
           <a:p>
             <a:fld id="{4509A250-FF31-4206-8172-F9D3106AACB1}" type="datetimeFigureOut">
               <a:rPr lang="en-US" dirty="0"/>
-              <a:t>1/9/2023</a:t>
+              <a:t>1/11/2023</a:t>
             </a:fld>
             <a:endParaRPr lang="en-US" dirty="0"/>
           </a:p>
@@ -5053,7 +5203,7 @@
           <a:p>
             <a:fld id="{4509A250-FF31-4206-8172-F9D3106AACB1}" type="datetimeFigureOut">
               <a:rPr lang="en-US" dirty="0"/>
-              <a:t>1/9/2023</a:t>
+              <a:t>1/11/2023</a:t>
             </a:fld>
             <a:endParaRPr lang="en-US" dirty="0"/>
           </a:p>
@@ -5477,7 +5627,7 @@
           <a:p>
             <a:fld id="{4AAD347D-5ACD-4C99-B74B-A9C85AD731AF}" type="datetimeFigureOut">
               <a:rPr lang="en-US" dirty="0"/>
-              <a:t>1/9/2023</a:t>
+              <a:t>1/11/2023</a:t>
             </a:fld>
             <a:endParaRPr lang="en-US" dirty="0"/>
           </a:p>
@@ -6023,13 +6173,28 @@
           <a:lstStyle/>
           <a:p>
             <a:r>
+              <a:rPr lang="hu-HU" dirty="0"/>
+              <a:t>Szakvizsga projekt</a:t>
+            </a:r>
+            <a:br>
+              <a:rPr lang="hu-HU" dirty="0"/>
+            </a:br>
+            <a:br>
+              <a:rPr lang="hu-HU" dirty="0"/>
+            </a:br>
+            <a:r>
               <a:rPr lang="hu-HU" dirty="0" err="1"/>
-              <a:t>Szakvizsa</a:t>
+              <a:t>AnRoTa</a:t>
             </a:r>
             <a:r>
               <a:rPr lang="hu-HU" dirty="0"/>
-              <a:t> projekt</a:t>
-            </a:r>
+              <a:t> </a:t>
+            </a:r>
+            <a:r>
+              <a:rPr lang="hu-HU" dirty="0" err="1"/>
+              <a:t>Bútorda</a:t>
+            </a:r>
+            <a:endParaRPr lang="hu-HU" dirty="0"/>
           </a:p>
         </p:txBody>
       </p:sp>
@@ -6056,7 +6221,7 @@
           <a:p>
             <a:r>
               <a:rPr lang="hu-HU" dirty="0"/>
-              <a:t>Egy weboldal amin keresztül lehet időpontot foglalni vagy keresni vagy </a:t>
+              <a:t>Egy olyan weboldal ami egyedi méretekkel lehet rendelni bútorokat és hozzá tartozó szolgáltatásokat.</a:t>
             </a:r>
           </a:p>
         </p:txBody>
@@ -6142,31 +6307,47 @@
           <a:p>
             <a:r>
               <a:rPr lang="hu-HU" dirty="0"/>
-              <a:t>Olyan időpont foglaló rendszer ami egy bizonyos szakmához  jól behatárolt munkákhoz lesz kialakítva.</a:t>
+              <a:t>Online tervezővel egyénileg megadott paraméterekkel megszerkesztheti a kívánt bútorokat</a:t>
             </a:r>
           </a:p>
           <a:p>
             <a:r>
               <a:rPr lang="hu-HU" dirty="0"/>
-              <a:t>Tartozik hozzá egy webshop is</a:t>
+              <a:t>A gyártó ez után küld egy ajánlatot a tervezésnek megfelelően</a:t>
             </a:r>
           </a:p>
           <a:p>
             <a:r>
               <a:rPr lang="hu-HU" dirty="0"/>
-              <a:t>Lenne benne egy tervezőszoftver (hivatkozással)</a:t>
-            </a:r>
-          </a:p>
-          <a:p>
+              <a:t>Az elkészült megrendelés összeszerelését egy foglaló rendszerben tudja </a:t>
+            </a:r>
+            <a:r>
+              <a:rPr lang="hu-HU" dirty="0" err="1"/>
+              <a:t>lefixállni</a:t>
+            </a:r>
             <a:r>
               <a:rPr lang="hu-HU" dirty="0"/>
-              <a:t>Lenne benne egy kölcsönző is (foglaló rendszerrel együtt)</a:t>
+              <a:t> (munkaidő és ár kalkulációval)</a:t>
             </a:r>
           </a:p>
           <a:p>
             <a:r>
               <a:rPr lang="hu-HU" dirty="0"/>
-              <a:t>Lenne benne egy DIY is ami segíti a felhasználót egy esetleges folyamat véghezvitelében</a:t>
+              <a:t>Ha a megrendelő szeretné összerakni, abban a DIY oldal segítene</a:t>
+            </a:r>
+          </a:p>
+          <a:p>
+            <a:r>
+              <a:rPr lang="hu-HU" dirty="0"/>
+              <a:t>Webshop ami használt bútorokkal foglalkozik, vagy esetleg bérbeadással (gyártó </a:t>
+            </a:r>
+            <a:r>
+              <a:rPr lang="hu-HU" dirty="0" err="1"/>
+              <a:t>álltal</a:t>
+            </a:r>
+            <a:r>
+              <a:rPr lang="hu-HU" dirty="0"/>
+              <a:t>)</a:t>
             </a:r>
           </a:p>
         </p:txBody>
@@ -6222,7 +6403,10 @@
           <a:bodyPr/>
           <a:lstStyle/>
           <a:p>
-            <a:endParaRPr lang="hu-HU"/>
+            <a:r>
+              <a:rPr lang="hu-HU" dirty="0"/>
+              <a:t>Tervezői modul</a:t>
+            </a:r>
           </a:p>
         </p:txBody>
       </p:sp>
@@ -6247,7 +6431,68 @@
           <a:bodyPr/>
           <a:lstStyle/>
           <a:p>
-            <a:endParaRPr lang="hu-HU"/>
+            <a:r>
+              <a:rPr lang="hu-HU" dirty="0"/>
+              <a:t>Viszonylag egyszerű felépítésű </a:t>
+            </a:r>
+          </a:p>
+          <a:p>
+            <a:r>
+              <a:rPr lang="hu-HU" dirty="0"/>
+              <a:t>Pár kiválasztható bútor jelleg (</a:t>
+            </a:r>
+            <a:r>
+              <a:rPr lang="hu-HU" dirty="0" err="1"/>
+              <a:t>pl</a:t>
+            </a:r>
+            <a:r>
+              <a:rPr lang="hu-HU" dirty="0"/>
+              <a:t> konyhai, előszobai, nappali)</a:t>
+            </a:r>
+          </a:p>
+          <a:p>
+            <a:r>
+              <a:rPr lang="hu-HU" dirty="0"/>
+              <a:t>Választható anyag (fa, furnéros vagy festett)</a:t>
+            </a:r>
+          </a:p>
+          <a:p>
+            <a:r>
+              <a:rPr lang="hu-HU" dirty="0" err="1"/>
+              <a:t>Fron</a:t>
+            </a:r>
+            <a:r>
+              <a:rPr lang="hu-HU" dirty="0"/>
+              <a:t> választó (minták, anyag, </a:t>
+            </a:r>
+            <a:r>
+              <a:rPr lang="hu-HU" dirty="0" err="1"/>
+              <a:t>stb</a:t>
+            </a:r>
+            <a:r>
+              <a:rPr lang="hu-HU" dirty="0"/>
+              <a:t>)</a:t>
+            </a:r>
+          </a:p>
+          <a:p>
+            <a:r>
+              <a:rPr lang="hu-HU" dirty="0"/>
+              <a:t>Extra választó (fiók, akasztó, polc, </a:t>
+            </a:r>
+            <a:r>
+              <a:rPr lang="hu-HU" dirty="0" err="1"/>
+              <a:t>stb</a:t>
+            </a:r>
+            <a:r>
+              <a:rPr lang="hu-HU" dirty="0"/>
+              <a:t>)</a:t>
+            </a:r>
+          </a:p>
+          <a:p>
+            <a:r>
+              <a:rPr lang="hu-HU" dirty="0"/>
+              <a:t>Megjegyzés a gyártó felé</a:t>
+            </a:r>
           </a:p>
         </p:txBody>
       </p:sp>
@@ -6302,7 +6547,10 @@
           <a:bodyPr/>
           <a:lstStyle/>
           <a:p>
-            <a:endParaRPr lang="hu-HU"/>
+            <a:r>
+              <a:rPr lang="hu-HU" dirty="0"/>
+              <a:t>Időpont foglaló modul</a:t>
+            </a:r>
           </a:p>
         </p:txBody>
       </p:sp>
@@ -6327,7 +6575,60 @@
           <a:bodyPr/>
           <a:lstStyle/>
           <a:p>
-            <a:endParaRPr lang="hu-HU"/>
+            <a:r>
+              <a:rPr lang="hu-HU" dirty="0"/>
+              <a:t>A legyártott bútorok összeszereléséhez vagy máshonnan beszerzett bútorok szerelését is </a:t>
+            </a:r>
+          </a:p>
+          <a:p>
+            <a:r>
+              <a:rPr lang="hu-HU" dirty="0"/>
+              <a:t>A regisztrációhoz kötött pontos adatokat tartalmazó (GDPR-</a:t>
+            </a:r>
+            <a:r>
+              <a:rPr lang="hu-HU" dirty="0" err="1"/>
+              <a:t>nak</a:t>
+            </a:r>
+            <a:r>
+              <a:rPr lang="hu-HU" dirty="0"/>
+              <a:t> megfelelő) </a:t>
+            </a:r>
+            <a:r>
+              <a:rPr lang="hu-HU" dirty="0" err="1"/>
+              <a:t>user</a:t>
+            </a:r>
+            <a:r>
+              <a:rPr lang="hu-HU" dirty="0"/>
+              <a:t> tudna kérni időpontot, úgy ahogy neki megfelelne egy adott időkeretben (</a:t>
+            </a:r>
+            <a:r>
+              <a:rPr lang="hu-HU" dirty="0" err="1"/>
+              <a:t>pl</a:t>
+            </a:r>
+            <a:r>
+              <a:rPr lang="hu-HU" dirty="0"/>
+              <a:t> H-P 8-18ig)</a:t>
+            </a:r>
+          </a:p>
+          <a:p>
+            <a:r>
+              <a:rPr lang="hu-HU" dirty="0"/>
+              <a:t>Google </a:t>
+            </a:r>
+            <a:r>
+              <a:rPr lang="hu-HU" dirty="0" err="1"/>
+              <a:t>maps</a:t>
+            </a:r>
+            <a:r>
+              <a:rPr lang="hu-HU" dirty="0"/>
+              <a:t> integráció</a:t>
+            </a:r>
+          </a:p>
+          <a:p>
+            <a:r>
+              <a:rPr lang="hu-HU" dirty="0"/>
+              <a:t>A foglalásról értesítő küldő</a:t>
+            </a:r>
           </a:p>
         </p:txBody>
       </p:sp>
@@ -6382,7 +6683,10 @@
           <a:bodyPr/>
           <a:lstStyle/>
           <a:p>
-            <a:endParaRPr lang="hu-HU"/>
+            <a:r>
+              <a:rPr lang="hu-HU" dirty="0"/>
+              <a:t>DIY aloldal</a:t>
+            </a:r>
           </a:p>
         </p:txBody>
       </p:sp>
@@ -6407,7 +6711,66 @@
           <a:bodyPr/>
           <a:lstStyle/>
           <a:p>
-            <a:endParaRPr lang="hu-HU"/>
+            <a:r>
+              <a:rPr lang="hu-HU" dirty="0"/>
+              <a:t>Videók (</a:t>
+            </a:r>
+            <a:r>
+              <a:rPr lang="hu-HU" dirty="0" err="1"/>
+              <a:t>pl</a:t>
+            </a:r>
+            <a:r>
+              <a:rPr lang="hu-HU" dirty="0"/>
+              <a:t> linkek </a:t>
+            </a:r>
+            <a:r>
+              <a:rPr lang="hu-HU" dirty="0" err="1"/>
+              <a:t>Youtube</a:t>
+            </a:r>
+            <a:r>
+              <a:rPr lang="hu-HU" dirty="0"/>
+              <a:t> és egyéb oldalakról)</a:t>
+            </a:r>
+          </a:p>
+          <a:p>
+            <a:r>
+              <a:rPr lang="hu-HU" dirty="0"/>
+              <a:t>Saját feltöltésű videók</a:t>
+            </a:r>
+          </a:p>
+          <a:p>
+            <a:r>
+              <a:rPr lang="hu-HU" dirty="0"/>
+              <a:t>Leírások, tanácsok (mi kell, </a:t>
+            </a:r>
+            <a:r>
+              <a:rPr lang="hu-HU" dirty="0" err="1"/>
+              <a:t>vag</a:t>
+            </a:r>
+            <a:r>
+              <a:rPr lang="hu-HU" dirty="0"/>
+              <a:t> hogy kezd el, </a:t>
+            </a:r>
+            <a:r>
+              <a:rPr lang="hu-HU" dirty="0" err="1"/>
+              <a:t>stb</a:t>
+            </a:r>
+            <a:r>
+              <a:rPr lang="hu-HU" dirty="0"/>
+              <a:t>)</a:t>
+            </a:r>
+          </a:p>
+          <a:p>
+            <a:r>
+              <a:rPr lang="hu-HU" dirty="0"/>
+              <a:t>Regisztráció után saját videó feltöltése</a:t>
+            </a:r>
+          </a:p>
+          <a:p>
+            <a:r>
+              <a:rPr lang="hu-HU" dirty="0"/>
+              <a:t>Esetleg chat vagy fórum</a:t>
+            </a:r>
           </a:p>
         </p:txBody>
       </p:sp>
@@ -6415,6 +6778,132 @@
     <p:extLst>
       <p:ext uri="{BB962C8B-B14F-4D97-AF65-F5344CB8AC3E}">
         <p14:creationId xmlns:p14="http://schemas.microsoft.com/office/powerpoint/2010/main" val="2391163559"/>
+      </p:ext>
+    </p:extLst>
+  </p:cSld>
+  <p:clrMapOvr>
+    <a:masterClrMapping/>
+  </p:clrMapOvr>
+</p:sld>
+</file>
+
+<file path=ppt/slides/slide6.xml><?xml version="1.0" encoding="utf-8"?>
+<p:sld xmlns:a="http://schemas.openxmlformats.org/drawingml/2006/main" xmlns:r="http://schemas.openxmlformats.org/officeDocument/2006/relationships" xmlns:p="http://schemas.openxmlformats.org/presentationml/2006/main">
+  <p:cSld>
+    <p:spTree>
+      <p:nvGrpSpPr>
+        <p:cNvPr id="1" name=""/>
+        <p:cNvGrpSpPr/>
+        <p:nvPr/>
+      </p:nvGrpSpPr>
+      <p:grpSpPr>
+        <a:xfrm>
+          <a:off x="0" y="0"/>
+          <a:ext cx="0" cy="0"/>
+          <a:chOff x="0" y="0"/>
+          <a:chExt cx="0" cy="0"/>
+        </a:xfrm>
+      </p:grpSpPr>
+      <p:sp>
+        <p:nvSpPr>
+          <p:cNvPr id="2" name="Cím 1">
+            <a:extLst>
+              <a:ext uri="{FF2B5EF4-FFF2-40B4-BE49-F238E27FC236}">
+                <a16:creationId xmlns:a16="http://schemas.microsoft.com/office/drawing/2014/main" id="{6FFF67A1-6AAF-728E-AD27-99EDE03F1222}"/>
+              </a:ext>
+            </a:extLst>
+          </p:cNvPr>
+          <p:cNvSpPr>
+            <a:spLocks noGrp="1"/>
+          </p:cNvSpPr>
+          <p:nvPr>
+            <p:ph type="title"/>
+          </p:nvPr>
+        </p:nvSpPr>
+        <p:spPr/>
+        <p:txBody>
+          <a:bodyPr/>
+          <a:lstStyle/>
+          <a:p>
+            <a:r>
+              <a:rPr lang="hu-HU" dirty="0"/>
+              <a:t>Webshop modul</a:t>
+            </a:r>
+          </a:p>
+        </p:txBody>
+      </p:sp>
+      <p:sp>
+        <p:nvSpPr>
+          <p:cNvPr id="3" name="Tartalom helye 2">
+            <a:extLst>
+              <a:ext uri="{FF2B5EF4-FFF2-40B4-BE49-F238E27FC236}">
+                <a16:creationId xmlns:a16="http://schemas.microsoft.com/office/drawing/2014/main" id="{46EDC90E-8058-426E-4302-DC962360651F}"/>
+              </a:ext>
+            </a:extLst>
+          </p:cNvPr>
+          <p:cNvSpPr>
+            <a:spLocks noGrp="1"/>
+          </p:cNvSpPr>
+          <p:nvPr>
+            <p:ph idx="1"/>
+          </p:nvPr>
+        </p:nvSpPr>
+        <p:spPr/>
+        <p:txBody>
+          <a:bodyPr/>
+          <a:lstStyle/>
+          <a:p>
+            <a:r>
+              <a:rPr lang="hu-HU" dirty="0"/>
+              <a:t>Használt bútorok adás vétele (hibás hiányos új </a:t>
+            </a:r>
+            <a:r>
+              <a:rPr lang="hu-HU" dirty="0" err="1"/>
+              <a:t>stb</a:t>
+            </a:r>
+            <a:r>
+              <a:rPr lang="hu-HU" dirty="0"/>
+              <a:t>)</a:t>
+            </a:r>
+          </a:p>
+          <a:p>
+            <a:r>
+              <a:rPr lang="hu-HU" dirty="0"/>
+              <a:t>Bérbeadható bútorok (fotózásra kelléknek forgatásra </a:t>
+            </a:r>
+            <a:r>
+              <a:rPr lang="hu-HU" dirty="0" err="1"/>
+              <a:t>stb</a:t>
+            </a:r>
+            <a:r>
+              <a:rPr lang="hu-HU" dirty="0"/>
+              <a:t>)</a:t>
+            </a:r>
+          </a:p>
+          <a:p>
+            <a:r>
+              <a:rPr lang="hu-HU" dirty="0"/>
+              <a:t>Esetleg opcióként bútor kereső (</a:t>
+            </a:r>
+            <a:r>
+              <a:rPr lang="hu-HU" dirty="0" err="1"/>
+              <a:t>pl</a:t>
+            </a:r>
+            <a:r>
+              <a:rPr lang="hu-HU" dirty="0"/>
+              <a:t> külső </a:t>
+            </a:r>
+            <a:r>
+              <a:rPr lang="hu-HU"/>
+              <a:t>források bevonásával)</a:t>
+            </a:r>
+          </a:p>
+        </p:txBody>
+      </p:sp>
+    </p:spTree>
+    <p:extLst>
+      <p:ext uri="{BB962C8B-B14F-4D97-AF65-F5344CB8AC3E}">
+        <p14:creationId xmlns:p14="http://schemas.microsoft.com/office/powerpoint/2010/main" val="3876860194"/>
       </p:ext>
     </p:extLst>
   </p:cSld>

--- a/Szakvizsa projekt.pptx
+++ b/Szakvizsa projekt.pptx
@@ -11,6 +11,9 @@
     <p:sldId id="259" r:id="rId5"/>
     <p:sldId id="260" r:id="rId6"/>
     <p:sldId id="261" r:id="rId7"/>
+    <p:sldId id="262" r:id="rId8"/>
+    <p:sldId id="263" r:id="rId9"/>
+    <p:sldId id="264" r:id="rId10"/>
   </p:sldIdLst>
   <p:sldSz cx="12192000" cy="6858000"/>
   <p:notesSz cx="6858000" cy="9144000"/>
@@ -117,12 +120,20 @@
 </p:presentation>
 </file>
 
+<file path=ppt/revisionInfo.xml><?xml version="1.0" encoding="utf-8"?>
+<p1510:revInfo xmlns:a="http://schemas.openxmlformats.org/drawingml/2006/main" xmlns:r="http://schemas.openxmlformats.org/officeDocument/2006/relationships" xmlns:p1510="http://schemas.microsoft.com/office/powerpoint/2015/10/main">
+  <p1510:revLst>
+    <p1510:client id="{FC0DF6FE-944C-46D7-A893-BA13FBC94C51}" v="171" dt="2023-01-25T17:16:45.169"/>
+  </p1510:revLst>
+</p1510:revInfo>
+</file>
+
 <file path=ppt/changesInfos/changesInfo1.xml><?xml version="1.0" encoding="utf-8"?>
 <pc:chgInfo xmlns:a="http://schemas.openxmlformats.org/drawingml/2006/main" xmlns:r="http://schemas.openxmlformats.org/officeDocument/2006/relationships" xmlns:ac="http://schemas.microsoft.com/office/drawing/2013/main/command" xmlns:pc="http://schemas.microsoft.com/office/powerpoint/2013/main/command">
   <pc:docChgLst>
     <pc:chgData name="Tamás Pardi" userId="4f212df6317e0062" providerId="LiveId" clId="{FC0DF6FE-944C-46D7-A893-BA13FBC94C51}"/>
-    <pc:docChg chg="custSel addSld modSld">
-      <pc:chgData name="Tamás Pardi" userId="4f212df6317e0062" providerId="LiveId" clId="{FC0DF6FE-944C-46D7-A893-BA13FBC94C51}" dt="2023-01-11T09:36:59.405" v="1758" actId="20577"/>
+    <pc:docChg chg="custSel addSld delSld modSld">
+      <pc:chgData name="Tamás Pardi" userId="4f212df6317e0062" providerId="LiveId" clId="{FC0DF6FE-944C-46D7-A893-BA13FBC94C51}" dt="2023-01-25T17:17:31.153" v="2192" actId="2696"/>
       <pc:docMkLst>
         <pc:docMk/>
       </pc:docMkLst>
@@ -150,13 +161,13 @@
         </pc:spChg>
       </pc:sldChg>
       <pc:sldChg chg="modSp mod">
-        <pc:chgData name="Tamás Pardi" userId="4f212df6317e0062" providerId="LiveId" clId="{FC0DF6FE-944C-46D7-A893-BA13FBC94C51}" dt="2023-01-11T09:15:07.399" v="679" actId="20577"/>
+        <pc:chgData name="Tamás Pardi" userId="4f212df6317e0062" providerId="LiveId" clId="{FC0DF6FE-944C-46D7-A893-BA13FBC94C51}" dt="2023-01-25T16:33:06.368" v="1765" actId="313"/>
         <pc:sldMkLst>
           <pc:docMk/>
           <pc:sldMk cId="2725339818" sldId="257"/>
         </pc:sldMkLst>
         <pc:spChg chg="mod">
-          <ac:chgData name="Tamás Pardi" userId="4f212df6317e0062" providerId="LiveId" clId="{FC0DF6FE-944C-46D7-A893-BA13FBC94C51}" dt="2023-01-11T09:15:07.399" v="679" actId="20577"/>
+          <ac:chgData name="Tamás Pardi" userId="4f212df6317e0062" providerId="LiveId" clId="{FC0DF6FE-944C-46D7-A893-BA13FBC94C51}" dt="2023-01-25T16:33:06.368" v="1765" actId="313"/>
           <ac:spMkLst>
             <pc:docMk/>
             <pc:sldMk cId="2725339818" sldId="257"/>
@@ -165,7 +176,7 @@
         </pc:spChg>
       </pc:sldChg>
       <pc:sldChg chg="modSp mod">
-        <pc:chgData name="Tamás Pardi" userId="4f212df6317e0062" providerId="LiveId" clId="{FC0DF6FE-944C-46D7-A893-BA13FBC94C51}" dt="2023-01-11T09:20:02.034" v="964" actId="20577"/>
+        <pc:chgData name="Tamás Pardi" userId="4f212df6317e0062" providerId="LiveId" clId="{FC0DF6FE-944C-46D7-A893-BA13FBC94C51}" dt="2023-01-25T16:32:53.993" v="1764" actId="20577"/>
         <pc:sldMkLst>
           <pc:docMk/>
           <pc:sldMk cId="3113949223" sldId="258"/>
@@ -179,7 +190,7 @@
           </ac:spMkLst>
         </pc:spChg>
         <pc:spChg chg="mod">
-          <ac:chgData name="Tamás Pardi" userId="4f212df6317e0062" providerId="LiveId" clId="{FC0DF6FE-944C-46D7-A893-BA13FBC94C51}" dt="2023-01-11T09:20:02.034" v="964" actId="20577"/>
+          <ac:chgData name="Tamás Pardi" userId="4f212df6317e0062" providerId="LiveId" clId="{FC0DF6FE-944C-46D7-A893-BA13FBC94C51}" dt="2023-01-25T16:32:53.993" v="1764" actId="20577"/>
           <ac:spMkLst>
             <pc:docMk/>
             <pc:sldMk cId="3113949223" sldId="258"/>
@@ -188,7 +199,7 @@
         </pc:spChg>
       </pc:sldChg>
       <pc:sldChg chg="modSp mod">
-        <pc:chgData name="Tamás Pardi" userId="4f212df6317e0062" providerId="LiveId" clId="{FC0DF6FE-944C-46D7-A893-BA13FBC94C51}" dt="2023-01-11T09:31:24.701" v="1347" actId="20577"/>
+        <pc:chgData name="Tamás Pardi" userId="4f212df6317e0062" providerId="LiveId" clId="{FC0DF6FE-944C-46D7-A893-BA13FBC94C51}" dt="2023-01-25T16:33:16.672" v="1766" actId="20577"/>
         <pc:sldMkLst>
           <pc:docMk/>
           <pc:sldMk cId="2880751525" sldId="259"/>
@@ -202,7 +213,7 @@
           </ac:spMkLst>
         </pc:spChg>
         <pc:spChg chg="mod">
-          <ac:chgData name="Tamás Pardi" userId="4f212df6317e0062" providerId="LiveId" clId="{FC0DF6FE-944C-46D7-A893-BA13FBC94C51}" dt="2023-01-11T09:31:24.701" v="1347" actId="20577"/>
+          <ac:chgData name="Tamás Pardi" userId="4f212df6317e0062" providerId="LiveId" clId="{FC0DF6FE-944C-46D7-A893-BA13FBC94C51}" dt="2023-01-25T16:33:16.672" v="1766" actId="20577"/>
           <ac:spMkLst>
             <pc:docMk/>
             <pc:sldMk cId="2880751525" sldId="259"/>
@@ -211,7 +222,7 @@
         </pc:spChg>
       </pc:sldChg>
       <pc:sldChg chg="modSp mod">
-        <pc:chgData name="Tamás Pardi" userId="4f212df6317e0062" providerId="LiveId" clId="{FC0DF6FE-944C-46D7-A893-BA13FBC94C51}" dt="2023-01-11T09:34:10.398" v="1569" actId="20577"/>
+        <pc:chgData name="Tamás Pardi" userId="4f212df6317e0062" providerId="LiveId" clId="{FC0DF6FE-944C-46D7-A893-BA13FBC94C51}" dt="2023-01-25T16:33:35.153" v="1768" actId="20577"/>
         <pc:sldMkLst>
           <pc:docMk/>
           <pc:sldMk cId="2391163559" sldId="260"/>
@@ -225,7 +236,7 @@
           </ac:spMkLst>
         </pc:spChg>
         <pc:spChg chg="mod">
-          <ac:chgData name="Tamás Pardi" userId="4f212df6317e0062" providerId="LiveId" clId="{FC0DF6FE-944C-46D7-A893-BA13FBC94C51}" dt="2023-01-11T09:34:10.398" v="1569" actId="20577"/>
+          <ac:chgData name="Tamás Pardi" userId="4f212df6317e0062" providerId="LiveId" clId="{FC0DF6FE-944C-46D7-A893-BA13FBC94C51}" dt="2023-01-25T16:33:35.153" v="1768" actId="20577"/>
           <ac:spMkLst>
             <pc:docMk/>
             <pc:sldMk cId="2391163559" sldId="260"/>
@@ -234,7 +245,7 @@
         </pc:spChg>
       </pc:sldChg>
       <pc:sldChg chg="modSp new mod">
-        <pc:chgData name="Tamás Pardi" userId="4f212df6317e0062" providerId="LiveId" clId="{FC0DF6FE-944C-46D7-A893-BA13FBC94C51}" dt="2023-01-11T09:36:59.405" v="1758" actId="20577"/>
+        <pc:chgData name="Tamás Pardi" userId="4f212df6317e0062" providerId="LiveId" clId="{FC0DF6FE-944C-46D7-A893-BA13FBC94C51}" dt="2023-01-25T16:33:52.531" v="1773" actId="20577"/>
         <pc:sldMkLst>
           <pc:docMk/>
           <pc:sldMk cId="3876860194" sldId="261"/>
@@ -248,7 +259,7 @@
           </ac:spMkLst>
         </pc:spChg>
         <pc:spChg chg="mod">
-          <ac:chgData name="Tamás Pardi" userId="4f212df6317e0062" providerId="LiveId" clId="{FC0DF6FE-944C-46D7-A893-BA13FBC94C51}" dt="2023-01-11T09:36:59.405" v="1758" actId="20577"/>
+          <ac:chgData name="Tamás Pardi" userId="4f212df6317e0062" providerId="LiveId" clId="{FC0DF6FE-944C-46D7-A893-BA13FBC94C51}" dt="2023-01-25T16:33:52.531" v="1773" actId="20577"/>
           <ac:spMkLst>
             <pc:docMk/>
             <pc:sldMk cId="3876860194" sldId="261"/>
@@ -256,9 +267,3561 @@
           </ac:spMkLst>
         </pc:spChg>
       </pc:sldChg>
+      <pc:sldChg chg="addSp delSp modSp new mod">
+        <pc:chgData name="Tamás Pardi" userId="4f212df6317e0062" providerId="LiveId" clId="{FC0DF6FE-944C-46D7-A893-BA13FBC94C51}" dt="2023-01-25T17:12:21.544" v="1975" actId="20577"/>
+        <pc:sldMkLst>
+          <pc:docMk/>
+          <pc:sldMk cId="1338502281" sldId="262"/>
+        </pc:sldMkLst>
+        <pc:spChg chg="mod">
+          <ac:chgData name="Tamás Pardi" userId="4f212df6317e0062" providerId="LiveId" clId="{FC0DF6FE-944C-46D7-A893-BA13FBC94C51}" dt="2023-01-25T17:05:46.988" v="1812" actId="20577"/>
+          <ac:spMkLst>
+            <pc:docMk/>
+            <pc:sldMk cId="1338502281" sldId="262"/>
+            <ac:spMk id="2" creationId="{DAFCA328-B9FA-09D1-48BC-94A99D7FEDEA}"/>
+          </ac:spMkLst>
+        </pc:spChg>
+        <pc:spChg chg="del">
+          <ac:chgData name="Tamás Pardi" userId="4f212df6317e0062" providerId="LiveId" clId="{FC0DF6FE-944C-46D7-A893-BA13FBC94C51}" dt="2023-01-25T17:05:22.403" v="1775" actId="1032"/>
+          <ac:spMkLst>
+            <pc:docMk/>
+            <pc:sldMk cId="1338502281" sldId="262"/>
+            <ac:spMk id="3" creationId="{F88ECFD2-6D79-CA4E-8CA9-E75CC7C91880}"/>
+          </ac:spMkLst>
+        </pc:spChg>
+        <pc:graphicFrameChg chg="add mod modGraphic">
+          <ac:chgData name="Tamás Pardi" userId="4f212df6317e0062" providerId="LiveId" clId="{FC0DF6FE-944C-46D7-A893-BA13FBC94C51}" dt="2023-01-25T17:12:21.544" v="1975" actId="20577"/>
+          <ac:graphicFrameMkLst>
+            <pc:docMk/>
+            <pc:sldMk cId="1338502281" sldId="262"/>
+            <ac:graphicFrameMk id="4" creationId="{46EBD028-A5D5-B3B7-9096-04D1D4253916}"/>
+          </ac:graphicFrameMkLst>
+        </pc:graphicFrameChg>
+      </pc:sldChg>
+      <pc:sldChg chg="modSp new mod">
+        <pc:chgData name="Tamás Pardi" userId="4f212df6317e0062" providerId="LiveId" clId="{FC0DF6FE-944C-46D7-A893-BA13FBC94C51}" dt="2023-01-25T17:14:51.190" v="2149" actId="20577"/>
+        <pc:sldMkLst>
+          <pc:docMk/>
+          <pc:sldMk cId="349428722" sldId="263"/>
+        </pc:sldMkLst>
+        <pc:spChg chg="mod">
+          <ac:chgData name="Tamás Pardi" userId="4f212df6317e0062" providerId="LiveId" clId="{FC0DF6FE-944C-46D7-A893-BA13FBC94C51}" dt="2023-01-25T17:13:06.417" v="1996" actId="20577"/>
+          <ac:spMkLst>
+            <pc:docMk/>
+            <pc:sldMk cId="349428722" sldId="263"/>
+            <ac:spMk id="2" creationId="{83F635F3-2F4B-8268-6C7B-945FC840AE61}"/>
+          </ac:spMkLst>
+        </pc:spChg>
+        <pc:spChg chg="mod">
+          <ac:chgData name="Tamás Pardi" userId="4f212df6317e0062" providerId="LiveId" clId="{FC0DF6FE-944C-46D7-A893-BA13FBC94C51}" dt="2023-01-25T17:14:51.190" v="2149" actId="20577"/>
+          <ac:spMkLst>
+            <pc:docMk/>
+            <pc:sldMk cId="349428722" sldId="263"/>
+            <ac:spMk id="3" creationId="{A1CB595E-1101-EE13-5674-3EE0EFF7C9C0}"/>
+          </ac:spMkLst>
+        </pc:spChg>
+      </pc:sldChg>
+      <pc:sldChg chg="addSp delSp modSp new mod">
+        <pc:chgData name="Tamás Pardi" userId="4f212df6317e0062" providerId="LiveId" clId="{FC0DF6FE-944C-46D7-A893-BA13FBC94C51}" dt="2023-01-25T17:16:59.949" v="2180" actId="1076"/>
+        <pc:sldMkLst>
+          <pc:docMk/>
+          <pc:sldMk cId="1819506108" sldId="264"/>
+        </pc:sldMkLst>
+        <pc:spChg chg="mod">
+          <ac:chgData name="Tamás Pardi" userId="4f212df6317e0062" providerId="LiveId" clId="{FC0DF6FE-944C-46D7-A893-BA13FBC94C51}" dt="2023-01-25T17:16:34.188" v="2173" actId="20577"/>
+          <ac:spMkLst>
+            <pc:docMk/>
+            <pc:sldMk cId="1819506108" sldId="264"/>
+            <ac:spMk id="2" creationId="{D8D4D2E9-45B9-253C-8465-9CBD03DCB5E5}"/>
+          </ac:spMkLst>
+        </pc:spChg>
+        <pc:spChg chg="del">
+          <ac:chgData name="Tamás Pardi" userId="4f212df6317e0062" providerId="LiveId" clId="{FC0DF6FE-944C-46D7-A893-BA13FBC94C51}" dt="2023-01-25T17:16:45.169" v="2174" actId="931"/>
+          <ac:spMkLst>
+            <pc:docMk/>
+            <pc:sldMk cId="1819506108" sldId="264"/>
+            <ac:spMk id="3" creationId="{07424C89-6A7B-F4AA-7D84-12DCB67F9AFA}"/>
+          </ac:spMkLst>
+        </pc:spChg>
+        <pc:picChg chg="add mod">
+          <ac:chgData name="Tamás Pardi" userId="4f212df6317e0062" providerId="LiveId" clId="{FC0DF6FE-944C-46D7-A893-BA13FBC94C51}" dt="2023-01-25T17:16:59.949" v="2180" actId="1076"/>
+          <ac:picMkLst>
+            <pc:docMk/>
+            <pc:sldMk cId="1819506108" sldId="264"/>
+            <ac:picMk id="5" creationId="{41FD3511-DBFC-FC72-191A-92771050B17E}"/>
+          </ac:picMkLst>
+        </pc:picChg>
+      </pc:sldChg>
+      <pc:sldChg chg="modSp new del mod">
+        <pc:chgData name="Tamás Pardi" userId="4f212df6317e0062" providerId="LiveId" clId="{FC0DF6FE-944C-46D7-A893-BA13FBC94C51}" dt="2023-01-25T17:17:31.153" v="2192" actId="2696"/>
+        <pc:sldMkLst>
+          <pc:docMk/>
+          <pc:sldMk cId="2721322091" sldId="265"/>
+        </pc:sldMkLst>
+        <pc:spChg chg="mod">
+          <ac:chgData name="Tamás Pardi" userId="4f212df6317e0062" providerId="LiveId" clId="{FC0DF6FE-944C-46D7-A893-BA13FBC94C51}" dt="2023-01-25T17:17:20.741" v="2191" actId="20577"/>
+          <ac:spMkLst>
+            <pc:docMk/>
+            <pc:sldMk cId="2721322091" sldId="265"/>
+            <ac:spMk id="2" creationId="{6F2E3EAC-4DD2-2C45-9FFA-B6F376A425BB}"/>
+          </ac:spMkLst>
+        </pc:spChg>
+      </pc:sldChg>
     </pc:docChg>
   </pc:docChgLst>
 </pc:chgInfo>
+</file>
+
+<file path=ppt/diagrams/colors1.xml><?xml version="1.0" encoding="utf-8"?>
+<dgm:colorsDef xmlns:dgm="http://schemas.openxmlformats.org/drawingml/2006/diagram" xmlns:a="http://schemas.openxmlformats.org/drawingml/2006/main" uniqueId="urn:microsoft.com/office/officeart/2005/8/colors/accent1_2">
+  <dgm:title val=""/>
+  <dgm:desc val=""/>
+  <dgm:catLst>
+    <dgm:cat type="accent1" pri="11200"/>
+  </dgm:catLst>
+  <dgm:styleLbl name="node0">
+    <dgm:fillClrLst meth="repeat">
+      <a:schemeClr val="accent1"/>
+    </dgm:fillClrLst>
+    <dgm:linClrLst meth="repeat">
+      <a:schemeClr val="lt1"/>
+    </dgm:linClrLst>
+    <dgm:effectClrLst/>
+    <dgm:txLinClrLst/>
+    <dgm:txFillClrLst/>
+    <dgm:txEffectClrLst/>
+  </dgm:styleLbl>
+  <dgm:styleLbl name="alignNode1">
+    <dgm:fillClrLst meth="repeat">
+      <a:schemeClr val="accent1"/>
+    </dgm:fillClrLst>
+    <dgm:linClrLst meth="repeat">
+      <a:schemeClr val="accent1"/>
+    </dgm:linClrLst>
+    <dgm:effectClrLst/>
+    <dgm:txLinClrLst/>
+    <dgm:txFillClrLst/>
+    <dgm:txEffectClrLst/>
+  </dgm:styleLbl>
+  <dgm:styleLbl name="node1">
+    <dgm:fillClrLst meth="repeat">
+      <a:schemeClr val="accent1"/>
+    </dgm:fillClrLst>
+    <dgm:linClrLst meth="repeat">
+      <a:schemeClr val="lt1"/>
+    </dgm:linClrLst>
+    <dgm:effectClrLst/>
+    <dgm:txLinClrLst/>
+    <dgm:txFillClrLst/>
+    <dgm:txEffectClrLst/>
+  </dgm:styleLbl>
+  <dgm:styleLbl name="lnNode1">
+    <dgm:fillClrLst meth="repeat">
+      <a:schemeClr val="accent1"/>
+    </dgm:fillClrLst>
+    <dgm:linClrLst meth="repeat">
+      <a:schemeClr val="lt1"/>
+    </dgm:linClrLst>
+    <dgm:effectClrLst/>
+    <dgm:txLinClrLst/>
+    <dgm:txFillClrLst/>
+    <dgm:txEffectClrLst/>
+  </dgm:styleLbl>
+  <dgm:styleLbl name="vennNode1">
+    <dgm:fillClrLst meth="repeat">
+      <a:schemeClr val="accent1">
+        <a:alpha val="50000"/>
+      </a:schemeClr>
+    </dgm:fillClrLst>
+    <dgm:linClrLst meth="repeat">
+      <a:schemeClr val="lt1"/>
+    </dgm:linClrLst>
+    <dgm:effectClrLst/>
+    <dgm:txLinClrLst/>
+    <dgm:txFillClrLst/>
+    <dgm:txEffectClrLst/>
+  </dgm:styleLbl>
+  <dgm:styleLbl name="node2">
+    <dgm:fillClrLst meth="repeat">
+      <a:schemeClr val="accent1"/>
+    </dgm:fillClrLst>
+    <dgm:linClrLst meth="repeat">
+      <a:schemeClr val="lt1"/>
+    </dgm:linClrLst>
+    <dgm:effectClrLst/>
+    <dgm:txLinClrLst/>
+    <dgm:txFillClrLst/>
+    <dgm:txEffectClrLst/>
+  </dgm:styleLbl>
+  <dgm:styleLbl name="node3">
+    <dgm:fillClrLst meth="repeat">
+      <a:schemeClr val="accent1"/>
+    </dgm:fillClrLst>
+    <dgm:linClrLst meth="repeat">
+      <a:schemeClr val="lt1"/>
+    </dgm:linClrLst>
+    <dgm:effectClrLst/>
+    <dgm:txLinClrLst/>
+    <dgm:txFillClrLst/>
+    <dgm:txEffectClrLst/>
+  </dgm:styleLbl>
+  <dgm:styleLbl name="node4">
+    <dgm:fillClrLst meth="repeat">
+      <a:schemeClr val="accent1"/>
+    </dgm:fillClrLst>
+    <dgm:linClrLst meth="repeat">
+      <a:schemeClr val="lt1"/>
+    </dgm:linClrLst>
+    <dgm:effectClrLst/>
+    <dgm:txLinClrLst/>
+    <dgm:txFillClrLst/>
+    <dgm:txEffectClrLst/>
+  </dgm:styleLbl>
+  <dgm:styleLbl name="fgImgPlace1">
+    <dgm:fillClrLst meth="repeat">
+      <a:schemeClr val="accent1">
+        <a:tint val="50000"/>
+      </a:schemeClr>
+    </dgm:fillClrLst>
+    <dgm:linClrLst meth="repeat">
+      <a:schemeClr val="lt1"/>
+    </dgm:linClrLst>
+    <dgm:effectClrLst/>
+    <dgm:txLinClrLst/>
+    <dgm:txFillClrLst meth="repeat">
+      <a:schemeClr val="lt1"/>
+    </dgm:txFillClrLst>
+    <dgm:txEffectClrLst/>
+  </dgm:styleLbl>
+  <dgm:styleLbl name="alignImgPlace1">
+    <dgm:fillClrLst meth="repeat">
+      <a:schemeClr val="accent1">
+        <a:tint val="50000"/>
+      </a:schemeClr>
+    </dgm:fillClrLst>
+    <dgm:linClrLst meth="repeat">
+      <a:schemeClr val="lt1"/>
+    </dgm:linClrLst>
+    <dgm:effectClrLst/>
+    <dgm:txLinClrLst/>
+    <dgm:txFillClrLst meth="repeat">
+      <a:schemeClr val="lt1"/>
+    </dgm:txFillClrLst>
+    <dgm:txEffectClrLst/>
+  </dgm:styleLbl>
+  <dgm:styleLbl name="bgImgPlace1">
+    <dgm:fillClrLst meth="repeat">
+      <a:schemeClr val="accent1">
+        <a:tint val="50000"/>
+      </a:schemeClr>
+    </dgm:fillClrLst>
+    <dgm:linClrLst meth="repeat">
+      <a:schemeClr val="lt1"/>
+    </dgm:linClrLst>
+    <dgm:effectClrLst/>
+    <dgm:txLinClrLst/>
+    <dgm:txFillClrLst meth="repeat">
+      <a:schemeClr val="lt1"/>
+    </dgm:txFillClrLst>
+    <dgm:txEffectClrLst/>
+  </dgm:styleLbl>
+  <dgm:styleLbl name="sibTrans2D1">
+    <dgm:fillClrLst meth="repeat">
+      <a:schemeClr val="accent1">
+        <a:tint val="60000"/>
+      </a:schemeClr>
+    </dgm:fillClrLst>
+    <dgm:linClrLst meth="repeat">
+      <a:schemeClr val="accent1">
+        <a:tint val="60000"/>
+      </a:schemeClr>
+    </dgm:linClrLst>
+    <dgm:effectClrLst/>
+    <dgm:txLinClrLst/>
+    <dgm:txFillClrLst/>
+    <dgm:txEffectClrLst/>
+  </dgm:styleLbl>
+  <dgm:styleLbl name="fgSibTrans2D1">
+    <dgm:fillClrLst meth="repeat">
+      <a:schemeClr val="accent1">
+        <a:tint val="60000"/>
+      </a:schemeClr>
+    </dgm:fillClrLst>
+    <dgm:linClrLst meth="repeat">
+      <a:schemeClr val="accent1">
+        <a:tint val="60000"/>
+      </a:schemeClr>
+    </dgm:linClrLst>
+    <dgm:effectClrLst/>
+    <dgm:txLinClrLst/>
+    <dgm:txFillClrLst/>
+    <dgm:txEffectClrLst/>
+  </dgm:styleLbl>
+  <dgm:styleLbl name="bgSibTrans2D1">
+    <dgm:fillClrLst meth="repeat">
+      <a:schemeClr val="accent1">
+        <a:tint val="60000"/>
+      </a:schemeClr>
+    </dgm:fillClrLst>
+    <dgm:linClrLst meth="repeat">
+      <a:schemeClr val="accent1">
+        <a:tint val="60000"/>
+      </a:schemeClr>
+    </dgm:linClrLst>
+    <dgm:effectClrLst/>
+    <dgm:txLinClrLst/>
+    <dgm:txFillClrLst/>
+    <dgm:txEffectClrLst/>
+  </dgm:styleLbl>
+  <dgm:styleLbl name="sibTrans1D1">
+    <dgm:fillClrLst meth="repeat">
+      <a:schemeClr val="accent1"/>
+    </dgm:fillClrLst>
+    <dgm:linClrLst meth="repeat">
+      <a:schemeClr val="accent1"/>
+    </dgm:linClrLst>
+    <dgm:effectClrLst/>
+    <dgm:txLinClrLst/>
+    <dgm:txFillClrLst meth="repeat">
+      <a:schemeClr val="tx1"/>
+    </dgm:txFillClrLst>
+    <dgm:txEffectClrLst/>
+  </dgm:styleLbl>
+  <dgm:styleLbl name="callout">
+    <dgm:fillClrLst meth="repeat">
+      <a:schemeClr val="accent1"/>
+    </dgm:fillClrLst>
+    <dgm:linClrLst meth="repeat">
+      <a:schemeClr val="accent1">
+        <a:tint val="50000"/>
+      </a:schemeClr>
+    </dgm:linClrLst>
+    <dgm:effectClrLst/>
+    <dgm:txLinClrLst/>
+    <dgm:txFillClrLst meth="repeat">
+      <a:schemeClr val="tx1"/>
+    </dgm:txFillClrLst>
+    <dgm:txEffectClrLst/>
+  </dgm:styleLbl>
+  <dgm:styleLbl name="asst0">
+    <dgm:fillClrLst meth="repeat">
+      <a:schemeClr val="accent1"/>
+    </dgm:fillClrLst>
+    <dgm:linClrLst meth="repeat">
+      <a:schemeClr val="lt1"/>
+    </dgm:linClrLst>
+    <dgm:effectClrLst/>
+    <dgm:txLinClrLst/>
+    <dgm:txFillClrLst/>
+    <dgm:txEffectClrLst/>
+  </dgm:styleLbl>
+  <dgm:styleLbl name="asst1">
+    <dgm:fillClrLst meth="repeat">
+      <a:schemeClr val="accent1"/>
+    </dgm:fillClrLst>
+    <dgm:linClrLst meth="repeat">
+      <a:schemeClr val="lt1"/>
+    </dgm:linClrLst>
+    <dgm:effectClrLst/>
+    <dgm:txLinClrLst/>
+    <dgm:txFillClrLst/>
+    <dgm:txEffectClrLst/>
+  </dgm:styleLbl>
+  <dgm:styleLbl name="asst2">
+    <dgm:fillClrLst meth="repeat">
+      <a:schemeClr val="accent1"/>
+    </dgm:fillClrLst>
+    <dgm:linClrLst meth="repeat">
+      <a:schemeClr val="lt1"/>
+    </dgm:linClrLst>
+    <dgm:effectClrLst/>
+    <dgm:txLinClrLst/>
+    <dgm:txFillClrLst/>
+    <dgm:txEffectClrLst/>
+  </dgm:styleLbl>
+  <dgm:styleLbl name="asst3">
+    <dgm:fillClrLst meth="repeat">
+      <a:schemeClr val="accent1"/>
+    </dgm:fillClrLst>
+    <dgm:linClrLst meth="repeat">
+      <a:schemeClr val="lt1"/>
+    </dgm:linClrLst>
+    <dgm:effectClrLst/>
+    <dgm:txLinClrLst/>
+    <dgm:txFillClrLst/>
+    <dgm:txEffectClrLst/>
+  </dgm:styleLbl>
+  <dgm:styleLbl name="asst4">
+    <dgm:fillClrLst meth="repeat">
+      <a:schemeClr val="accent1"/>
+    </dgm:fillClrLst>
+    <dgm:linClrLst meth="repeat">
+      <a:schemeClr val="lt1"/>
+    </dgm:linClrLst>
+    <dgm:effectClrLst/>
+    <dgm:txLinClrLst/>
+    <dgm:txFillClrLst/>
+    <dgm:txEffectClrLst/>
+  </dgm:styleLbl>
+  <dgm:styleLbl name="parChTrans2D1">
+    <dgm:fillClrLst meth="repeat">
+      <a:schemeClr val="accent1">
+        <a:tint val="60000"/>
+      </a:schemeClr>
+    </dgm:fillClrLst>
+    <dgm:linClrLst meth="repeat">
+      <a:schemeClr val="accent1">
+        <a:tint val="60000"/>
+      </a:schemeClr>
+    </dgm:linClrLst>
+    <dgm:effectClrLst/>
+    <dgm:txLinClrLst/>
+    <dgm:txFillClrLst meth="repeat">
+      <a:schemeClr val="lt1"/>
+    </dgm:txFillClrLst>
+    <dgm:txEffectClrLst/>
+  </dgm:styleLbl>
+  <dgm:styleLbl name="parChTrans2D2">
+    <dgm:fillClrLst meth="repeat">
+      <a:schemeClr val="accent1"/>
+    </dgm:fillClrLst>
+    <dgm:linClrLst meth="repeat">
+      <a:schemeClr val="accent1"/>
+    </dgm:linClrLst>
+    <dgm:effectClrLst/>
+    <dgm:txLinClrLst/>
+    <dgm:txFillClrLst meth="repeat">
+      <a:schemeClr val="lt1"/>
+    </dgm:txFillClrLst>
+    <dgm:txEffectClrLst/>
+  </dgm:styleLbl>
+  <dgm:styleLbl name="parChTrans2D3">
+    <dgm:fillClrLst meth="repeat">
+      <a:schemeClr val="accent1"/>
+    </dgm:fillClrLst>
+    <dgm:linClrLst meth="repeat">
+      <a:schemeClr val="accent1"/>
+    </dgm:linClrLst>
+    <dgm:effectClrLst/>
+    <dgm:txLinClrLst/>
+    <dgm:txFillClrLst meth="repeat">
+      <a:schemeClr val="lt1"/>
+    </dgm:txFillClrLst>
+    <dgm:txEffectClrLst/>
+  </dgm:styleLbl>
+  <dgm:styleLbl name="parChTrans2D4">
+    <dgm:fillClrLst meth="repeat">
+      <a:schemeClr val="accent1"/>
+    </dgm:fillClrLst>
+    <dgm:linClrLst meth="repeat">
+      <a:schemeClr val="accent1"/>
+    </dgm:linClrLst>
+    <dgm:effectClrLst/>
+    <dgm:txLinClrLst/>
+    <dgm:txFillClrLst meth="repeat">
+      <a:schemeClr val="lt1"/>
+    </dgm:txFillClrLst>
+    <dgm:txEffectClrLst/>
+  </dgm:styleLbl>
+  <dgm:styleLbl name="parChTrans1D1">
+    <dgm:fillClrLst meth="repeat">
+      <a:schemeClr val="accent1"/>
+    </dgm:fillClrLst>
+    <dgm:linClrLst meth="repeat">
+      <a:schemeClr val="accent1">
+        <a:shade val="60000"/>
+      </a:schemeClr>
+    </dgm:linClrLst>
+    <dgm:effectClrLst/>
+    <dgm:txLinClrLst/>
+    <dgm:txFillClrLst meth="repeat">
+      <a:schemeClr val="tx1"/>
+    </dgm:txFillClrLst>
+    <dgm:txEffectClrLst/>
+  </dgm:styleLbl>
+  <dgm:styleLbl name="parChTrans1D2">
+    <dgm:fillClrLst meth="repeat">
+      <a:schemeClr val="accent1"/>
+    </dgm:fillClrLst>
+    <dgm:linClrLst meth="repeat">
+      <a:schemeClr val="accent1">
+        <a:shade val="60000"/>
+      </a:schemeClr>
+    </dgm:linClrLst>
+    <dgm:effectClrLst/>
+    <dgm:txLinClrLst/>
+    <dgm:txFillClrLst meth="repeat">
+      <a:schemeClr val="tx1"/>
+    </dgm:txFillClrLst>
+    <dgm:txEffectClrLst/>
+  </dgm:styleLbl>
+  <dgm:styleLbl name="parChTrans1D3">
+    <dgm:fillClrLst meth="repeat">
+      <a:schemeClr val="accent1"/>
+    </dgm:fillClrLst>
+    <dgm:linClrLst meth="repeat">
+      <a:schemeClr val="accent1">
+        <a:shade val="80000"/>
+      </a:schemeClr>
+    </dgm:linClrLst>
+    <dgm:effectClrLst/>
+    <dgm:txLinClrLst/>
+    <dgm:txFillClrLst meth="repeat">
+      <a:schemeClr val="tx1"/>
+    </dgm:txFillClrLst>
+    <dgm:txEffectClrLst/>
+  </dgm:styleLbl>
+  <dgm:styleLbl name="parChTrans1D4">
+    <dgm:fillClrLst meth="repeat">
+      <a:schemeClr val="accent1"/>
+    </dgm:fillClrLst>
+    <dgm:linClrLst meth="repeat">
+      <a:schemeClr val="accent1">
+        <a:shade val="80000"/>
+      </a:schemeClr>
+    </dgm:linClrLst>
+    <dgm:effectClrLst/>
+    <dgm:txLinClrLst/>
+    <dgm:txFillClrLst meth="repeat">
+      <a:schemeClr val="tx1"/>
+    </dgm:txFillClrLst>
+    <dgm:txEffectClrLst/>
+  </dgm:styleLbl>
+  <dgm:styleLbl name="fgAcc1">
+    <dgm:fillClrLst meth="repeat">
+      <a:schemeClr val="lt1">
+        <a:alpha val="90000"/>
+      </a:schemeClr>
+    </dgm:fillClrLst>
+    <dgm:linClrLst meth="repeat">
+      <a:schemeClr val="accent1"/>
+    </dgm:linClrLst>
+    <dgm:effectClrLst/>
+    <dgm:txLinClrLst/>
+    <dgm:txFillClrLst meth="repeat">
+      <a:schemeClr val="dk1"/>
+    </dgm:txFillClrLst>
+    <dgm:txEffectClrLst/>
+  </dgm:styleLbl>
+  <dgm:styleLbl name="conFgAcc1">
+    <dgm:fillClrLst meth="repeat">
+      <a:schemeClr val="lt1">
+        <a:alpha val="90000"/>
+      </a:schemeClr>
+    </dgm:fillClrLst>
+    <dgm:linClrLst meth="repeat">
+      <a:schemeClr val="accent1"/>
+    </dgm:linClrLst>
+    <dgm:effectClrLst/>
+    <dgm:txLinClrLst/>
+    <dgm:txFillClrLst meth="repeat">
+      <a:schemeClr val="dk1"/>
+    </dgm:txFillClrLst>
+    <dgm:txEffectClrLst/>
+  </dgm:styleLbl>
+  <dgm:styleLbl name="alignAcc1">
+    <dgm:fillClrLst meth="repeat">
+      <a:schemeClr val="lt1">
+        <a:alpha val="90000"/>
+      </a:schemeClr>
+    </dgm:fillClrLst>
+    <dgm:linClrLst meth="repeat">
+      <a:schemeClr val="accent1"/>
+    </dgm:linClrLst>
+    <dgm:effectClrLst/>
+    <dgm:txLinClrLst/>
+    <dgm:txFillClrLst meth="repeat">
+      <a:schemeClr val="dk1"/>
+    </dgm:txFillClrLst>
+    <dgm:txEffectClrLst/>
+  </dgm:styleLbl>
+  <dgm:styleLbl name="trAlignAcc1">
+    <dgm:fillClrLst meth="repeat">
+      <a:schemeClr val="lt1">
+        <a:alpha val="40000"/>
+      </a:schemeClr>
+    </dgm:fillClrLst>
+    <dgm:linClrLst meth="repeat">
+      <a:schemeClr val="accent1"/>
+    </dgm:linClrLst>
+    <dgm:effectClrLst/>
+    <dgm:txLinClrLst/>
+    <dgm:txFillClrLst meth="repeat">
+      <a:schemeClr val="dk1"/>
+    </dgm:txFillClrLst>
+    <dgm:txEffectClrLst/>
+  </dgm:styleLbl>
+  <dgm:styleLbl name="bgAcc1">
+    <dgm:fillClrLst meth="repeat">
+      <a:schemeClr val="lt1">
+        <a:alpha val="90000"/>
+      </a:schemeClr>
+    </dgm:fillClrLst>
+    <dgm:linClrLst meth="repeat">
+      <a:schemeClr val="accent1"/>
+    </dgm:linClrLst>
+    <dgm:effectClrLst/>
+    <dgm:txLinClrLst/>
+    <dgm:txFillClrLst meth="repeat">
+      <a:schemeClr val="dk1"/>
+    </dgm:txFillClrLst>
+    <dgm:txEffectClrLst/>
+  </dgm:styleLbl>
+  <dgm:styleLbl name="solidFgAcc1">
+    <dgm:fillClrLst meth="repeat">
+      <a:schemeClr val="lt1"/>
+    </dgm:fillClrLst>
+    <dgm:linClrLst meth="repeat">
+      <a:schemeClr val="accent1"/>
+    </dgm:linClrLst>
+    <dgm:effectClrLst/>
+    <dgm:txLinClrLst/>
+    <dgm:txFillClrLst meth="repeat">
+      <a:schemeClr val="dk1"/>
+    </dgm:txFillClrLst>
+    <dgm:txEffectClrLst/>
+  </dgm:styleLbl>
+  <dgm:styleLbl name="solidAlignAcc1">
+    <dgm:fillClrLst meth="repeat">
+      <a:schemeClr val="lt1"/>
+    </dgm:fillClrLst>
+    <dgm:linClrLst meth="repeat">
+      <a:schemeClr val="accent1"/>
+    </dgm:linClrLst>
+    <dgm:effectClrLst/>
+    <dgm:txLinClrLst/>
+    <dgm:txFillClrLst meth="repeat">
+      <a:schemeClr val="dk1"/>
+    </dgm:txFillClrLst>
+    <dgm:txEffectClrLst/>
+  </dgm:styleLbl>
+  <dgm:styleLbl name="solidBgAcc1">
+    <dgm:fillClrLst meth="repeat">
+      <a:schemeClr val="lt1"/>
+    </dgm:fillClrLst>
+    <dgm:linClrLst meth="repeat">
+      <a:schemeClr val="accent1"/>
+    </dgm:linClrLst>
+    <dgm:effectClrLst/>
+    <dgm:txLinClrLst/>
+    <dgm:txFillClrLst meth="repeat">
+      <a:schemeClr val="dk1"/>
+    </dgm:txFillClrLst>
+    <dgm:txEffectClrLst/>
+  </dgm:styleLbl>
+  <dgm:styleLbl name="fgAccFollowNode1">
+    <dgm:fillClrLst meth="repeat">
+      <a:schemeClr val="accent1">
+        <a:alpha val="90000"/>
+        <a:tint val="40000"/>
+      </a:schemeClr>
+    </dgm:fillClrLst>
+    <dgm:linClrLst meth="repeat">
+      <a:schemeClr val="accent1">
+        <a:alpha val="90000"/>
+        <a:tint val="40000"/>
+      </a:schemeClr>
+    </dgm:linClrLst>
+    <dgm:effectClrLst/>
+    <dgm:txLinClrLst/>
+    <dgm:txFillClrLst meth="repeat">
+      <a:schemeClr val="dk1"/>
+    </dgm:txFillClrLst>
+    <dgm:txEffectClrLst/>
+  </dgm:styleLbl>
+  <dgm:styleLbl name="alignAccFollowNode1">
+    <dgm:fillClrLst meth="repeat">
+      <a:schemeClr val="accent1">
+        <a:alpha val="90000"/>
+        <a:tint val="40000"/>
+      </a:schemeClr>
+    </dgm:fillClrLst>
+    <dgm:linClrLst meth="repeat">
+      <a:schemeClr val="accent1">
+        <a:alpha val="90000"/>
+        <a:tint val="40000"/>
+      </a:schemeClr>
+    </dgm:linClrLst>
+    <dgm:effectClrLst/>
+    <dgm:txLinClrLst/>
+    <dgm:txFillClrLst meth="repeat">
+      <a:schemeClr val="dk1"/>
+    </dgm:txFillClrLst>
+    <dgm:txEffectClrLst/>
+  </dgm:styleLbl>
+  <dgm:styleLbl name="bgAccFollowNode1">
+    <dgm:fillClrLst meth="repeat">
+      <a:schemeClr val="accent1">
+        <a:alpha val="90000"/>
+        <a:tint val="40000"/>
+      </a:schemeClr>
+    </dgm:fillClrLst>
+    <dgm:linClrLst meth="repeat">
+      <a:schemeClr val="accent1">
+        <a:alpha val="90000"/>
+        <a:tint val="40000"/>
+      </a:schemeClr>
+    </dgm:linClrLst>
+    <dgm:effectClrLst/>
+    <dgm:txLinClrLst/>
+    <dgm:txFillClrLst meth="repeat">
+      <a:schemeClr val="dk1"/>
+    </dgm:txFillClrLst>
+    <dgm:txEffectClrLst/>
+  </dgm:styleLbl>
+  <dgm:styleLbl name="fgAcc0">
+    <dgm:fillClrLst meth="repeat">
+      <a:schemeClr val="lt1">
+        <a:alpha val="90000"/>
+      </a:schemeClr>
+    </dgm:fillClrLst>
+    <dgm:linClrLst meth="repeat">
+      <a:schemeClr val="accent1"/>
+    </dgm:linClrLst>
+    <dgm:effectClrLst/>
+    <dgm:txLinClrLst/>
+    <dgm:txFillClrLst meth="repeat">
+      <a:schemeClr val="dk1"/>
+    </dgm:txFillClrLst>
+    <dgm:txEffectClrLst/>
+  </dgm:styleLbl>
+  <dgm:styleLbl name="fgAcc2">
+    <dgm:fillClrLst meth="repeat">
+      <a:schemeClr val="lt1">
+        <a:alpha val="90000"/>
+      </a:schemeClr>
+    </dgm:fillClrLst>
+    <dgm:linClrLst meth="repeat">
+      <a:schemeClr val="accent1"/>
+    </dgm:linClrLst>
+    <dgm:effectClrLst/>
+    <dgm:txLinClrLst/>
+    <dgm:txFillClrLst meth="repeat">
+      <a:schemeClr val="dk1"/>
+    </dgm:txFillClrLst>
+    <dgm:txEffectClrLst/>
+  </dgm:styleLbl>
+  <dgm:styleLbl name="fgAcc3">
+    <dgm:fillClrLst meth="repeat">
+      <a:schemeClr val="lt1">
+        <a:alpha val="90000"/>
+      </a:schemeClr>
+    </dgm:fillClrLst>
+    <dgm:linClrLst meth="repeat">
+      <a:schemeClr val="accent1"/>
+    </dgm:linClrLst>
+    <dgm:effectClrLst/>
+    <dgm:txLinClrLst/>
+    <dgm:txFillClrLst meth="repeat">
+      <a:schemeClr val="dk1"/>
+    </dgm:txFillClrLst>
+    <dgm:txEffectClrLst/>
+  </dgm:styleLbl>
+  <dgm:styleLbl name="fgAcc4">
+    <dgm:fillClrLst meth="repeat">
+      <a:schemeClr val="lt1">
+        <a:alpha val="90000"/>
+      </a:schemeClr>
+    </dgm:fillClrLst>
+    <dgm:linClrLst meth="repeat">
+      <a:schemeClr val="accent1"/>
+    </dgm:linClrLst>
+    <dgm:effectClrLst/>
+    <dgm:txLinClrLst/>
+    <dgm:txFillClrLst meth="repeat">
+      <a:schemeClr val="dk1"/>
+    </dgm:txFillClrLst>
+    <dgm:txEffectClrLst/>
+  </dgm:styleLbl>
+  <dgm:styleLbl name="bgShp">
+    <dgm:fillClrLst meth="repeat">
+      <a:schemeClr val="accent1">
+        <a:tint val="40000"/>
+      </a:schemeClr>
+    </dgm:fillClrLst>
+    <dgm:linClrLst meth="repeat">
+      <a:schemeClr val="accent1"/>
+    </dgm:linClrLst>
+    <dgm:effectClrLst/>
+    <dgm:txLinClrLst/>
+    <dgm:txFillClrLst meth="repeat">
+      <a:schemeClr val="dk1"/>
+    </dgm:txFillClrLst>
+    <dgm:txEffectClrLst/>
+  </dgm:styleLbl>
+  <dgm:styleLbl name="dkBgShp">
+    <dgm:fillClrLst meth="repeat">
+      <a:schemeClr val="accent1">
+        <a:shade val="80000"/>
+      </a:schemeClr>
+    </dgm:fillClrLst>
+    <dgm:linClrLst meth="repeat">
+      <a:schemeClr val="accent1"/>
+    </dgm:linClrLst>
+    <dgm:effectClrLst/>
+    <dgm:txLinClrLst/>
+    <dgm:txFillClrLst meth="repeat">
+      <a:schemeClr val="lt1"/>
+    </dgm:txFillClrLst>
+    <dgm:txEffectClrLst/>
+  </dgm:styleLbl>
+  <dgm:styleLbl name="trBgShp">
+    <dgm:fillClrLst meth="repeat">
+      <a:schemeClr val="accent1">
+        <a:tint val="50000"/>
+        <a:alpha val="40000"/>
+      </a:schemeClr>
+    </dgm:fillClrLst>
+    <dgm:linClrLst meth="repeat">
+      <a:schemeClr val="accent1"/>
+    </dgm:linClrLst>
+    <dgm:effectClrLst/>
+    <dgm:txLinClrLst/>
+    <dgm:txFillClrLst meth="repeat">
+      <a:schemeClr val="lt1"/>
+    </dgm:txFillClrLst>
+    <dgm:txEffectClrLst/>
+  </dgm:styleLbl>
+  <dgm:styleLbl name="fgShp">
+    <dgm:fillClrLst meth="repeat">
+      <a:schemeClr val="accent1">
+        <a:tint val="60000"/>
+      </a:schemeClr>
+    </dgm:fillClrLst>
+    <dgm:linClrLst meth="repeat">
+      <a:schemeClr val="lt1"/>
+    </dgm:linClrLst>
+    <dgm:effectClrLst/>
+    <dgm:txLinClrLst/>
+    <dgm:txFillClrLst meth="repeat">
+      <a:schemeClr val="dk1"/>
+    </dgm:txFillClrLst>
+    <dgm:txEffectClrLst/>
+  </dgm:styleLbl>
+  <dgm:styleLbl name="revTx">
+    <dgm:fillClrLst meth="repeat">
+      <a:schemeClr val="lt1">
+        <a:alpha val="0"/>
+      </a:schemeClr>
+    </dgm:fillClrLst>
+    <dgm:linClrLst meth="repeat">
+      <a:schemeClr val="dk1">
+        <a:alpha val="0"/>
+      </a:schemeClr>
+    </dgm:linClrLst>
+    <dgm:effectClrLst/>
+    <dgm:txLinClrLst/>
+    <dgm:txFillClrLst meth="repeat">
+      <a:schemeClr val="tx1"/>
+    </dgm:txFillClrLst>
+    <dgm:txEffectClrLst/>
+  </dgm:styleLbl>
+</dgm:colorsDef>
+</file>
+
+<file path=ppt/diagrams/data1.xml><?xml version="1.0" encoding="utf-8"?>
+<dgm:dataModel xmlns:dgm="http://schemas.openxmlformats.org/drawingml/2006/diagram" xmlns:a="http://schemas.openxmlformats.org/drawingml/2006/main">
+  <dgm:ptLst>
+    <dgm:pt modelId="{B890B749-F72F-474C-AE18-69EE5F0B620C}" type="doc">
+      <dgm:prSet loTypeId="urn:microsoft.com/office/officeart/2008/layout/HorizontalMultiLevelHierarchy" loCatId="hierarchy" qsTypeId="urn:microsoft.com/office/officeart/2005/8/quickstyle/simple1" qsCatId="simple" csTypeId="urn:microsoft.com/office/officeart/2005/8/colors/accent1_2" csCatId="accent1" phldr="1"/>
+      <dgm:spPr/>
+      <dgm:t>
+        <a:bodyPr/>
+        <a:lstStyle/>
+        <a:p>
+          <a:endParaRPr lang="hu-HU"/>
+        </a:p>
+      </dgm:t>
+    </dgm:pt>
+    <dgm:pt modelId="{F00C5B57-6B92-4EBF-9595-BD1EC3363E81}">
+      <dgm:prSet phldrT="[Szöveg]"/>
+      <dgm:spPr/>
+      <dgm:t>
+        <a:bodyPr/>
+        <a:lstStyle/>
+        <a:p>
+          <a:r>
+            <a:rPr lang="hu-HU" dirty="0" err="1"/>
+            <a:t>AnRoTa</a:t>
+          </a:r>
+          <a:r>
+            <a:rPr lang="hu-HU" dirty="0"/>
+            <a:t> Főoldal</a:t>
+          </a:r>
+        </a:p>
+      </dgm:t>
+    </dgm:pt>
+    <dgm:pt modelId="{292D5F01-E896-44F1-8D52-047E2A5C7E29}" type="parTrans" cxnId="{8C34F31D-8914-491A-88ED-DF81BEC4AC77}">
+      <dgm:prSet/>
+      <dgm:spPr/>
+      <dgm:t>
+        <a:bodyPr/>
+        <a:lstStyle/>
+        <a:p>
+          <a:endParaRPr lang="hu-HU"/>
+        </a:p>
+      </dgm:t>
+    </dgm:pt>
+    <dgm:pt modelId="{B4227AA9-ED87-4CBA-8D8F-066BED599C9E}" type="sibTrans" cxnId="{8C34F31D-8914-491A-88ED-DF81BEC4AC77}">
+      <dgm:prSet/>
+      <dgm:spPr/>
+      <dgm:t>
+        <a:bodyPr/>
+        <a:lstStyle/>
+        <a:p>
+          <a:endParaRPr lang="hu-HU"/>
+        </a:p>
+      </dgm:t>
+    </dgm:pt>
+    <dgm:pt modelId="{374F2ABA-864D-46D9-971D-3577A76CC074}">
+      <dgm:prSet phldrT="[Szöveg]"/>
+      <dgm:spPr/>
+      <dgm:t>
+        <a:bodyPr/>
+        <a:lstStyle/>
+        <a:p>
+          <a:r>
+            <a:rPr lang="hu-HU" dirty="0"/>
+            <a:t>Kapcsolat</a:t>
+          </a:r>
+        </a:p>
+      </dgm:t>
+    </dgm:pt>
+    <dgm:pt modelId="{E7465DCC-90A2-46AE-8FA5-A0965FC95E9B}" type="parTrans" cxnId="{6E061279-FDA0-4BD4-8FBC-D7B375781F78}">
+      <dgm:prSet/>
+      <dgm:spPr/>
+      <dgm:t>
+        <a:bodyPr/>
+        <a:lstStyle/>
+        <a:p>
+          <a:endParaRPr lang="hu-HU"/>
+        </a:p>
+      </dgm:t>
+    </dgm:pt>
+    <dgm:pt modelId="{D7C792CD-CB6F-4804-A937-F4CD3C2B385F}" type="sibTrans" cxnId="{6E061279-FDA0-4BD4-8FBC-D7B375781F78}">
+      <dgm:prSet/>
+      <dgm:spPr/>
+      <dgm:t>
+        <a:bodyPr/>
+        <a:lstStyle/>
+        <a:p>
+          <a:endParaRPr lang="hu-HU"/>
+        </a:p>
+      </dgm:t>
+    </dgm:pt>
+    <dgm:pt modelId="{06BD4166-2C16-41D4-BB4B-2F3FC72803FA}">
+      <dgm:prSet phldrT="[Szöveg]"/>
+      <dgm:spPr/>
+      <dgm:t>
+        <a:bodyPr/>
+        <a:lstStyle/>
+        <a:p>
+          <a:r>
+            <a:rPr lang="hu-HU" dirty="0"/>
+            <a:t>Tervező</a:t>
+          </a:r>
+        </a:p>
+      </dgm:t>
+    </dgm:pt>
+    <dgm:pt modelId="{D4912D9A-8FFE-4991-A87E-0A7876CF5281}" type="parTrans" cxnId="{5313021B-DEF8-4DE0-B397-04E13C631045}">
+      <dgm:prSet/>
+      <dgm:spPr/>
+      <dgm:t>
+        <a:bodyPr/>
+        <a:lstStyle/>
+        <a:p>
+          <a:endParaRPr lang="hu-HU"/>
+        </a:p>
+      </dgm:t>
+    </dgm:pt>
+    <dgm:pt modelId="{F316972C-8BF8-448E-B2FA-55BB5EAD04EE}" type="sibTrans" cxnId="{5313021B-DEF8-4DE0-B397-04E13C631045}">
+      <dgm:prSet/>
+      <dgm:spPr/>
+      <dgm:t>
+        <a:bodyPr/>
+        <a:lstStyle/>
+        <a:p>
+          <a:endParaRPr lang="hu-HU"/>
+        </a:p>
+      </dgm:t>
+    </dgm:pt>
+    <dgm:pt modelId="{E948E69D-B77F-49D5-9735-630B14E46376}">
+      <dgm:prSet phldrT="[Szöveg]"/>
+      <dgm:spPr/>
+      <dgm:t>
+        <a:bodyPr/>
+        <a:lstStyle/>
+        <a:p>
+          <a:r>
+            <a:rPr lang="hu-HU" dirty="0"/>
+            <a:t>Szolgáltatásaink</a:t>
+          </a:r>
+        </a:p>
+      </dgm:t>
+    </dgm:pt>
+    <dgm:pt modelId="{DEF28DB9-D8D1-479B-B0AC-631FB40D370F}" type="parTrans" cxnId="{100F6358-8279-4A77-B73A-F3625CA74C9F}">
+      <dgm:prSet/>
+      <dgm:spPr/>
+      <dgm:t>
+        <a:bodyPr/>
+        <a:lstStyle/>
+        <a:p>
+          <a:endParaRPr lang="hu-HU"/>
+        </a:p>
+      </dgm:t>
+    </dgm:pt>
+    <dgm:pt modelId="{D26C065A-9ECD-4649-8FD7-9472C9AFC44E}" type="sibTrans" cxnId="{100F6358-8279-4A77-B73A-F3625CA74C9F}">
+      <dgm:prSet/>
+      <dgm:spPr/>
+      <dgm:t>
+        <a:bodyPr/>
+        <a:lstStyle/>
+        <a:p>
+          <a:endParaRPr lang="hu-HU"/>
+        </a:p>
+      </dgm:t>
+    </dgm:pt>
+    <dgm:pt modelId="{28E3100C-DF4F-445C-A646-7F9E88D171E6}">
+      <dgm:prSet phldrT="[Szöveg]"/>
+      <dgm:spPr/>
+      <dgm:t>
+        <a:bodyPr/>
+        <a:lstStyle/>
+        <a:p>
+          <a:r>
+            <a:rPr lang="hu-HU" dirty="0"/>
+            <a:t>Webshop</a:t>
+          </a:r>
+        </a:p>
+      </dgm:t>
+    </dgm:pt>
+    <dgm:pt modelId="{14D745EF-A98F-466E-9035-D633E5954490}" type="parTrans" cxnId="{7F13AC0F-0582-4BE8-9891-C685C641A436}">
+      <dgm:prSet/>
+      <dgm:spPr/>
+      <dgm:t>
+        <a:bodyPr/>
+        <a:lstStyle/>
+        <a:p>
+          <a:endParaRPr lang="hu-HU"/>
+        </a:p>
+      </dgm:t>
+    </dgm:pt>
+    <dgm:pt modelId="{47888A95-1ACF-4B74-AAF2-F98E805FD058}" type="sibTrans" cxnId="{7F13AC0F-0582-4BE8-9891-C685C641A436}">
+      <dgm:prSet/>
+      <dgm:spPr/>
+      <dgm:t>
+        <a:bodyPr/>
+        <a:lstStyle/>
+        <a:p>
+          <a:endParaRPr lang="hu-HU"/>
+        </a:p>
+      </dgm:t>
+    </dgm:pt>
+    <dgm:pt modelId="{977C100E-12F2-480B-BE31-4E8C6D5F65F7}">
+      <dgm:prSet phldrT="[Szöveg]"/>
+      <dgm:spPr/>
+      <dgm:t>
+        <a:bodyPr/>
+        <a:lstStyle/>
+        <a:p>
+          <a:r>
+            <a:rPr lang="hu-HU" dirty="0"/>
+            <a:t>DIY</a:t>
+          </a:r>
+        </a:p>
+      </dgm:t>
+    </dgm:pt>
+    <dgm:pt modelId="{1EA5D3CB-5D24-4356-A346-A663D354EA87}" type="parTrans" cxnId="{576475B9-2813-4E4D-91BF-A7B9330D2E4B}">
+      <dgm:prSet/>
+      <dgm:spPr/>
+      <dgm:t>
+        <a:bodyPr/>
+        <a:lstStyle/>
+        <a:p>
+          <a:endParaRPr lang="hu-HU"/>
+        </a:p>
+      </dgm:t>
+    </dgm:pt>
+    <dgm:pt modelId="{55498DD9-6239-4015-8C53-F7E02990B34C}" type="sibTrans" cxnId="{576475B9-2813-4E4D-91BF-A7B9330D2E4B}">
+      <dgm:prSet/>
+      <dgm:spPr/>
+      <dgm:t>
+        <a:bodyPr/>
+        <a:lstStyle/>
+        <a:p>
+          <a:endParaRPr lang="hu-HU"/>
+        </a:p>
+      </dgm:t>
+    </dgm:pt>
+    <dgm:pt modelId="{E5B6AEB3-5421-4F48-9B1B-A58EEEFE23DC}" type="pres">
+      <dgm:prSet presAssocID="{B890B749-F72F-474C-AE18-69EE5F0B620C}" presName="Name0" presStyleCnt="0">
+        <dgm:presLayoutVars>
+          <dgm:chPref val="1"/>
+          <dgm:dir/>
+          <dgm:animOne val="branch"/>
+          <dgm:animLvl val="lvl"/>
+          <dgm:resizeHandles val="exact"/>
+        </dgm:presLayoutVars>
+      </dgm:prSet>
+      <dgm:spPr/>
+    </dgm:pt>
+    <dgm:pt modelId="{A79CE6B8-B396-4BEC-81C6-6D6400DEB683}" type="pres">
+      <dgm:prSet presAssocID="{F00C5B57-6B92-4EBF-9595-BD1EC3363E81}" presName="root1" presStyleCnt="0"/>
+      <dgm:spPr/>
+    </dgm:pt>
+    <dgm:pt modelId="{D5EC8258-0EE2-41B3-B7BA-CC23FA384C36}" type="pres">
+      <dgm:prSet presAssocID="{F00C5B57-6B92-4EBF-9595-BD1EC3363E81}" presName="LevelOneTextNode" presStyleLbl="node0" presStyleIdx="0" presStyleCnt="1">
+        <dgm:presLayoutVars>
+          <dgm:chPref val="3"/>
+        </dgm:presLayoutVars>
+      </dgm:prSet>
+      <dgm:spPr/>
+    </dgm:pt>
+    <dgm:pt modelId="{2755FF18-05D7-46DD-A2DF-D2012BAAA091}" type="pres">
+      <dgm:prSet presAssocID="{F00C5B57-6B92-4EBF-9595-BD1EC3363E81}" presName="level2hierChild" presStyleCnt="0"/>
+      <dgm:spPr/>
+    </dgm:pt>
+    <dgm:pt modelId="{8B1F4AF5-0EF0-4590-8D6B-690351CC307E}" type="pres">
+      <dgm:prSet presAssocID="{E7465DCC-90A2-46AE-8FA5-A0965FC95E9B}" presName="conn2-1" presStyleLbl="parChTrans1D2" presStyleIdx="0" presStyleCnt="5"/>
+      <dgm:spPr/>
+    </dgm:pt>
+    <dgm:pt modelId="{BB881D9E-A0A2-486C-86D9-D42FD651403E}" type="pres">
+      <dgm:prSet presAssocID="{E7465DCC-90A2-46AE-8FA5-A0965FC95E9B}" presName="connTx" presStyleLbl="parChTrans1D2" presStyleIdx="0" presStyleCnt="5"/>
+      <dgm:spPr/>
+    </dgm:pt>
+    <dgm:pt modelId="{B42CF51C-8963-4249-92B9-26539219321B}" type="pres">
+      <dgm:prSet presAssocID="{374F2ABA-864D-46D9-971D-3577A76CC074}" presName="root2" presStyleCnt="0"/>
+      <dgm:spPr/>
+    </dgm:pt>
+    <dgm:pt modelId="{1D35A22F-E707-456F-8DAD-19016425F7B0}" type="pres">
+      <dgm:prSet presAssocID="{374F2ABA-864D-46D9-971D-3577A76CC074}" presName="LevelTwoTextNode" presStyleLbl="node2" presStyleIdx="0" presStyleCnt="5">
+        <dgm:presLayoutVars>
+          <dgm:chPref val="3"/>
+        </dgm:presLayoutVars>
+      </dgm:prSet>
+      <dgm:spPr/>
+    </dgm:pt>
+    <dgm:pt modelId="{C9F75AE0-859D-4883-85B9-1A1E1586EC84}" type="pres">
+      <dgm:prSet presAssocID="{374F2ABA-864D-46D9-971D-3577A76CC074}" presName="level3hierChild" presStyleCnt="0"/>
+      <dgm:spPr/>
+    </dgm:pt>
+    <dgm:pt modelId="{4164A9A4-20D8-4542-937C-757C62DF1683}" type="pres">
+      <dgm:prSet presAssocID="{D4912D9A-8FFE-4991-A87E-0A7876CF5281}" presName="conn2-1" presStyleLbl="parChTrans1D2" presStyleIdx="1" presStyleCnt="5"/>
+      <dgm:spPr/>
+    </dgm:pt>
+    <dgm:pt modelId="{D30F60D5-4F78-4BF4-875C-A57CC41CB995}" type="pres">
+      <dgm:prSet presAssocID="{D4912D9A-8FFE-4991-A87E-0A7876CF5281}" presName="connTx" presStyleLbl="parChTrans1D2" presStyleIdx="1" presStyleCnt="5"/>
+      <dgm:spPr/>
+    </dgm:pt>
+    <dgm:pt modelId="{C51EEF71-18FD-4873-8649-84834796492C}" type="pres">
+      <dgm:prSet presAssocID="{06BD4166-2C16-41D4-BB4B-2F3FC72803FA}" presName="root2" presStyleCnt="0"/>
+      <dgm:spPr/>
+    </dgm:pt>
+    <dgm:pt modelId="{5794B2B1-5E7C-46A1-A5DC-4AA8AEDD62E7}" type="pres">
+      <dgm:prSet presAssocID="{06BD4166-2C16-41D4-BB4B-2F3FC72803FA}" presName="LevelTwoTextNode" presStyleLbl="node2" presStyleIdx="1" presStyleCnt="5">
+        <dgm:presLayoutVars>
+          <dgm:chPref val="3"/>
+        </dgm:presLayoutVars>
+      </dgm:prSet>
+      <dgm:spPr/>
+    </dgm:pt>
+    <dgm:pt modelId="{7C4719FA-676E-4476-B006-B0606DEBD59E}" type="pres">
+      <dgm:prSet presAssocID="{06BD4166-2C16-41D4-BB4B-2F3FC72803FA}" presName="level3hierChild" presStyleCnt="0"/>
+      <dgm:spPr/>
+    </dgm:pt>
+    <dgm:pt modelId="{5F7E39ED-8C05-4F66-890C-FADCBB222908}" type="pres">
+      <dgm:prSet presAssocID="{DEF28DB9-D8D1-479B-B0AC-631FB40D370F}" presName="conn2-1" presStyleLbl="parChTrans1D2" presStyleIdx="2" presStyleCnt="5"/>
+      <dgm:spPr/>
+    </dgm:pt>
+    <dgm:pt modelId="{C466BE42-AF5D-47B1-A403-5CBE2026520A}" type="pres">
+      <dgm:prSet presAssocID="{DEF28DB9-D8D1-479B-B0AC-631FB40D370F}" presName="connTx" presStyleLbl="parChTrans1D2" presStyleIdx="2" presStyleCnt="5"/>
+      <dgm:spPr/>
+    </dgm:pt>
+    <dgm:pt modelId="{BFFF484A-7067-40DD-A251-5C4C8C1F80EE}" type="pres">
+      <dgm:prSet presAssocID="{E948E69D-B77F-49D5-9735-630B14E46376}" presName="root2" presStyleCnt="0"/>
+      <dgm:spPr/>
+    </dgm:pt>
+    <dgm:pt modelId="{831ADD0F-9BE3-45BC-9946-E26A8A9DC81B}" type="pres">
+      <dgm:prSet presAssocID="{E948E69D-B77F-49D5-9735-630B14E46376}" presName="LevelTwoTextNode" presStyleLbl="node2" presStyleIdx="2" presStyleCnt="5">
+        <dgm:presLayoutVars>
+          <dgm:chPref val="3"/>
+        </dgm:presLayoutVars>
+      </dgm:prSet>
+      <dgm:spPr/>
+    </dgm:pt>
+    <dgm:pt modelId="{ED660EC8-3F08-4ACD-A310-A7F3475DABF7}" type="pres">
+      <dgm:prSet presAssocID="{E948E69D-B77F-49D5-9735-630B14E46376}" presName="level3hierChild" presStyleCnt="0"/>
+      <dgm:spPr/>
+    </dgm:pt>
+    <dgm:pt modelId="{2491600B-5D5D-4E48-BB27-70241BEE6159}" type="pres">
+      <dgm:prSet presAssocID="{14D745EF-A98F-466E-9035-D633E5954490}" presName="conn2-1" presStyleLbl="parChTrans1D2" presStyleIdx="3" presStyleCnt="5"/>
+      <dgm:spPr/>
+    </dgm:pt>
+    <dgm:pt modelId="{18A10E7C-92D8-480A-AB12-931B87516310}" type="pres">
+      <dgm:prSet presAssocID="{14D745EF-A98F-466E-9035-D633E5954490}" presName="connTx" presStyleLbl="parChTrans1D2" presStyleIdx="3" presStyleCnt="5"/>
+      <dgm:spPr/>
+    </dgm:pt>
+    <dgm:pt modelId="{0181A2FF-7E6D-4B4B-A8D1-41778F8E2045}" type="pres">
+      <dgm:prSet presAssocID="{28E3100C-DF4F-445C-A646-7F9E88D171E6}" presName="root2" presStyleCnt="0"/>
+      <dgm:spPr/>
+    </dgm:pt>
+    <dgm:pt modelId="{3E0C09DA-AA28-41F4-884B-88B86381B7AF}" type="pres">
+      <dgm:prSet presAssocID="{28E3100C-DF4F-445C-A646-7F9E88D171E6}" presName="LevelTwoTextNode" presStyleLbl="node2" presStyleIdx="3" presStyleCnt="5">
+        <dgm:presLayoutVars>
+          <dgm:chPref val="3"/>
+        </dgm:presLayoutVars>
+      </dgm:prSet>
+      <dgm:spPr/>
+    </dgm:pt>
+    <dgm:pt modelId="{4644E4D3-1492-4C0A-97FD-D86E6A73E722}" type="pres">
+      <dgm:prSet presAssocID="{28E3100C-DF4F-445C-A646-7F9E88D171E6}" presName="level3hierChild" presStyleCnt="0"/>
+      <dgm:spPr/>
+    </dgm:pt>
+    <dgm:pt modelId="{46F7E848-9562-4D02-BBA3-0665A8FF4A52}" type="pres">
+      <dgm:prSet presAssocID="{1EA5D3CB-5D24-4356-A346-A663D354EA87}" presName="conn2-1" presStyleLbl="parChTrans1D2" presStyleIdx="4" presStyleCnt="5"/>
+      <dgm:spPr/>
+    </dgm:pt>
+    <dgm:pt modelId="{7FBD6E5A-B3F6-4244-86EB-DB96BBC5C4FE}" type="pres">
+      <dgm:prSet presAssocID="{1EA5D3CB-5D24-4356-A346-A663D354EA87}" presName="connTx" presStyleLbl="parChTrans1D2" presStyleIdx="4" presStyleCnt="5"/>
+      <dgm:spPr/>
+    </dgm:pt>
+    <dgm:pt modelId="{A440C243-8BFD-436C-A6DF-120AB108364A}" type="pres">
+      <dgm:prSet presAssocID="{977C100E-12F2-480B-BE31-4E8C6D5F65F7}" presName="root2" presStyleCnt="0"/>
+      <dgm:spPr/>
+    </dgm:pt>
+    <dgm:pt modelId="{E639B57E-D11D-4F6C-9D43-185CD8D791F4}" type="pres">
+      <dgm:prSet presAssocID="{977C100E-12F2-480B-BE31-4E8C6D5F65F7}" presName="LevelTwoTextNode" presStyleLbl="node2" presStyleIdx="4" presStyleCnt="5">
+        <dgm:presLayoutVars>
+          <dgm:chPref val="3"/>
+        </dgm:presLayoutVars>
+      </dgm:prSet>
+      <dgm:spPr/>
+    </dgm:pt>
+    <dgm:pt modelId="{35A51C97-0837-4F98-A20E-D2B506F51F10}" type="pres">
+      <dgm:prSet presAssocID="{977C100E-12F2-480B-BE31-4E8C6D5F65F7}" presName="level3hierChild" presStyleCnt="0"/>
+      <dgm:spPr/>
+    </dgm:pt>
+  </dgm:ptLst>
+  <dgm:cxnLst>
+    <dgm:cxn modelId="{CBB5AF0E-3CCD-4CF6-A4FD-FE812B4B0198}" type="presOf" srcId="{06BD4166-2C16-41D4-BB4B-2F3FC72803FA}" destId="{5794B2B1-5E7C-46A1-A5DC-4AA8AEDD62E7}" srcOrd="0" destOrd="0" presId="urn:microsoft.com/office/officeart/2008/layout/HorizontalMultiLevelHierarchy"/>
+    <dgm:cxn modelId="{7F13AC0F-0582-4BE8-9891-C685C641A436}" srcId="{F00C5B57-6B92-4EBF-9595-BD1EC3363E81}" destId="{28E3100C-DF4F-445C-A646-7F9E88D171E6}" srcOrd="3" destOrd="0" parTransId="{14D745EF-A98F-466E-9035-D633E5954490}" sibTransId="{47888A95-1ACF-4B74-AAF2-F98E805FD058}"/>
+    <dgm:cxn modelId="{5313021B-DEF8-4DE0-B397-04E13C631045}" srcId="{F00C5B57-6B92-4EBF-9595-BD1EC3363E81}" destId="{06BD4166-2C16-41D4-BB4B-2F3FC72803FA}" srcOrd="1" destOrd="0" parTransId="{D4912D9A-8FFE-4991-A87E-0A7876CF5281}" sibTransId="{F316972C-8BF8-448E-B2FA-55BB5EAD04EE}"/>
+    <dgm:cxn modelId="{8C34F31D-8914-491A-88ED-DF81BEC4AC77}" srcId="{B890B749-F72F-474C-AE18-69EE5F0B620C}" destId="{F00C5B57-6B92-4EBF-9595-BD1EC3363E81}" srcOrd="0" destOrd="0" parTransId="{292D5F01-E896-44F1-8D52-047E2A5C7E29}" sibTransId="{B4227AA9-ED87-4CBA-8D8F-066BED599C9E}"/>
+    <dgm:cxn modelId="{1595BC37-597D-4C15-945C-B2566944F558}" type="presOf" srcId="{D4912D9A-8FFE-4991-A87E-0A7876CF5281}" destId="{D30F60D5-4F78-4BF4-875C-A57CC41CB995}" srcOrd="1" destOrd="0" presId="urn:microsoft.com/office/officeart/2008/layout/HorizontalMultiLevelHierarchy"/>
+    <dgm:cxn modelId="{4D6EE03E-8FF5-4B45-8E5E-644D29A62436}" type="presOf" srcId="{E7465DCC-90A2-46AE-8FA5-A0965FC95E9B}" destId="{8B1F4AF5-0EF0-4590-8D6B-690351CC307E}" srcOrd="0" destOrd="0" presId="urn:microsoft.com/office/officeart/2008/layout/HorizontalMultiLevelHierarchy"/>
+    <dgm:cxn modelId="{1B926240-179F-4F8B-89E7-120278B6CF60}" type="presOf" srcId="{28E3100C-DF4F-445C-A646-7F9E88D171E6}" destId="{3E0C09DA-AA28-41F4-884B-88B86381B7AF}" srcOrd="0" destOrd="0" presId="urn:microsoft.com/office/officeart/2008/layout/HorizontalMultiLevelHierarchy"/>
+    <dgm:cxn modelId="{69C6C25E-9FFE-45CF-A4A7-EC32863DD34C}" type="presOf" srcId="{D4912D9A-8FFE-4991-A87E-0A7876CF5281}" destId="{4164A9A4-20D8-4542-937C-757C62DF1683}" srcOrd="0" destOrd="0" presId="urn:microsoft.com/office/officeart/2008/layout/HorizontalMultiLevelHierarchy"/>
+    <dgm:cxn modelId="{CAC0E263-C102-4CF4-A909-B242ABDF21E6}" type="presOf" srcId="{14D745EF-A98F-466E-9035-D633E5954490}" destId="{18A10E7C-92D8-480A-AB12-931B87516310}" srcOrd="1" destOrd="0" presId="urn:microsoft.com/office/officeart/2008/layout/HorizontalMultiLevelHierarchy"/>
+    <dgm:cxn modelId="{64EFF852-9761-48EF-9146-C9A2F07BFBDB}" type="presOf" srcId="{14D745EF-A98F-466E-9035-D633E5954490}" destId="{2491600B-5D5D-4E48-BB27-70241BEE6159}" srcOrd="0" destOrd="0" presId="urn:microsoft.com/office/officeart/2008/layout/HorizontalMultiLevelHierarchy"/>
+    <dgm:cxn modelId="{100F6358-8279-4A77-B73A-F3625CA74C9F}" srcId="{F00C5B57-6B92-4EBF-9595-BD1EC3363E81}" destId="{E948E69D-B77F-49D5-9735-630B14E46376}" srcOrd="2" destOrd="0" parTransId="{DEF28DB9-D8D1-479B-B0AC-631FB40D370F}" sibTransId="{D26C065A-9ECD-4649-8FD7-9472C9AFC44E}"/>
+    <dgm:cxn modelId="{6E061279-FDA0-4BD4-8FBC-D7B375781F78}" srcId="{F00C5B57-6B92-4EBF-9595-BD1EC3363E81}" destId="{374F2ABA-864D-46D9-971D-3577A76CC074}" srcOrd="0" destOrd="0" parTransId="{E7465DCC-90A2-46AE-8FA5-A0965FC95E9B}" sibTransId="{D7C792CD-CB6F-4804-A937-F4CD3C2B385F}"/>
+    <dgm:cxn modelId="{E89E6E89-5A21-43B7-AB61-D05CB52B8CE4}" type="presOf" srcId="{1EA5D3CB-5D24-4356-A346-A663D354EA87}" destId="{46F7E848-9562-4D02-BBA3-0665A8FF4A52}" srcOrd="0" destOrd="0" presId="urn:microsoft.com/office/officeart/2008/layout/HorizontalMultiLevelHierarchy"/>
+    <dgm:cxn modelId="{5753398A-EE14-44F7-A4CF-B3077EAC0EA2}" type="presOf" srcId="{977C100E-12F2-480B-BE31-4E8C6D5F65F7}" destId="{E639B57E-D11D-4F6C-9D43-185CD8D791F4}" srcOrd="0" destOrd="0" presId="urn:microsoft.com/office/officeart/2008/layout/HorizontalMultiLevelHierarchy"/>
+    <dgm:cxn modelId="{6816B399-4C3E-4B2A-AD7A-5A9AA184E7C3}" type="presOf" srcId="{DEF28DB9-D8D1-479B-B0AC-631FB40D370F}" destId="{5F7E39ED-8C05-4F66-890C-FADCBB222908}" srcOrd="0" destOrd="0" presId="urn:microsoft.com/office/officeart/2008/layout/HorizontalMultiLevelHierarchy"/>
+    <dgm:cxn modelId="{F430EC9E-F629-4AE4-AA56-EC92B06B69AF}" type="presOf" srcId="{F00C5B57-6B92-4EBF-9595-BD1EC3363E81}" destId="{D5EC8258-0EE2-41B3-B7BA-CC23FA384C36}" srcOrd="0" destOrd="0" presId="urn:microsoft.com/office/officeart/2008/layout/HorizontalMultiLevelHierarchy"/>
+    <dgm:cxn modelId="{D71D5BA5-CF8F-4AAB-BA1B-41E984D5DDF0}" type="presOf" srcId="{1EA5D3CB-5D24-4356-A346-A663D354EA87}" destId="{7FBD6E5A-B3F6-4244-86EB-DB96BBC5C4FE}" srcOrd="1" destOrd="0" presId="urn:microsoft.com/office/officeart/2008/layout/HorizontalMultiLevelHierarchy"/>
+    <dgm:cxn modelId="{6F43DDAF-0940-4AC9-B0DC-5F6ED1525EE0}" type="presOf" srcId="{E948E69D-B77F-49D5-9735-630B14E46376}" destId="{831ADD0F-9BE3-45BC-9946-E26A8A9DC81B}" srcOrd="0" destOrd="0" presId="urn:microsoft.com/office/officeart/2008/layout/HorizontalMultiLevelHierarchy"/>
+    <dgm:cxn modelId="{7B42AEB1-3584-46C1-8F89-3DF7C8F00052}" type="presOf" srcId="{DEF28DB9-D8D1-479B-B0AC-631FB40D370F}" destId="{C466BE42-AF5D-47B1-A403-5CBE2026520A}" srcOrd="1" destOrd="0" presId="urn:microsoft.com/office/officeart/2008/layout/HorizontalMultiLevelHierarchy"/>
+    <dgm:cxn modelId="{18E8EDB2-61A5-4982-9D82-F6C3C3920070}" type="presOf" srcId="{B890B749-F72F-474C-AE18-69EE5F0B620C}" destId="{E5B6AEB3-5421-4F48-9B1B-A58EEEFE23DC}" srcOrd="0" destOrd="0" presId="urn:microsoft.com/office/officeart/2008/layout/HorizontalMultiLevelHierarchy"/>
+    <dgm:cxn modelId="{576475B9-2813-4E4D-91BF-A7B9330D2E4B}" srcId="{F00C5B57-6B92-4EBF-9595-BD1EC3363E81}" destId="{977C100E-12F2-480B-BE31-4E8C6D5F65F7}" srcOrd="4" destOrd="0" parTransId="{1EA5D3CB-5D24-4356-A346-A663D354EA87}" sibTransId="{55498DD9-6239-4015-8C53-F7E02990B34C}"/>
+    <dgm:cxn modelId="{539753E3-3386-4637-9556-5BD55228338F}" type="presOf" srcId="{E7465DCC-90A2-46AE-8FA5-A0965FC95E9B}" destId="{BB881D9E-A0A2-486C-86D9-D42FD651403E}" srcOrd="1" destOrd="0" presId="urn:microsoft.com/office/officeart/2008/layout/HorizontalMultiLevelHierarchy"/>
+    <dgm:cxn modelId="{4A315AF6-B868-40C6-93F5-6521119ABAFF}" type="presOf" srcId="{374F2ABA-864D-46D9-971D-3577A76CC074}" destId="{1D35A22F-E707-456F-8DAD-19016425F7B0}" srcOrd="0" destOrd="0" presId="urn:microsoft.com/office/officeart/2008/layout/HorizontalMultiLevelHierarchy"/>
+    <dgm:cxn modelId="{BF9CDF88-A4E3-414C-A27A-3148813D5022}" type="presParOf" srcId="{E5B6AEB3-5421-4F48-9B1B-A58EEEFE23DC}" destId="{A79CE6B8-B396-4BEC-81C6-6D6400DEB683}" srcOrd="0" destOrd="0" presId="urn:microsoft.com/office/officeart/2008/layout/HorizontalMultiLevelHierarchy"/>
+    <dgm:cxn modelId="{7A207CAD-4DD4-4CB9-AE47-38ED0115C3DB}" type="presParOf" srcId="{A79CE6B8-B396-4BEC-81C6-6D6400DEB683}" destId="{D5EC8258-0EE2-41B3-B7BA-CC23FA384C36}" srcOrd="0" destOrd="0" presId="urn:microsoft.com/office/officeart/2008/layout/HorizontalMultiLevelHierarchy"/>
+    <dgm:cxn modelId="{34AF2F76-095B-4E7A-BE2A-CC91421F456E}" type="presParOf" srcId="{A79CE6B8-B396-4BEC-81C6-6D6400DEB683}" destId="{2755FF18-05D7-46DD-A2DF-D2012BAAA091}" srcOrd="1" destOrd="0" presId="urn:microsoft.com/office/officeart/2008/layout/HorizontalMultiLevelHierarchy"/>
+    <dgm:cxn modelId="{968EDDCA-0A3C-4848-9365-ADCC4745F1B0}" type="presParOf" srcId="{2755FF18-05D7-46DD-A2DF-D2012BAAA091}" destId="{8B1F4AF5-0EF0-4590-8D6B-690351CC307E}" srcOrd="0" destOrd="0" presId="urn:microsoft.com/office/officeart/2008/layout/HorizontalMultiLevelHierarchy"/>
+    <dgm:cxn modelId="{AB549011-B5EA-4629-B79A-574725C96A21}" type="presParOf" srcId="{8B1F4AF5-0EF0-4590-8D6B-690351CC307E}" destId="{BB881D9E-A0A2-486C-86D9-D42FD651403E}" srcOrd="0" destOrd="0" presId="urn:microsoft.com/office/officeart/2008/layout/HorizontalMultiLevelHierarchy"/>
+    <dgm:cxn modelId="{D925D837-F3C5-42E4-B34F-F9F76E7A2142}" type="presParOf" srcId="{2755FF18-05D7-46DD-A2DF-D2012BAAA091}" destId="{B42CF51C-8963-4249-92B9-26539219321B}" srcOrd="1" destOrd="0" presId="urn:microsoft.com/office/officeart/2008/layout/HorizontalMultiLevelHierarchy"/>
+    <dgm:cxn modelId="{4A5C7E33-4322-4307-A5E0-104D0B688446}" type="presParOf" srcId="{B42CF51C-8963-4249-92B9-26539219321B}" destId="{1D35A22F-E707-456F-8DAD-19016425F7B0}" srcOrd="0" destOrd="0" presId="urn:microsoft.com/office/officeart/2008/layout/HorizontalMultiLevelHierarchy"/>
+    <dgm:cxn modelId="{EBDE1353-C9E8-4842-8C71-287DEB12A62F}" type="presParOf" srcId="{B42CF51C-8963-4249-92B9-26539219321B}" destId="{C9F75AE0-859D-4883-85B9-1A1E1586EC84}" srcOrd="1" destOrd="0" presId="urn:microsoft.com/office/officeart/2008/layout/HorizontalMultiLevelHierarchy"/>
+    <dgm:cxn modelId="{1A0EB66E-F890-48DB-9E40-A19BE3A918CB}" type="presParOf" srcId="{2755FF18-05D7-46DD-A2DF-D2012BAAA091}" destId="{4164A9A4-20D8-4542-937C-757C62DF1683}" srcOrd="2" destOrd="0" presId="urn:microsoft.com/office/officeart/2008/layout/HorizontalMultiLevelHierarchy"/>
+    <dgm:cxn modelId="{0CA8279B-02FA-4963-8E71-A8C04DFE3FF0}" type="presParOf" srcId="{4164A9A4-20D8-4542-937C-757C62DF1683}" destId="{D30F60D5-4F78-4BF4-875C-A57CC41CB995}" srcOrd="0" destOrd="0" presId="urn:microsoft.com/office/officeart/2008/layout/HorizontalMultiLevelHierarchy"/>
+    <dgm:cxn modelId="{B21BFF6D-E89B-489B-BE0A-84730A6EAC33}" type="presParOf" srcId="{2755FF18-05D7-46DD-A2DF-D2012BAAA091}" destId="{C51EEF71-18FD-4873-8649-84834796492C}" srcOrd="3" destOrd="0" presId="urn:microsoft.com/office/officeart/2008/layout/HorizontalMultiLevelHierarchy"/>
+    <dgm:cxn modelId="{7CDD571F-03D3-48BD-807F-CFAF784D1BDF}" type="presParOf" srcId="{C51EEF71-18FD-4873-8649-84834796492C}" destId="{5794B2B1-5E7C-46A1-A5DC-4AA8AEDD62E7}" srcOrd="0" destOrd="0" presId="urn:microsoft.com/office/officeart/2008/layout/HorizontalMultiLevelHierarchy"/>
+    <dgm:cxn modelId="{E323AD77-9B2A-41E1-9753-8F08C64DCB13}" type="presParOf" srcId="{C51EEF71-18FD-4873-8649-84834796492C}" destId="{7C4719FA-676E-4476-B006-B0606DEBD59E}" srcOrd="1" destOrd="0" presId="urn:microsoft.com/office/officeart/2008/layout/HorizontalMultiLevelHierarchy"/>
+    <dgm:cxn modelId="{9469AACE-0722-4BBD-A166-988EA59C6C60}" type="presParOf" srcId="{2755FF18-05D7-46DD-A2DF-D2012BAAA091}" destId="{5F7E39ED-8C05-4F66-890C-FADCBB222908}" srcOrd="4" destOrd="0" presId="urn:microsoft.com/office/officeart/2008/layout/HorizontalMultiLevelHierarchy"/>
+    <dgm:cxn modelId="{4AC6EF89-0879-4E8E-B3E0-FC542BEB2184}" type="presParOf" srcId="{5F7E39ED-8C05-4F66-890C-FADCBB222908}" destId="{C466BE42-AF5D-47B1-A403-5CBE2026520A}" srcOrd="0" destOrd="0" presId="urn:microsoft.com/office/officeart/2008/layout/HorizontalMultiLevelHierarchy"/>
+    <dgm:cxn modelId="{AFEDA42F-A163-4093-8516-B8A4E07A91D6}" type="presParOf" srcId="{2755FF18-05D7-46DD-A2DF-D2012BAAA091}" destId="{BFFF484A-7067-40DD-A251-5C4C8C1F80EE}" srcOrd="5" destOrd="0" presId="urn:microsoft.com/office/officeart/2008/layout/HorizontalMultiLevelHierarchy"/>
+    <dgm:cxn modelId="{BF3BCE7F-DAFC-4E8A-8BDA-330691215370}" type="presParOf" srcId="{BFFF484A-7067-40DD-A251-5C4C8C1F80EE}" destId="{831ADD0F-9BE3-45BC-9946-E26A8A9DC81B}" srcOrd="0" destOrd="0" presId="urn:microsoft.com/office/officeart/2008/layout/HorizontalMultiLevelHierarchy"/>
+    <dgm:cxn modelId="{61A05670-C668-4FE2-9D69-44BB2E438D0C}" type="presParOf" srcId="{BFFF484A-7067-40DD-A251-5C4C8C1F80EE}" destId="{ED660EC8-3F08-4ACD-A310-A7F3475DABF7}" srcOrd="1" destOrd="0" presId="urn:microsoft.com/office/officeart/2008/layout/HorizontalMultiLevelHierarchy"/>
+    <dgm:cxn modelId="{3C735072-CE80-4D03-84A5-D9637C2BAAB7}" type="presParOf" srcId="{2755FF18-05D7-46DD-A2DF-D2012BAAA091}" destId="{2491600B-5D5D-4E48-BB27-70241BEE6159}" srcOrd="6" destOrd="0" presId="urn:microsoft.com/office/officeart/2008/layout/HorizontalMultiLevelHierarchy"/>
+    <dgm:cxn modelId="{ACE491F9-9F1C-4124-8607-85E896F8AB56}" type="presParOf" srcId="{2491600B-5D5D-4E48-BB27-70241BEE6159}" destId="{18A10E7C-92D8-480A-AB12-931B87516310}" srcOrd="0" destOrd="0" presId="urn:microsoft.com/office/officeart/2008/layout/HorizontalMultiLevelHierarchy"/>
+    <dgm:cxn modelId="{B1344913-633E-4614-BE96-9273345120C2}" type="presParOf" srcId="{2755FF18-05D7-46DD-A2DF-D2012BAAA091}" destId="{0181A2FF-7E6D-4B4B-A8D1-41778F8E2045}" srcOrd="7" destOrd="0" presId="urn:microsoft.com/office/officeart/2008/layout/HorizontalMultiLevelHierarchy"/>
+    <dgm:cxn modelId="{E2812C48-80F0-4891-A9DB-931C82E47012}" type="presParOf" srcId="{0181A2FF-7E6D-4B4B-A8D1-41778F8E2045}" destId="{3E0C09DA-AA28-41F4-884B-88B86381B7AF}" srcOrd="0" destOrd="0" presId="urn:microsoft.com/office/officeart/2008/layout/HorizontalMultiLevelHierarchy"/>
+    <dgm:cxn modelId="{40573341-7145-4F3E-95B4-A6E1484A9ABF}" type="presParOf" srcId="{0181A2FF-7E6D-4B4B-A8D1-41778F8E2045}" destId="{4644E4D3-1492-4C0A-97FD-D86E6A73E722}" srcOrd="1" destOrd="0" presId="urn:microsoft.com/office/officeart/2008/layout/HorizontalMultiLevelHierarchy"/>
+    <dgm:cxn modelId="{ABC9C989-504F-44B9-ADC7-BC62796A6E45}" type="presParOf" srcId="{2755FF18-05D7-46DD-A2DF-D2012BAAA091}" destId="{46F7E848-9562-4D02-BBA3-0665A8FF4A52}" srcOrd="8" destOrd="0" presId="urn:microsoft.com/office/officeart/2008/layout/HorizontalMultiLevelHierarchy"/>
+    <dgm:cxn modelId="{4F2C0B4D-699B-40F7-8361-8C417E1A3F6F}" type="presParOf" srcId="{46F7E848-9562-4D02-BBA3-0665A8FF4A52}" destId="{7FBD6E5A-B3F6-4244-86EB-DB96BBC5C4FE}" srcOrd="0" destOrd="0" presId="urn:microsoft.com/office/officeart/2008/layout/HorizontalMultiLevelHierarchy"/>
+    <dgm:cxn modelId="{98E173B8-A276-492E-A5BA-2087E9CCC0C0}" type="presParOf" srcId="{2755FF18-05D7-46DD-A2DF-D2012BAAA091}" destId="{A440C243-8BFD-436C-A6DF-120AB108364A}" srcOrd="9" destOrd="0" presId="urn:microsoft.com/office/officeart/2008/layout/HorizontalMultiLevelHierarchy"/>
+    <dgm:cxn modelId="{0F450041-3CC6-4400-9ADF-1DAC5187239C}" type="presParOf" srcId="{A440C243-8BFD-436C-A6DF-120AB108364A}" destId="{E639B57E-D11D-4F6C-9D43-185CD8D791F4}" srcOrd="0" destOrd="0" presId="urn:microsoft.com/office/officeart/2008/layout/HorizontalMultiLevelHierarchy"/>
+    <dgm:cxn modelId="{D12CF8C8-E17B-4345-8803-B00D2EB70EEA}" type="presParOf" srcId="{A440C243-8BFD-436C-A6DF-120AB108364A}" destId="{35A51C97-0837-4F98-A20E-D2B506F51F10}" srcOrd="1" destOrd="0" presId="urn:microsoft.com/office/officeart/2008/layout/HorizontalMultiLevelHierarchy"/>
+  </dgm:cxnLst>
+  <dgm:bg/>
+  <dgm:whole/>
+  <dgm:extLst>
+    <a:ext uri="http://schemas.microsoft.com/office/drawing/2008/diagram">
+      <dsp:dataModelExt xmlns:dsp="http://schemas.microsoft.com/office/drawing/2008/diagram" relId="rId6" minVer="http://schemas.openxmlformats.org/drawingml/2006/diagram"/>
+    </a:ext>
+  </dgm:extLst>
+</dgm:dataModel>
+</file>
+
+<file path=ppt/diagrams/drawing1.xml><?xml version="1.0" encoding="utf-8"?>
+<dsp:drawing xmlns:dgm="http://schemas.openxmlformats.org/drawingml/2006/diagram" xmlns:dsp="http://schemas.microsoft.com/office/drawing/2008/diagram" xmlns:a="http://schemas.openxmlformats.org/drawingml/2006/main">
+  <dsp:spTree>
+    <dsp:nvGrpSpPr>
+      <dsp:cNvPr id="0" name=""/>
+      <dsp:cNvGrpSpPr/>
+    </dsp:nvGrpSpPr>
+    <dsp:grpSpPr/>
+    <dsp:sp modelId="{46F7E848-9562-4D02-BBA3-0665A8FF4A52}">
+      <dsp:nvSpPr>
+        <dsp:cNvPr id="0" name=""/>
+        <dsp:cNvSpPr/>
+      </dsp:nvSpPr>
+      <dsp:spPr>
+        <a:xfrm>
+          <a:off x="3447292" y="2097881"/>
+          <a:ext cx="458611" cy="1747756"/>
+        </a:xfrm>
+        <a:custGeom>
+          <a:avLst/>
+          <a:gdLst/>
+          <a:ahLst/>
+          <a:cxnLst/>
+          <a:rect l="0" t="0" r="0" b="0"/>
+          <a:pathLst>
+            <a:path>
+              <a:moveTo>
+                <a:pt x="0" y="0"/>
+              </a:moveTo>
+              <a:lnTo>
+                <a:pt x="229305" y="0"/>
+              </a:lnTo>
+              <a:lnTo>
+                <a:pt x="229305" y="1747756"/>
+              </a:lnTo>
+              <a:lnTo>
+                <a:pt x="458611" y="1747756"/>
+              </a:lnTo>
+            </a:path>
+          </a:pathLst>
+        </a:custGeom>
+        <a:noFill/>
+        <a:ln w="19050" cap="rnd" cmpd="sng" algn="ctr">
+          <a:solidFill>
+            <a:schemeClr val="accent1">
+              <a:shade val="60000"/>
+              <a:hueOff val="0"/>
+              <a:satOff val="0"/>
+              <a:lumOff val="0"/>
+              <a:alphaOff val="0"/>
+            </a:schemeClr>
+          </a:solidFill>
+          <a:prstDash val="solid"/>
+        </a:ln>
+        <a:effectLst/>
+      </dsp:spPr>
+      <dsp:style>
+        <a:lnRef idx="2">
+          <a:scrgbClr r="0" g="0" b="0"/>
+        </a:lnRef>
+        <a:fillRef idx="0">
+          <a:scrgbClr r="0" g="0" b="0"/>
+        </a:fillRef>
+        <a:effectRef idx="0">
+          <a:scrgbClr r="0" g="0" b="0"/>
+        </a:effectRef>
+        <a:fontRef idx="minor"/>
+      </dsp:style>
+      <dsp:txBody>
+        <a:bodyPr spcFirstLastPara="0" vert="horz" wrap="square" lIns="12700" tIns="0" rIns="12700" bIns="0" numCol="1" spcCol="1270" anchor="ctr" anchorCtr="0">
+          <a:noAutofit/>
+        </a:bodyPr>
+        <a:lstStyle/>
+        <a:p>
+          <a:pPr marL="0" lvl="0" indent="0" algn="ctr" defTabSz="266700">
+            <a:lnSpc>
+              <a:spcPct val="90000"/>
+            </a:lnSpc>
+            <a:spcBef>
+              <a:spcPct val="0"/>
+            </a:spcBef>
+            <a:spcAft>
+              <a:spcPct val="35000"/>
+            </a:spcAft>
+            <a:buNone/>
+          </a:pPr>
+          <a:endParaRPr lang="hu-HU" sz="600" kern="1200"/>
+        </a:p>
+      </dsp:txBody>
+      <dsp:txXfrm>
+        <a:off x="3631425" y="2926585"/>
+        <a:ext cx="90346" cy="90346"/>
+      </dsp:txXfrm>
+    </dsp:sp>
+    <dsp:sp modelId="{2491600B-5D5D-4E48-BB27-70241BEE6159}">
+      <dsp:nvSpPr>
+        <dsp:cNvPr id="0" name=""/>
+        <dsp:cNvSpPr/>
+      </dsp:nvSpPr>
+      <dsp:spPr>
+        <a:xfrm>
+          <a:off x="3447292" y="2097881"/>
+          <a:ext cx="458611" cy="873878"/>
+        </a:xfrm>
+        <a:custGeom>
+          <a:avLst/>
+          <a:gdLst/>
+          <a:ahLst/>
+          <a:cxnLst/>
+          <a:rect l="0" t="0" r="0" b="0"/>
+          <a:pathLst>
+            <a:path>
+              <a:moveTo>
+                <a:pt x="0" y="0"/>
+              </a:moveTo>
+              <a:lnTo>
+                <a:pt x="229305" y="0"/>
+              </a:lnTo>
+              <a:lnTo>
+                <a:pt x="229305" y="873878"/>
+              </a:lnTo>
+              <a:lnTo>
+                <a:pt x="458611" y="873878"/>
+              </a:lnTo>
+            </a:path>
+          </a:pathLst>
+        </a:custGeom>
+        <a:noFill/>
+        <a:ln w="19050" cap="rnd" cmpd="sng" algn="ctr">
+          <a:solidFill>
+            <a:schemeClr val="accent1">
+              <a:shade val="60000"/>
+              <a:hueOff val="0"/>
+              <a:satOff val="0"/>
+              <a:lumOff val="0"/>
+              <a:alphaOff val="0"/>
+            </a:schemeClr>
+          </a:solidFill>
+          <a:prstDash val="solid"/>
+        </a:ln>
+        <a:effectLst/>
+      </dsp:spPr>
+      <dsp:style>
+        <a:lnRef idx="2">
+          <a:scrgbClr r="0" g="0" b="0"/>
+        </a:lnRef>
+        <a:fillRef idx="0">
+          <a:scrgbClr r="0" g="0" b="0"/>
+        </a:fillRef>
+        <a:effectRef idx="0">
+          <a:scrgbClr r="0" g="0" b="0"/>
+        </a:effectRef>
+        <a:fontRef idx="minor"/>
+      </dsp:style>
+      <dsp:txBody>
+        <a:bodyPr spcFirstLastPara="0" vert="horz" wrap="square" lIns="12700" tIns="0" rIns="12700" bIns="0" numCol="1" spcCol="1270" anchor="ctr" anchorCtr="0">
+          <a:noAutofit/>
+        </a:bodyPr>
+        <a:lstStyle/>
+        <a:p>
+          <a:pPr marL="0" lvl="0" indent="0" algn="ctr" defTabSz="222250">
+            <a:lnSpc>
+              <a:spcPct val="90000"/>
+            </a:lnSpc>
+            <a:spcBef>
+              <a:spcPct val="0"/>
+            </a:spcBef>
+            <a:spcAft>
+              <a:spcPct val="35000"/>
+            </a:spcAft>
+            <a:buNone/>
+          </a:pPr>
+          <a:endParaRPr lang="hu-HU" sz="500" kern="1200"/>
+        </a:p>
+      </dsp:txBody>
+      <dsp:txXfrm>
+        <a:off x="3651925" y="2510147"/>
+        <a:ext cx="49345" cy="49345"/>
+      </dsp:txXfrm>
+    </dsp:sp>
+    <dsp:sp modelId="{5F7E39ED-8C05-4F66-890C-FADCBB222908}">
+      <dsp:nvSpPr>
+        <dsp:cNvPr id="0" name=""/>
+        <dsp:cNvSpPr/>
+      </dsp:nvSpPr>
+      <dsp:spPr>
+        <a:xfrm>
+          <a:off x="3447292" y="2052161"/>
+          <a:ext cx="458611" cy="91440"/>
+        </a:xfrm>
+        <a:custGeom>
+          <a:avLst/>
+          <a:gdLst/>
+          <a:ahLst/>
+          <a:cxnLst/>
+          <a:rect l="0" t="0" r="0" b="0"/>
+          <a:pathLst>
+            <a:path>
+              <a:moveTo>
+                <a:pt x="0" y="45720"/>
+              </a:moveTo>
+              <a:lnTo>
+                <a:pt x="458611" y="45720"/>
+              </a:lnTo>
+            </a:path>
+          </a:pathLst>
+        </a:custGeom>
+        <a:noFill/>
+        <a:ln w="19050" cap="rnd" cmpd="sng" algn="ctr">
+          <a:solidFill>
+            <a:schemeClr val="accent1">
+              <a:shade val="60000"/>
+              <a:hueOff val="0"/>
+              <a:satOff val="0"/>
+              <a:lumOff val="0"/>
+              <a:alphaOff val="0"/>
+            </a:schemeClr>
+          </a:solidFill>
+          <a:prstDash val="solid"/>
+        </a:ln>
+        <a:effectLst/>
+      </dsp:spPr>
+      <dsp:style>
+        <a:lnRef idx="2">
+          <a:scrgbClr r="0" g="0" b="0"/>
+        </a:lnRef>
+        <a:fillRef idx="0">
+          <a:scrgbClr r="0" g="0" b="0"/>
+        </a:fillRef>
+        <a:effectRef idx="0">
+          <a:scrgbClr r="0" g="0" b="0"/>
+        </a:effectRef>
+        <a:fontRef idx="minor"/>
+      </dsp:style>
+      <dsp:txBody>
+        <a:bodyPr spcFirstLastPara="0" vert="horz" wrap="square" lIns="12700" tIns="0" rIns="12700" bIns="0" numCol="1" spcCol="1270" anchor="ctr" anchorCtr="0">
+          <a:noAutofit/>
+        </a:bodyPr>
+        <a:lstStyle/>
+        <a:p>
+          <a:pPr marL="0" lvl="0" indent="0" algn="ctr" defTabSz="222250">
+            <a:lnSpc>
+              <a:spcPct val="90000"/>
+            </a:lnSpc>
+            <a:spcBef>
+              <a:spcPct val="0"/>
+            </a:spcBef>
+            <a:spcAft>
+              <a:spcPct val="35000"/>
+            </a:spcAft>
+            <a:buNone/>
+          </a:pPr>
+          <a:endParaRPr lang="hu-HU" sz="500" kern="1200"/>
+        </a:p>
+      </dsp:txBody>
+      <dsp:txXfrm>
+        <a:off x="3665132" y="2086415"/>
+        <a:ext cx="22930" cy="22930"/>
+      </dsp:txXfrm>
+    </dsp:sp>
+    <dsp:sp modelId="{4164A9A4-20D8-4542-937C-757C62DF1683}">
+      <dsp:nvSpPr>
+        <dsp:cNvPr id="0" name=""/>
+        <dsp:cNvSpPr/>
+      </dsp:nvSpPr>
+      <dsp:spPr>
+        <a:xfrm>
+          <a:off x="3447292" y="1224002"/>
+          <a:ext cx="458611" cy="873878"/>
+        </a:xfrm>
+        <a:custGeom>
+          <a:avLst/>
+          <a:gdLst/>
+          <a:ahLst/>
+          <a:cxnLst/>
+          <a:rect l="0" t="0" r="0" b="0"/>
+          <a:pathLst>
+            <a:path>
+              <a:moveTo>
+                <a:pt x="0" y="873878"/>
+              </a:moveTo>
+              <a:lnTo>
+                <a:pt x="229305" y="873878"/>
+              </a:lnTo>
+              <a:lnTo>
+                <a:pt x="229305" y="0"/>
+              </a:lnTo>
+              <a:lnTo>
+                <a:pt x="458611" y="0"/>
+              </a:lnTo>
+            </a:path>
+          </a:pathLst>
+        </a:custGeom>
+        <a:noFill/>
+        <a:ln w="19050" cap="rnd" cmpd="sng" algn="ctr">
+          <a:solidFill>
+            <a:schemeClr val="accent1">
+              <a:shade val="60000"/>
+              <a:hueOff val="0"/>
+              <a:satOff val="0"/>
+              <a:lumOff val="0"/>
+              <a:alphaOff val="0"/>
+            </a:schemeClr>
+          </a:solidFill>
+          <a:prstDash val="solid"/>
+        </a:ln>
+        <a:effectLst/>
+      </dsp:spPr>
+      <dsp:style>
+        <a:lnRef idx="2">
+          <a:scrgbClr r="0" g="0" b="0"/>
+        </a:lnRef>
+        <a:fillRef idx="0">
+          <a:scrgbClr r="0" g="0" b="0"/>
+        </a:fillRef>
+        <a:effectRef idx="0">
+          <a:scrgbClr r="0" g="0" b="0"/>
+        </a:effectRef>
+        <a:fontRef idx="minor"/>
+      </dsp:style>
+      <dsp:txBody>
+        <a:bodyPr spcFirstLastPara="0" vert="horz" wrap="square" lIns="12700" tIns="0" rIns="12700" bIns="0" numCol="1" spcCol="1270" anchor="ctr" anchorCtr="0">
+          <a:noAutofit/>
+        </a:bodyPr>
+        <a:lstStyle/>
+        <a:p>
+          <a:pPr marL="0" lvl="0" indent="0" algn="ctr" defTabSz="222250">
+            <a:lnSpc>
+              <a:spcPct val="90000"/>
+            </a:lnSpc>
+            <a:spcBef>
+              <a:spcPct val="0"/>
+            </a:spcBef>
+            <a:spcAft>
+              <a:spcPct val="35000"/>
+            </a:spcAft>
+            <a:buNone/>
+          </a:pPr>
+          <a:endParaRPr lang="hu-HU" sz="500" kern="1200"/>
+        </a:p>
+      </dsp:txBody>
+      <dsp:txXfrm>
+        <a:off x="3651925" y="1636269"/>
+        <a:ext cx="49345" cy="49345"/>
+      </dsp:txXfrm>
+    </dsp:sp>
+    <dsp:sp modelId="{8B1F4AF5-0EF0-4590-8D6B-690351CC307E}">
+      <dsp:nvSpPr>
+        <dsp:cNvPr id="0" name=""/>
+        <dsp:cNvSpPr/>
+      </dsp:nvSpPr>
+      <dsp:spPr>
+        <a:xfrm>
+          <a:off x="3447292" y="350124"/>
+          <a:ext cx="458611" cy="1747756"/>
+        </a:xfrm>
+        <a:custGeom>
+          <a:avLst/>
+          <a:gdLst/>
+          <a:ahLst/>
+          <a:cxnLst/>
+          <a:rect l="0" t="0" r="0" b="0"/>
+          <a:pathLst>
+            <a:path>
+              <a:moveTo>
+                <a:pt x="0" y="1747756"/>
+              </a:moveTo>
+              <a:lnTo>
+                <a:pt x="229305" y="1747756"/>
+              </a:lnTo>
+              <a:lnTo>
+                <a:pt x="229305" y="0"/>
+              </a:lnTo>
+              <a:lnTo>
+                <a:pt x="458611" y="0"/>
+              </a:lnTo>
+            </a:path>
+          </a:pathLst>
+        </a:custGeom>
+        <a:noFill/>
+        <a:ln w="19050" cap="rnd" cmpd="sng" algn="ctr">
+          <a:solidFill>
+            <a:schemeClr val="accent1">
+              <a:shade val="60000"/>
+              <a:hueOff val="0"/>
+              <a:satOff val="0"/>
+              <a:lumOff val="0"/>
+              <a:alphaOff val="0"/>
+            </a:schemeClr>
+          </a:solidFill>
+          <a:prstDash val="solid"/>
+        </a:ln>
+        <a:effectLst/>
+      </dsp:spPr>
+      <dsp:style>
+        <a:lnRef idx="2">
+          <a:scrgbClr r="0" g="0" b="0"/>
+        </a:lnRef>
+        <a:fillRef idx="0">
+          <a:scrgbClr r="0" g="0" b="0"/>
+        </a:fillRef>
+        <a:effectRef idx="0">
+          <a:scrgbClr r="0" g="0" b="0"/>
+        </a:effectRef>
+        <a:fontRef idx="minor"/>
+      </dsp:style>
+      <dsp:txBody>
+        <a:bodyPr spcFirstLastPara="0" vert="horz" wrap="square" lIns="12700" tIns="0" rIns="12700" bIns="0" numCol="1" spcCol="1270" anchor="ctr" anchorCtr="0">
+          <a:noAutofit/>
+        </a:bodyPr>
+        <a:lstStyle/>
+        <a:p>
+          <a:pPr marL="0" lvl="0" indent="0" algn="ctr" defTabSz="266700">
+            <a:lnSpc>
+              <a:spcPct val="90000"/>
+            </a:lnSpc>
+            <a:spcBef>
+              <a:spcPct val="0"/>
+            </a:spcBef>
+            <a:spcAft>
+              <a:spcPct val="35000"/>
+            </a:spcAft>
+            <a:buNone/>
+          </a:pPr>
+          <a:endParaRPr lang="hu-HU" sz="600" kern="1200"/>
+        </a:p>
+      </dsp:txBody>
+      <dsp:txXfrm>
+        <a:off x="3631425" y="1178829"/>
+        <a:ext cx="90346" cy="90346"/>
+      </dsp:txXfrm>
+    </dsp:sp>
+    <dsp:sp modelId="{D5EC8258-0EE2-41B3-B7BA-CC23FA384C36}">
+      <dsp:nvSpPr>
+        <dsp:cNvPr id="0" name=""/>
+        <dsp:cNvSpPr/>
+      </dsp:nvSpPr>
+      <dsp:spPr>
+        <a:xfrm rot="16200000">
+          <a:off x="1257998" y="1748329"/>
+          <a:ext cx="3679486" cy="699102"/>
+        </a:xfrm>
+        <a:prstGeom prst="rect">
+          <a:avLst/>
+        </a:prstGeom>
+        <a:solidFill>
+          <a:schemeClr val="accent1">
+            <a:hueOff val="0"/>
+            <a:satOff val="0"/>
+            <a:lumOff val="0"/>
+            <a:alphaOff val="0"/>
+          </a:schemeClr>
+        </a:solidFill>
+        <a:ln w="19050" cap="rnd" cmpd="sng" algn="ctr">
+          <a:solidFill>
+            <a:schemeClr val="lt1">
+              <a:hueOff val="0"/>
+              <a:satOff val="0"/>
+              <a:lumOff val="0"/>
+              <a:alphaOff val="0"/>
+            </a:schemeClr>
+          </a:solidFill>
+          <a:prstDash val="solid"/>
+        </a:ln>
+        <a:effectLst/>
+      </dsp:spPr>
+      <dsp:style>
+        <a:lnRef idx="2">
+          <a:scrgbClr r="0" g="0" b="0"/>
+        </a:lnRef>
+        <a:fillRef idx="1">
+          <a:scrgbClr r="0" g="0" b="0"/>
+        </a:fillRef>
+        <a:effectRef idx="0">
+          <a:scrgbClr r="0" g="0" b="0"/>
+        </a:effectRef>
+        <a:fontRef idx="minor">
+          <a:schemeClr val="lt1"/>
+        </a:fontRef>
+      </dsp:style>
+      <dsp:txBody>
+        <a:bodyPr spcFirstLastPara="0" vert="horz" wrap="square" lIns="23495" tIns="23495" rIns="23495" bIns="23495" numCol="1" spcCol="1270" anchor="ctr" anchorCtr="0">
+          <a:noAutofit/>
+        </a:bodyPr>
+        <a:lstStyle/>
+        <a:p>
+          <a:pPr marL="0" lvl="0" indent="0" algn="ctr" defTabSz="1644650">
+            <a:lnSpc>
+              <a:spcPct val="90000"/>
+            </a:lnSpc>
+            <a:spcBef>
+              <a:spcPct val="0"/>
+            </a:spcBef>
+            <a:spcAft>
+              <a:spcPct val="35000"/>
+            </a:spcAft>
+            <a:buNone/>
+          </a:pPr>
+          <a:r>
+            <a:rPr lang="hu-HU" sz="3700" kern="1200" dirty="0" err="1"/>
+            <a:t>AnRoTa</a:t>
+          </a:r>
+          <a:r>
+            <a:rPr lang="hu-HU" sz="3700" kern="1200" dirty="0"/>
+            <a:t> Főoldal</a:t>
+          </a:r>
+        </a:p>
+      </dsp:txBody>
+      <dsp:txXfrm>
+        <a:off x="1257998" y="1748329"/>
+        <a:ext cx="3679486" cy="699102"/>
+      </dsp:txXfrm>
+    </dsp:sp>
+    <dsp:sp modelId="{1D35A22F-E707-456F-8DAD-19016425F7B0}">
+      <dsp:nvSpPr>
+        <dsp:cNvPr id="0" name=""/>
+        <dsp:cNvSpPr/>
+      </dsp:nvSpPr>
+      <dsp:spPr>
+        <a:xfrm>
+          <a:off x="3905903" y="573"/>
+          <a:ext cx="2293056" cy="699102"/>
+        </a:xfrm>
+        <a:prstGeom prst="rect">
+          <a:avLst/>
+        </a:prstGeom>
+        <a:solidFill>
+          <a:schemeClr val="accent1">
+            <a:hueOff val="0"/>
+            <a:satOff val="0"/>
+            <a:lumOff val="0"/>
+            <a:alphaOff val="0"/>
+          </a:schemeClr>
+        </a:solidFill>
+        <a:ln w="19050" cap="rnd" cmpd="sng" algn="ctr">
+          <a:solidFill>
+            <a:schemeClr val="lt1">
+              <a:hueOff val="0"/>
+              <a:satOff val="0"/>
+              <a:lumOff val="0"/>
+              <a:alphaOff val="0"/>
+            </a:schemeClr>
+          </a:solidFill>
+          <a:prstDash val="solid"/>
+        </a:ln>
+        <a:effectLst/>
+      </dsp:spPr>
+      <dsp:style>
+        <a:lnRef idx="2">
+          <a:scrgbClr r="0" g="0" b="0"/>
+        </a:lnRef>
+        <a:fillRef idx="1">
+          <a:scrgbClr r="0" g="0" b="0"/>
+        </a:fillRef>
+        <a:effectRef idx="0">
+          <a:scrgbClr r="0" g="0" b="0"/>
+        </a:effectRef>
+        <a:fontRef idx="minor">
+          <a:schemeClr val="lt1"/>
+        </a:fontRef>
+      </dsp:style>
+      <dsp:txBody>
+        <a:bodyPr spcFirstLastPara="0" vert="horz" wrap="square" lIns="13970" tIns="13970" rIns="13970" bIns="13970" numCol="1" spcCol="1270" anchor="ctr" anchorCtr="0">
+          <a:noAutofit/>
+        </a:bodyPr>
+        <a:lstStyle/>
+        <a:p>
+          <a:pPr marL="0" lvl="0" indent="0" algn="ctr" defTabSz="977900">
+            <a:lnSpc>
+              <a:spcPct val="90000"/>
+            </a:lnSpc>
+            <a:spcBef>
+              <a:spcPct val="0"/>
+            </a:spcBef>
+            <a:spcAft>
+              <a:spcPct val="35000"/>
+            </a:spcAft>
+            <a:buNone/>
+          </a:pPr>
+          <a:r>
+            <a:rPr lang="hu-HU" sz="2200" kern="1200" dirty="0"/>
+            <a:t>Kapcsolat</a:t>
+          </a:r>
+        </a:p>
+      </dsp:txBody>
+      <dsp:txXfrm>
+        <a:off x="3905903" y="573"/>
+        <a:ext cx="2293056" cy="699102"/>
+      </dsp:txXfrm>
+    </dsp:sp>
+    <dsp:sp modelId="{5794B2B1-5E7C-46A1-A5DC-4AA8AEDD62E7}">
+      <dsp:nvSpPr>
+        <dsp:cNvPr id="0" name=""/>
+        <dsp:cNvSpPr/>
+      </dsp:nvSpPr>
+      <dsp:spPr>
+        <a:xfrm>
+          <a:off x="3905903" y="874451"/>
+          <a:ext cx="2293056" cy="699102"/>
+        </a:xfrm>
+        <a:prstGeom prst="rect">
+          <a:avLst/>
+        </a:prstGeom>
+        <a:solidFill>
+          <a:schemeClr val="accent1">
+            <a:hueOff val="0"/>
+            <a:satOff val="0"/>
+            <a:lumOff val="0"/>
+            <a:alphaOff val="0"/>
+          </a:schemeClr>
+        </a:solidFill>
+        <a:ln w="19050" cap="rnd" cmpd="sng" algn="ctr">
+          <a:solidFill>
+            <a:schemeClr val="lt1">
+              <a:hueOff val="0"/>
+              <a:satOff val="0"/>
+              <a:lumOff val="0"/>
+              <a:alphaOff val="0"/>
+            </a:schemeClr>
+          </a:solidFill>
+          <a:prstDash val="solid"/>
+        </a:ln>
+        <a:effectLst/>
+      </dsp:spPr>
+      <dsp:style>
+        <a:lnRef idx="2">
+          <a:scrgbClr r="0" g="0" b="0"/>
+        </a:lnRef>
+        <a:fillRef idx="1">
+          <a:scrgbClr r="0" g="0" b="0"/>
+        </a:fillRef>
+        <a:effectRef idx="0">
+          <a:scrgbClr r="0" g="0" b="0"/>
+        </a:effectRef>
+        <a:fontRef idx="minor">
+          <a:schemeClr val="lt1"/>
+        </a:fontRef>
+      </dsp:style>
+      <dsp:txBody>
+        <a:bodyPr spcFirstLastPara="0" vert="horz" wrap="square" lIns="13970" tIns="13970" rIns="13970" bIns="13970" numCol="1" spcCol="1270" anchor="ctr" anchorCtr="0">
+          <a:noAutofit/>
+        </a:bodyPr>
+        <a:lstStyle/>
+        <a:p>
+          <a:pPr marL="0" lvl="0" indent="0" algn="ctr" defTabSz="977900">
+            <a:lnSpc>
+              <a:spcPct val="90000"/>
+            </a:lnSpc>
+            <a:spcBef>
+              <a:spcPct val="0"/>
+            </a:spcBef>
+            <a:spcAft>
+              <a:spcPct val="35000"/>
+            </a:spcAft>
+            <a:buNone/>
+          </a:pPr>
+          <a:r>
+            <a:rPr lang="hu-HU" sz="2200" kern="1200" dirty="0"/>
+            <a:t>Tervező</a:t>
+          </a:r>
+        </a:p>
+      </dsp:txBody>
+      <dsp:txXfrm>
+        <a:off x="3905903" y="874451"/>
+        <a:ext cx="2293056" cy="699102"/>
+      </dsp:txXfrm>
+    </dsp:sp>
+    <dsp:sp modelId="{831ADD0F-9BE3-45BC-9946-E26A8A9DC81B}">
+      <dsp:nvSpPr>
+        <dsp:cNvPr id="0" name=""/>
+        <dsp:cNvSpPr/>
+      </dsp:nvSpPr>
+      <dsp:spPr>
+        <a:xfrm>
+          <a:off x="3905903" y="1748329"/>
+          <a:ext cx="2293056" cy="699102"/>
+        </a:xfrm>
+        <a:prstGeom prst="rect">
+          <a:avLst/>
+        </a:prstGeom>
+        <a:solidFill>
+          <a:schemeClr val="accent1">
+            <a:hueOff val="0"/>
+            <a:satOff val="0"/>
+            <a:lumOff val="0"/>
+            <a:alphaOff val="0"/>
+          </a:schemeClr>
+        </a:solidFill>
+        <a:ln w="19050" cap="rnd" cmpd="sng" algn="ctr">
+          <a:solidFill>
+            <a:schemeClr val="lt1">
+              <a:hueOff val="0"/>
+              <a:satOff val="0"/>
+              <a:lumOff val="0"/>
+              <a:alphaOff val="0"/>
+            </a:schemeClr>
+          </a:solidFill>
+          <a:prstDash val="solid"/>
+        </a:ln>
+        <a:effectLst/>
+      </dsp:spPr>
+      <dsp:style>
+        <a:lnRef idx="2">
+          <a:scrgbClr r="0" g="0" b="0"/>
+        </a:lnRef>
+        <a:fillRef idx="1">
+          <a:scrgbClr r="0" g="0" b="0"/>
+        </a:fillRef>
+        <a:effectRef idx="0">
+          <a:scrgbClr r="0" g="0" b="0"/>
+        </a:effectRef>
+        <a:fontRef idx="minor">
+          <a:schemeClr val="lt1"/>
+        </a:fontRef>
+      </dsp:style>
+      <dsp:txBody>
+        <a:bodyPr spcFirstLastPara="0" vert="horz" wrap="square" lIns="13970" tIns="13970" rIns="13970" bIns="13970" numCol="1" spcCol="1270" anchor="ctr" anchorCtr="0">
+          <a:noAutofit/>
+        </a:bodyPr>
+        <a:lstStyle/>
+        <a:p>
+          <a:pPr marL="0" lvl="0" indent="0" algn="ctr" defTabSz="977900">
+            <a:lnSpc>
+              <a:spcPct val="90000"/>
+            </a:lnSpc>
+            <a:spcBef>
+              <a:spcPct val="0"/>
+            </a:spcBef>
+            <a:spcAft>
+              <a:spcPct val="35000"/>
+            </a:spcAft>
+            <a:buNone/>
+          </a:pPr>
+          <a:r>
+            <a:rPr lang="hu-HU" sz="2200" kern="1200" dirty="0"/>
+            <a:t>Szolgáltatásaink</a:t>
+          </a:r>
+        </a:p>
+      </dsp:txBody>
+      <dsp:txXfrm>
+        <a:off x="3905903" y="1748329"/>
+        <a:ext cx="2293056" cy="699102"/>
+      </dsp:txXfrm>
+    </dsp:sp>
+    <dsp:sp modelId="{3E0C09DA-AA28-41F4-884B-88B86381B7AF}">
+      <dsp:nvSpPr>
+        <dsp:cNvPr id="0" name=""/>
+        <dsp:cNvSpPr/>
+      </dsp:nvSpPr>
+      <dsp:spPr>
+        <a:xfrm>
+          <a:off x="3905903" y="2622207"/>
+          <a:ext cx="2293056" cy="699102"/>
+        </a:xfrm>
+        <a:prstGeom prst="rect">
+          <a:avLst/>
+        </a:prstGeom>
+        <a:solidFill>
+          <a:schemeClr val="accent1">
+            <a:hueOff val="0"/>
+            <a:satOff val="0"/>
+            <a:lumOff val="0"/>
+            <a:alphaOff val="0"/>
+          </a:schemeClr>
+        </a:solidFill>
+        <a:ln w="19050" cap="rnd" cmpd="sng" algn="ctr">
+          <a:solidFill>
+            <a:schemeClr val="lt1">
+              <a:hueOff val="0"/>
+              <a:satOff val="0"/>
+              <a:lumOff val="0"/>
+              <a:alphaOff val="0"/>
+            </a:schemeClr>
+          </a:solidFill>
+          <a:prstDash val="solid"/>
+        </a:ln>
+        <a:effectLst/>
+      </dsp:spPr>
+      <dsp:style>
+        <a:lnRef idx="2">
+          <a:scrgbClr r="0" g="0" b="0"/>
+        </a:lnRef>
+        <a:fillRef idx="1">
+          <a:scrgbClr r="0" g="0" b="0"/>
+        </a:fillRef>
+        <a:effectRef idx="0">
+          <a:scrgbClr r="0" g="0" b="0"/>
+        </a:effectRef>
+        <a:fontRef idx="minor">
+          <a:schemeClr val="lt1"/>
+        </a:fontRef>
+      </dsp:style>
+      <dsp:txBody>
+        <a:bodyPr spcFirstLastPara="0" vert="horz" wrap="square" lIns="13970" tIns="13970" rIns="13970" bIns="13970" numCol="1" spcCol="1270" anchor="ctr" anchorCtr="0">
+          <a:noAutofit/>
+        </a:bodyPr>
+        <a:lstStyle/>
+        <a:p>
+          <a:pPr marL="0" lvl="0" indent="0" algn="ctr" defTabSz="977900">
+            <a:lnSpc>
+              <a:spcPct val="90000"/>
+            </a:lnSpc>
+            <a:spcBef>
+              <a:spcPct val="0"/>
+            </a:spcBef>
+            <a:spcAft>
+              <a:spcPct val="35000"/>
+            </a:spcAft>
+            <a:buNone/>
+          </a:pPr>
+          <a:r>
+            <a:rPr lang="hu-HU" sz="2200" kern="1200" dirty="0"/>
+            <a:t>Webshop</a:t>
+          </a:r>
+        </a:p>
+      </dsp:txBody>
+      <dsp:txXfrm>
+        <a:off x="3905903" y="2622207"/>
+        <a:ext cx="2293056" cy="699102"/>
+      </dsp:txXfrm>
+    </dsp:sp>
+    <dsp:sp modelId="{E639B57E-D11D-4F6C-9D43-185CD8D791F4}">
+      <dsp:nvSpPr>
+        <dsp:cNvPr id="0" name=""/>
+        <dsp:cNvSpPr/>
+      </dsp:nvSpPr>
+      <dsp:spPr>
+        <a:xfrm>
+          <a:off x="3905903" y="3496085"/>
+          <a:ext cx="2293056" cy="699102"/>
+        </a:xfrm>
+        <a:prstGeom prst="rect">
+          <a:avLst/>
+        </a:prstGeom>
+        <a:solidFill>
+          <a:schemeClr val="accent1">
+            <a:hueOff val="0"/>
+            <a:satOff val="0"/>
+            <a:lumOff val="0"/>
+            <a:alphaOff val="0"/>
+          </a:schemeClr>
+        </a:solidFill>
+        <a:ln w="19050" cap="rnd" cmpd="sng" algn="ctr">
+          <a:solidFill>
+            <a:schemeClr val="lt1">
+              <a:hueOff val="0"/>
+              <a:satOff val="0"/>
+              <a:lumOff val="0"/>
+              <a:alphaOff val="0"/>
+            </a:schemeClr>
+          </a:solidFill>
+          <a:prstDash val="solid"/>
+        </a:ln>
+        <a:effectLst/>
+      </dsp:spPr>
+      <dsp:style>
+        <a:lnRef idx="2">
+          <a:scrgbClr r="0" g="0" b="0"/>
+        </a:lnRef>
+        <a:fillRef idx="1">
+          <a:scrgbClr r="0" g="0" b="0"/>
+        </a:fillRef>
+        <a:effectRef idx="0">
+          <a:scrgbClr r="0" g="0" b="0"/>
+        </a:effectRef>
+        <a:fontRef idx="minor">
+          <a:schemeClr val="lt1"/>
+        </a:fontRef>
+      </dsp:style>
+      <dsp:txBody>
+        <a:bodyPr spcFirstLastPara="0" vert="horz" wrap="square" lIns="13970" tIns="13970" rIns="13970" bIns="13970" numCol="1" spcCol="1270" anchor="ctr" anchorCtr="0">
+          <a:noAutofit/>
+        </a:bodyPr>
+        <a:lstStyle/>
+        <a:p>
+          <a:pPr marL="0" lvl="0" indent="0" algn="ctr" defTabSz="977900">
+            <a:lnSpc>
+              <a:spcPct val="90000"/>
+            </a:lnSpc>
+            <a:spcBef>
+              <a:spcPct val="0"/>
+            </a:spcBef>
+            <a:spcAft>
+              <a:spcPct val="35000"/>
+            </a:spcAft>
+            <a:buNone/>
+          </a:pPr>
+          <a:r>
+            <a:rPr lang="hu-HU" sz="2200" kern="1200" dirty="0"/>
+            <a:t>DIY</a:t>
+          </a:r>
+        </a:p>
+      </dsp:txBody>
+      <dsp:txXfrm>
+        <a:off x="3905903" y="3496085"/>
+        <a:ext cx="2293056" cy="699102"/>
+      </dsp:txXfrm>
+    </dsp:sp>
+  </dsp:spTree>
+</dsp:drawing>
+</file>
+
+<file path=ppt/diagrams/layout1.xml><?xml version="1.0" encoding="utf-8"?>
+<dgm:layoutDef xmlns:dgm="http://schemas.openxmlformats.org/drawingml/2006/diagram" xmlns:a="http://schemas.openxmlformats.org/drawingml/2006/main" uniqueId="urn:microsoft.com/office/officeart/2008/layout/HorizontalMultiLevelHierarchy">
+  <dgm:title val=""/>
+  <dgm:desc val=""/>
+  <dgm:catLst>
+    <dgm:cat type="hierarchy" pri="4600"/>
+  </dgm:catLst>
+  <dgm:sampData>
+    <dgm:dataModel>
+      <dgm:ptLst>
+        <dgm:pt modelId="0" type="doc"/>
+        <dgm:pt modelId="1">
+          <dgm:prSet phldr="1"/>
+        </dgm:pt>
+        <dgm:pt modelId="11">
+          <dgm:prSet phldr="1"/>
+        </dgm:pt>
+        <dgm:pt modelId="12">
+          <dgm:prSet phldr="1"/>
+        </dgm:pt>
+        <dgm:pt modelId="13">
+          <dgm:prSet phldr="1"/>
+        </dgm:pt>
+      </dgm:ptLst>
+      <dgm:cxnLst>
+        <dgm:cxn modelId="2" srcId="0" destId="1" srcOrd="0" destOrd="0"/>
+        <dgm:cxn modelId="3" srcId="1" destId="11" srcOrd="0" destOrd="0"/>
+        <dgm:cxn modelId="4" srcId="1" destId="12" srcOrd="1" destOrd="0"/>
+        <dgm:cxn modelId="5" srcId="1" destId="13" srcOrd="2" destOrd="0"/>
+      </dgm:cxnLst>
+      <dgm:bg/>
+      <dgm:whole/>
+    </dgm:dataModel>
+  </dgm:sampData>
+  <dgm:styleData>
+    <dgm:dataModel>
+      <dgm:ptLst>
+        <dgm:pt modelId="0" type="doc"/>
+        <dgm:pt modelId="1">
+          <dgm:prSet phldr="1"/>
+        </dgm:pt>
+        <dgm:pt modelId="11">
+          <dgm:prSet phldr="1"/>
+        </dgm:pt>
+        <dgm:pt modelId="12">
+          <dgm:prSet phldr="1"/>
+        </dgm:pt>
+      </dgm:ptLst>
+      <dgm:cxnLst>
+        <dgm:cxn modelId="2" srcId="0" destId="1" srcOrd="0" destOrd="0"/>
+        <dgm:cxn modelId="3" srcId="1" destId="11" srcOrd="0" destOrd="0"/>
+        <dgm:cxn modelId="4" srcId="1" destId="12" srcOrd="1" destOrd="0"/>
+      </dgm:cxnLst>
+      <dgm:bg/>
+      <dgm:whole/>
+    </dgm:dataModel>
+  </dgm:styleData>
+  <dgm:clrData>
+    <dgm:dataModel>
+      <dgm:ptLst>
+        <dgm:pt modelId="0" type="doc"/>
+        <dgm:pt modelId="1">
+          <dgm:prSet phldr="1"/>
+        </dgm:pt>
+        <dgm:pt modelId="11">
+          <dgm:prSet phldr="1"/>
+        </dgm:pt>
+        <dgm:pt modelId="12">
+          <dgm:prSet phldr="1"/>
+        </dgm:pt>
+        <dgm:pt modelId="13">
+          <dgm:prSet phldr="1"/>
+        </dgm:pt>
+      </dgm:ptLst>
+      <dgm:cxnLst>
+        <dgm:cxn modelId="2" srcId="0" destId="1" srcOrd="0" destOrd="0"/>
+        <dgm:cxn modelId="3" srcId="1" destId="11" srcOrd="0" destOrd="0"/>
+        <dgm:cxn modelId="4" srcId="1" destId="12" srcOrd="1" destOrd="0"/>
+        <dgm:cxn modelId="5" srcId="1" destId="13" srcOrd="2" destOrd="0"/>
+      </dgm:cxnLst>
+      <dgm:bg/>
+      <dgm:whole/>
+    </dgm:dataModel>
+  </dgm:clrData>
+  <dgm:layoutNode name="Name0">
+    <dgm:varLst>
+      <dgm:chPref val="1"/>
+      <dgm:dir/>
+      <dgm:animOne val="branch"/>
+      <dgm:animLvl val="lvl"/>
+      <dgm:resizeHandles val="exact"/>
+    </dgm:varLst>
+    <dgm:choose name="Name1">
+      <dgm:if name="Name2" func="var" arg="dir" op="equ" val="norm">
+        <dgm:alg type="hierChild">
+          <dgm:param type="linDir" val="fromT"/>
+          <dgm:param type="chAlign" val="l"/>
+        </dgm:alg>
+      </dgm:if>
+      <dgm:else name="Name3">
+        <dgm:alg type="hierChild">
+          <dgm:param type="linDir" val="fromT"/>
+          <dgm:param type="chAlign" val="r"/>
+        </dgm:alg>
+      </dgm:else>
+    </dgm:choose>
+    <dgm:shape xmlns:r="http://schemas.openxmlformats.org/officeDocument/2006/relationships" r:blip="">
+      <dgm:adjLst/>
+    </dgm:shape>
+    <dgm:presOf/>
+    <dgm:constrLst>
+      <dgm:constr type="h" for="des" forName="LevelOneTextNode" refType="h"/>
+      <dgm:constr type="w" for="des" forName="LevelOneTextNode" refType="h" refFor="des" refForName="LevelOneTextNode" fact="0.19"/>
+      <dgm:constr type="h" for="des" forName="LevelTwoTextNode" refType="w" refFor="des" refForName="LevelOneTextNode"/>
+      <dgm:constr type="w" for="des" forName="LevelTwoTextNode" refType="h" refFor="des" refForName="LevelTwoTextNode" fact="3.28"/>
+      <dgm:constr type="sibSp" refType="h" refFor="des" refForName="LevelTwoTextNode" op="equ" fact="0.25"/>
+      <dgm:constr type="sibSp" for="des" forName="level2hierChild" refType="h" refFor="des" refForName="LevelTwoTextNode" op="equ" fact="0.25"/>
+      <dgm:constr type="sibSp" for="des" forName="level3hierChild" refType="h" refFor="des" refForName="LevelTwoTextNode" op="equ" fact="0.25"/>
+      <dgm:constr type="sp" for="des" forName="root1" refType="w" refFor="des" refForName="LevelTwoTextNode" fact="0.2"/>
+      <dgm:constr type="sp" for="des" forName="root2" refType="sp" refFor="des" refForName="root1" op="equ"/>
+      <dgm:constr type="primFontSz" for="des" forName="LevelOneTextNode" op="equ" val="65"/>
+      <dgm:constr type="primFontSz" for="des" forName="LevelTwoTextNode" op="equ" val="65"/>
+      <dgm:constr type="primFontSz" for="des" forName="LevelTwoTextNode" refType="primFontSz" refFor="des" refForName="LevelOneTextNode" op="lte"/>
+      <dgm:constr type="primFontSz" for="des" forName="connTx" op="equ" val="50"/>
+      <dgm:constr type="primFontSz" for="des" forName="connTx" refType="primFontSz" refFor="des" refForName="LevelOneTextNode" op="lte" fact="0.78"/>
+    </dgm:constrLst>
+    <dgm:forEach name="Name4" axis="ch">
+      <dgm:forEach name="Name5" axis="self" ptType="node">
+        <dgm:layoutNode name="root1">
+          <dgm:choose name="Name6">
+            <dgm:if name="Name7" func="var" arg="dir" op="equ" val="norm">
+              <dgm:alg type="hierRoot">
+                <dgm:param type="hierAlign" val="lCtrCh"/>
+              </dgm:alg>
+            </dgm:if>
+            <dgm:else name="Name8">
+              <dgm:alg type="hierRoot">
+                <dgm:param type="hierAlign" val="rCtrCh"/>
+              </dgm:alg>
+            </dgm:else>
+          </dgm:choose>
+          <dgm:shape xmlns:r="http://schemas.openxmlformats.org/officeDocument/2006/relationships" r:blip="">
+            <dgm:adjLst/>
+          </dgm:shape>
+          <dgm:presOf/>
+          <dgm:layoutNode name="LevelOneTextNode" styleLbl="node0">
+            <dgm:varLst>
+              <dgm:chPref val="3"/>
+            </dgm:varLst>
+            <dgm:alg type="tx">
+              <dgm:param type="autoTxRot" val="grav"/>
+            </dgm:alg>
+            <dgm:choose name="Name9">
+              <dgm:if name="Name10" func="var" arg="dir" op="equ" val="norm">
+                <dgm:shape xmlns:r="http://schemas.openxmlformats.org/officeDocument/2006/relationships" rot="270" type="rect" r:blip="">
+                  <dgm:adjLst/>
+                </dgm:shape>
+              </dgm:if>
+              <dgm:else name="Name11">
+                <dgm:shape xmlns:r="http://schemas.openxmlformats.org/officeDocument/2006/relationships" rot="90" type="rect" r:blip="">
+                  <dgm:adjLst/>
+                </dgm:shape>
+              </dgm:else>
+            </dgm:choose>
+            <dgm:presOf axis="self"/>
+            <dgm:constrLst>
+              <dgm:constr type="tMarg" refType="primFontSz" fact="0.05"/>
+              <dgm:constr type="bMarg" refType="primFontSz" fact="0.05"/>
+              <dgm:constr type="lMarg" refType="primFontSz" fact="0.05"/>
+              <dgm:constr type="rMarg" refType="primFontSz" fact="0.05"/>
+            </dgm:constrLst>
+            <dgm:ruleLst>
+              <dgm:rule type="primFontSz" val="2" fact="NaN" max="NaN"/>
+            </dgm:ruleLst>
+          </dgm:layoutNode>
+          <dgm:layoutNode name="level2hierChild">
+            <dgm:choose name="Name12">
+              <dgm:if name="Name13" func="var" arg="dir" op="equ" val="norm">
+                <dgm:alg type="hierChild">
+                  <dgm:param type="linDir" val="fromT"/>
+                  <dgm:param type="chAlign" val="l"/>
+                </dgm:alg>
+              </dgm:if>
+              <dgm:else name="Name14">
+                <dgm:alg type="hierChild">
+                  <dgm:param type="linDir" val="fromT"/>
+                  <dgm:param type="chAlign" val="r"/>
+                </dgm:alg>
+              </dgm:else>
+            </dgm:choose>
+            <dgm:shape xmlns:r="http://schemas.openxmlformats.org/officeDocument/2006/relationships" r:blip="">
+              <dgm:adjLst/>
+            </dgm:shape>
+            <dgm:presOf/>
+            <dgm:forEach name="repeat" axis="ch">
+              <dgm:forEach name="Name15" axis="self" ptType="parTrans" cnt="1">
+                <dgm:layoutNode name="conn2-1">
+                  <dgm:choose name="Name16">
+                    <dgm:if name="Name17" func="var" arg="dir" op="equ" val="norm">
+                      <dgm:alg type="conn">
+                        <dgm:param type="dim" val="1D"/>
+                        <dgm:param type="begPts" val="midR"/>
+                        <dgm:param type="endPts" val="midL"/>
+                        <dgm:param type="endSty" val="noArr"/>
+                        <dgm:param type="connRout" val="bend"/>
+                      </dgm:alg>
+                    </dgm:if>
+                    <dgm:else name="Name18">
+                      <dgm:alg type="conn">
+                        <dgm:param type="dim" val="1D"/>
+                        <dgm:param type="begPts" val="midL"/>
+                        <dgm:param type="endPts" val="midR"/>
+                        <dgm:param type="endSty" val="noArr"/>
+                        <dgm:param type="connRout" val="bend"/>
+                      </dgm:alg>
+                    </dgm:else>
+                  </dgm:choose>
+                  <dgm:shape xmlns:r="http://schemas.openxmlformats.org/officeDocument/2006/relationships" type="conn" r:blip="" zOrderOff="-99999">
+                    <dgm:adjLst/>
+                  </dgm:shape>
+                  <dgm:presOf axis="self"/>
+                  <dgm:constrLst>
+                    <dgm:constr type="w" val="1"/>
+                    <dgm:constr type="h" val="5"/>
+                    <dgm:constr type="connDist"/>
+                    <dgm:constr type="begPad"/>
+                    <dgm:constr type="endPad"/>
+                    <dgm:constr type="userA" for="ch" refType="connDist"/>
+                  </dgm:constrLst>
+                  <dgm:layoutNode name="connTx">
+                    <dgm:alg type="tx">
+                      <dgm:param type="autoTxRot" val="grav"/>
+                    </dgm:alg>
+                    <dgm:shape xmlns:r="http://schemas.openxmlformats.org/officeDocument/2006/relationships" type="rect" r:blip="" hideGeom="1">
+                      <dgm:adjLst/>
+                    </dgm:shape>
+                    <dgm:presOf axis="self"/>
+                    <dgm:constrLst>
+                      <dgm:constr type="userA"/>
+                      <dgm:constr type="w" refType="userA" fact="0.05"/>
+                      <dgm:constr type="h" refType="userA" fact="0.05"/>
+                      <dgm:constr type="lMarg" val="1"/>
+                      <dgm:constr type="rMarg" val="1"/>
+                      <dgm:constr type="tMarg"/>
+                      <dgm:constr type="bMarg"/>
+                    </dgm:constrLst>
+                    <dgm:ruleLst>
+                      <dgm:rule type="h" val="NaN" fact="0.25" max="NaN"/>
+                      <dgm:rule type="w" val="NaN" fact="0.8" max="NaN"/>
+                      <dgm:rule type="primFontSz" val="5" fact="NaN" max="NaN"/>
+                    </dgm:ruleLst>
+                  </dgm:layoutNode>
+                </dgm:layoutNode>
+              </dgm:forEach>
+              <dgm:forEach name="Name19" axis="self" ptType="node">
+                <dgm:layoutNode name="root2">
+                  <dgm:choose name="Name20">
+                    <dgm:if name="Name21" func="var" arg="dir" op="equ" val="norm">
+                      <dgm:alg type="hierRoot">
+                        <dgm:param type="hierAlign" val="lCtrCh"/>
+                      </dgm:alg>
+                    </dgm:if>
+                    <dgm:else name="Name22">
+                      <dgm:alg type="hierRoot">
+                        <dgm:param type="hierAlign" val="rCtrCh"/>
+                      </dgm:alg>
+                    </dgm:else>
+                  </dgm:choose>
+                  <dgm:shape xmlns:r="http://schemas.openxmlformats.org/officeDocument/2006/relationships" r:blip="">
+                    <dgm:adjLst/>
+                  </dgm:shape>
+                  <dgm:presOf/>
+                  <dgm:layoutNode name="LevelTwoTextNode">
+                    <dgm:varLst>
+                      <dgm:chPref val="3"/>
+                    </dgm:varLst>
+                    <dgm:alg type="tx"/>
+                    <dgm:shape xmlns:r="http://schemas.openxmlformats.org/officeDocument/2006/relationships" type="rect" r:blip="">
+                      <dgm:adjLst/>
+                    </dgm:shape>
+                    <dgm:presOf axis="self"/>
+                    <dgm:constrLst>
+                      <dgm:constr type="tMarg" refType="primFontSz" fact="0.05"/>
+                      <dgm:constr type="bMarg" refType="primFontSz" fact="0.05"/>
+                      <dgm:constr type="lMarg" refType="primFontSz" fact="0.05"/>
+                      <dgm:constr type="rMarg" refType="primFontSz" fact="0.05"/>
+                    </dgm:constrLst>
+                    <dgm:ruleLst>
+                      <dgm:rule type="primFontSz" val="2" fact="NaN" max="NaN"/>
+                    </dgm:ruleLst>
+                  </dgm:layoutNode>
+                  <dgm:layoutNode name="level3hierChild">
+                    <dgm:choose name="Name23">
+                      <dgm:if name="Name24" func="var" arg="dir" op="equ" val="norm">
+                        <dgm:alg type="hierChild">
+                          <dgm:param type="linDir" val="fromT"/>
+                          <dgm:param type="chAlign" val="l"/>
+                        </dgm:alg>
+                      </dgm:if>
+                      <dgm:else name="Name25">
+                        <dgm:alg type="hierChild">
+                          <dgm:param type="linDir" val="fromT"/>
+                          <dgm:param type="chAlign" val="r"/>
+                        </dgm:alg>
+                      </dgm:else>
+                    </dgm:choose>
+                    <dgm:shape xmlns:r="http://schemas.openxmlformats.org/officeDocument/2006/relationships" r:blip="">
+                      <dgm:adjLst/>
+                    </dgm:shape>
+                    <dgm:presOf/>
+                    <dgm:forEach name="Name26" ref="repeat"/>
+                  </dgm:layoutNode>
+                </dgm:layoutNode>
+              </dgm:forEach>
+            </dgm:forEach>
+          </dgm:layoutNode>
+        </dgm:layoutNode>
+      </dgm:forEach>
+    </dgm:forEach>
+  </dgm:layoutNode>
+</dgm:layoutDef>
+</file>
+
+<file path=ppt/diagrams/quickStyle1.xml><?xml version="1.0" encoding="utf-8"?>
+<dgm:styleDef xmlns:dgm="http://schemas.openxmlformats.org/drawingml/2006/diagram" xmlns:a="http://schemas.openxmlformats.org/drawingml/2006/main" uniqueId="urn:microsoft.com/office/officeart/2005/8/quickstyle/simple1">
+  <dgm:title val=""/>
+  <dgm:desc val=""/>
+  <dgm:catLst>
+    <dgm:cat type="simple" pri="10100"/>
+  </dgm:catLst>
+  <dgm:scene3d>
+    <a:camera prst="orthographicFront"/>
+    <a:lightRig rig="threePt" dir="t"/>
+  </dgm:scene3d>
+  <dgm:styleLbl name="node0">
+    <dgm:scene3d>
+      <a:camera prst="orthographicFront"/>
+      <a:lightRig rig="threePt" dir="t"/>
+    </dgm:scene3d>
+    <dgm:sp3d/>
+    <dgm:txPr/>
+    <dgm:style>
+      <a:lnRef idx="2">
+        <a:scrgbClr r="0" g="0" b="0"/>
+      </a:lnRef>
+      <a:fillRef idx="1">
+        <a:scrgbClr r="0" g="0" b="0"/>
+      </a:fillRef>
+      <a:effectRef idx="0">
+        <a:scrgbClr r="0" g="0" b="0"/>
+      </a:effectRef>
+      <a:fontRef idx="minor">
+        <a:schemeClr val="lt1"/>
+      </a:fontRef>
+    </dgm:style>
+  </dgm:styleLbl>
+  <dgm:styleLbl name="lnNode1">
+    <dgm:scene3d>
+      <a:camera prst="orthographicFront"/>
+      <a:lightRig rig="threePt" dir="t"/>
+    </dgm:scene3d>
+    <dgm:sp3d/>
+    <dgm:txPr/>
+    <dgm:style>
+      <a:lnRef idx="2">
+        <a:scrgbClr r="0" g="0" b="0"/>
+      </a:lnRef>
+      <a:fillRef idx="1">
+        <a:scrgbClr r="0" g="0" b="0"/>
+      </a:fillRef>
+      <a:effectRef idx="0">
+        <a:scrgbClr r="0" g="0" b="0"/>
+      </a:effectRef>
+      <a:fontRef idx="minor">
+        <a:schemeClr val="lt1"/>
+      </a:fontRef>
+    </dgm:style>
+  </dgm:styleLbl>
+  <dgm:styleLbl name="vennNode1">
+    <dgm:scene3d>
+      <a:camera prst="orthographicFront"/>
+      <a:lightRig rig="threePt" dir="t"/>
+    </dgm:scene3d>
+    <dgm:sp3d/>
+    <dgm:txPr/>
+    <dgm:style>
+      <a:lnRef idx="2">
+        <a:scrgbClr r="0" g="0" b="0"/>
+      </a:lnRef>
+      <a:fillRef idx="1">
+        <a:scrgbClr r="0" g="0" b="0"/>
+      </a:fillRef>
+      <a:effectRef idx="0">
+        <a:scrgbClr r="0" g="0" b="0"/>
+      </a:effectRef>
+      <a:fontRef idx="minor">
+        <a:schemeClr val="tx1"/>
+      </a:fontRef>
+    </dgm:style>
+  </dgm:styleLbl>
+  <dgm:styleLbl name="alignNode1">
+    <dgm:scene3d>
+      <a:camera prst="orthographicFront"/>
+      <a:lightRig rig="threePt" dir="t"/>
+    </dgm:scene3d>
+    <dgm:sp3d/>
+    <dgm:txPr/>
+    <dgm:style>
+      <a:lnRef idx="2">
+        <a:scrgbClr r="0" g="0" b="0"/>
+      </a:lnRef>
+      <a:fillRef idx="1">
+        <a:scrgbClr r="0" g="0" b="0"/>
+      </a:fillRef>
+      <a:effectRef idx="0">
+        <a:scrgbClr r="0" g="0" b="0"/>
+      </a:effectRef>
+      <a:fontRef idx="minor">
+        <a:schemeClr val="lt1"/>
+      </a:fontRef>
+    </dgm:style>
+  </dgm:styleLbl>
+  <dgm:styleLbl name="node1">
+    <dgm:scene3d>
+      <a:camera prst="orthographicFront"/>
+      <a:lightRig rig="threePt" dir="t"/>
+    </dgm:scene3d>
+    <dgm:sp3d/>
+    <dgm:txPr/>
+    <dgm:style>
+      <a:lnRef idx="2">
+        <a:scrgbClr r="0" g="0" b="0"/>
+      </a:lnRef>
+      <a:fillRef idx="1">
+        <a:scrgbClr r="0" g="0" b="0"/>
+      </a:fillRef>
+      <a:effectRef idx="0">
+        <a:scrgbClr r="0" g="0" b="0"/>
+      </a:effectRef>
+      <a:fontRef idx="minor">
+        <a:schemeClr val="lt1"/>
+      </a:fontRef>
+    </dgm:style>
+  </dgm:styleLbl>
+  <dgm:styleLbl name="node2">
+    <dgm:scene3d>
+      <a:camera prst="orthographicFront"/>
+      <a:lightRig rig="threePt" dir="t"/>
+    </dgm:scene3d>
+    <dgm:sp3d/>
+    <dgm:txPr/>
+    <dgm:style>
+      <a:lnRef idx="2">
+        <a:scrgbClr r="0" g="0" b="0"/>
+      </a:lnRef>
+      <a:fillRef idx="1">
+        <a:scrgbClr r="0" g="0" b="0"/>
+      </a:fillRef>
+      <a:effectRef idx="0">
+        <a:scrgbClr r="0" g="0" b="0"/>
+      </a:effectRef>
+      <a:fontRef idx="minor">
+        <a:schemeClr val="lt1"/>
+      </a:fontRef>
+    </dgm:style>
+  </dgm:styleLbl>
+  <dgm:styleLbl name="node3">
+    <dgm:scene3d>
+      <a:camera prst="orthographicFront"/>
+      <a:lightRig rig="threePt" dir="t"/>
+    </dgm:scene3d>
+    <dgm:sp3d/>
+    <dgm:txPr/>
+    <dgm:style>
+      <a:lnRef idx="2">
+        <a:scrgbClr r="0" g="0" b="0"/>
+      </a:lnRef>
+      <a:fillRef idx="1">
+        <a:scrgbClr r="0" g="0" b="0"/>
+      </a:fillRef>
+      <a:effectRef idx="0">
+        <a:scrgbClr r="0" g="0" b="0"/>
+      </a:effectRef>
+      <a:fontRef idx="minor">
+        <a:schemeClr val="lt1"/>
+      </a:fontRef>
+    </dgm:style>
+  </dgm:styleLbl>
+  <dgm:styleLbl name="node4">
+    <dgm:scene3d>
+      <a:camera prst="orthographicFront"/>
+      <a:lightRig rig="threePt" dir="t"/>
+    </dgm:scene3d>
+    <dgm:sp3d/>
+    <dgm:txPr/>
+    <dgm:style>
+      <a:lnRef idx="2">
+        <a:scrgbClr r="0" g="0" b="0"/>
+      </a:lnRef>
+      <a:fillRef idx="1">
+        <a:scrgbClr r="0" g="0" b="0"/>
+      </a:fillRef>
+      <a:effectRef idx="0">
+        <a:scrgbClr r="0" g="0" b="0"/>
+      </a:effectRef>
+      <a:fontRef idx="minor">
+        <a:schemeClr val="lt1"/>
+      </a:fontRef>
+    </dgm:style>
+  </dgm:styleLbl>
+  <dgm:styleLbl name="fgImgPlace1">
+    <dgm:scene3d>
+      <a:camera prst="orthographicFront"/>
+      <a:lightRig rig="threePt" dir="t"/>
+    </dgm:scene3d>
+    <dgm:sp3d/>
+    <dgm:txPr/>
+    <dgm:style>
+      <a:lnRef idx="2">
+        <a:scrgbClr r="0" g="0" b="0"/>
+      </a:lnRef>
+      <a:fillRef idx="1">
+        <a:scrgbClr r="0" g="0" b="0"/>
+      </a:fillRef>
+      <a:effectRef idx="0">
+        <a:scrgbClr r="0" g="0" b="0"/>
+      </a:effectRef>
+      <a:fontRef idx="minor"/>
+    </dgm:style>
+  </dgm:styleLbl>
+  <dgm:styleLbl name="alignImgPlace1">
+    <dgm:scene3d>
+      <a:camera prst="orthographicFront"/>
+      <a:lightRig rig="threePt" dir="t"/>
+    </dgm:scene3d>
+    <dgm:sp3d/>
+    <dgm:txPr/>
+    <dgm:style>
+      <a:lnRef idx="2">
+        <a:scrgbClr r="0" g="0" b="0"/>
+      </a:lnRef>
+      <a:fillRef idx="1">
+        <a:scrgbClr r="0" g="0" b="0"/>
+      </a:fillRef>
+      <a:effectRef idx="0">
+        <a:scrgbClr r="0" g="0" b="0"/>
+      </a:effectRef>
+      <a:fontRef idx="minor"/>
+    </dgm:style>
+  </dgm:styleLbl>
+  <dgm:styleLbl name="bgImgPlace1">
+    <dgm:scene3d>
+      <a:camera prst="orthographicFront"/>
+      <a:lightRig rig="threePt" dir="t"/>
+    </dgm:scene3d>
+    <dgm:sp3d/>
+    <dgm:txPr/>
+    <dgm:style>
+      <a:lnRef idx="2">
+        <a:scrgbClr r="0" g="0" b="0"/>
+      </a:lnRef>
+      <a:fillRef idx="1">
+        <a:scrgbClr r="0" g="0" b="0"/>
+      </a:fillRef>
+      <a:effectRef idx="0">
+        <a:scrgbClr r="0" g="0" b="0"/>
+      </a:effectRef>
+      <a:fontRef idx="minor"/>
+    </dgm:style>
+  </dgm:styleLbl>
+  <dgm:styleLbl name="sibTrans2D1">
+    <dgm:scene3d>
+      <a:camera prst="orthographicFront"/>
+      <a:lightRig rig="threePt" dir="t"/>
+    </dgm:scene3d>
+    <dgm:sp3d/>
+    <dgm:txPr/>
+    <dgm:style>
+      <a:lnRef idx="0">
+        <a:scrgbClr r="0" g="0" b="0"/>
+      </a:lnRef>
+      <a:fillRef idx="1">
+        <a:scrgbClr r="0" g="0" b="0"/>
+      </a:fillRef>
+      <a:effectRef idx="0">
+        <a:scrgbClr r="0" g="0" b="0"/>
+      </a:effectRef>
+      <a:fontRef idx="minor">
+        <a:schemeClr val="lt1"/>
+      </a:fontRef>
+    </dgm:style>
+  </dgm:styleLbl>
+  <dgm:styleLbl name="fgSibTrans2D1">
+    <dgm:scene3d>
+      <a:camera prst="orthographicFront"/>
+      <a:lightRig rig="threePt" dir="t"/>
+    </dgm:scene3d>
+    <dgm:sp3d/>
+    <dgm:txPr/>
+    <dgm:style>
+      <a:lnRef idx="0">
+        <a:scrgbClr r="0" g="0" b="0"/>
+      </a:lnRef>
+      <a:fillRef idx="1">
+        <a:scrgbClr r="0" g="0" b="0"/>
+      </a:fillRef>
+      <a:effectRef idx="0">
+        <a:scrgbClr r="0" g="0" b="0"/>
+      </a:effectRef>
+      <a:fontRef idx="minor">
+        <a:schemeClr val="lt1"/>
+      </a:fontRef>
+    </dgm:style>
+  </dgm:styleLbl>
+  <dgm:styleLbl name="bgSibTrans2D1">
+    <dgm:scene3d>
+      <a:camera prst="orthographicFront"/>
+      <a:lightRig rig="threePt" dir="t"/>
+    </dgm:scene3d>
+    <dgm:sp3d/>
+    <dgm:txPr/>
+    <dgm:style>
+      <a:lnRef idx="0">
+        <a:scrgbClr r="0" g="0" b="0"/>
+      </a:lnRef>
+      <a:fillRef idx="1">
+        <a:scrgbClr r="0" g="0" b="0"/>
+      </a:fillRef>
+      <a:effectRef idx="0">
+        <a:scrgbClr r="0" g="0" b="0"/>
+      </a:effectRef>
+      <a:fontRef idx="minor">
+        <a:schemeClr val="lt1"/>
+      </a:fontRef>
+    </dgm:style>
+  </dgm:styleLbl>
+  <dgm:styleLbl name="sibTrans1D1">
+    <dgm:scene3d>
+      <a:camera prst="orthographicFront"/>
+      <a:lightRig rig="threePt" dir="t"/>
+    </dgm:scene3d>
+    <dgm:sp3d/>
+    <dgm:txPr/>
+    <dgm:style>
+      <a:lnRef idx="1">
+        <a:scrgbClr r="0" g="0" b="0"/>
+      </a:lnRef>
+      <a:fillRef idx="0">
+        <a:scrgbClr r="0" g="0" b="0"/>
+      </a:fillRef>
+      <a:effectRef idx="0">
+        <a:scrgbClr r="0" g="0" b="0"/>
+      </a:effectRef>
+      <a:fontRef idx="minor"/>
+    </dgm:style>
+  </dgm:styleLbl>
+  <dgm:styleLbl name="callout">
+    <dgm:scene3d>
+      <a:camera prst="orthographicFront"/>
+      <a:lightRig rig="threePt" dir="t"/>
+    </dgm:scene3d>
+    <dgm:sp3d/>
+    <dgm:txPr/>
+    <dgm:style>
+      <a:lnRef idx="2">
+        <a:scrgbClr r="0" g="0" b="0"/>
+      </a:lnRef>
+      <a:fillRef idx="1">
+        <a:scrgbClr r="0" g="0" b="0"/>
+      </a:fillRef>
+      <a:effectRef idx="0">
+        <a:scrgbClr r="0" g="0" b="0"/>
+      </a:effectRef>
+      <a:fontRef idx="minor"/>
+    </dgm:style>
+  </dgm:styleLbl>
+  <dgm:styleLbl name="asst0">
+    <dgm:scene3d>
+      <a:camera prst="orthographicFront"/>
+      <a:lightRig rig="threePt" dir="t"/>
+    </dgm:scene3d>
+    <dgm:sp3d/>
+    <dgm:txPr/>
+    <dgm:style>
+      <a:lnRef idx="2">
+        <a:scrgbClr r="0" g="0" b="0"/>
+      </a:lnRef>
+      <a:fillRef idx="1">
+        <a:scrgbClr r="0" g="0" b="0"/>
+      </a:fillRef>
+      <a:effectRef idx="0">
+        <a:scrgbClr r="0" g="0" b="0"/>
+      </a:effectRef>
+      <a:fontRef idx="minor">
+        <a:schemeClr val="lt1"/>
+      </a:fontRef>
+    </dgm:style>
+  </dgm:styleLbl>
+  <dgm:styleLbl name="asst1">
+    <dgm:scene3d>
+      <a:camera prst="orthographicFront"/>
+      <a:lightRig rig="threePt" dir="t"/>
+    </dgm:scene3d>
+    <dgm:sp3d/>
+    <dgm:txPr/>
+    <dgm:style>
+      <a:lnRef idx="2">
+        <a:scrgbClr r="0" g="0" b="0"/>
+      </a:lnRef>
+      <a:fillRef idx="1">
+        <a:scrgbClr r="0" g="0" b="0"/>
+      </a:fillRef>
+      <a:effectRef idx="0">
+        <a:scrgbClr r="0" g="0" b="0"/>
+      </a:effectRef>
+      <a:fontRef idx="minor">
+        <a:schemeClr val="lt1"/>
+      </a:fontRef>
+    </dgm:style>
+  </dgm:styleLbl>
+  <dgm:styleLbl name="asst2">
+    <dgm:scene3d>
+      <a:camera prst="orthographicFront"/>
+      <a:lightRig rig="threePt" dir="t"/>
+    </dgm:scene3d>
+    <dgm:sp3d/>
+    <dgm:txPr/>
+    <dgm:style>
+      <a:lnRef idx="2">
+        <a:scrgbClr r="0" g="0" b="0"/>
+      </a:lnRef>
+      <a:fillRef idx="1">
+        <a:scrgbClr r="0" g="0" b="0"/>
+      </a:fillRef>
+      <a:effectRef idx="0">
+        <a:scrgbClr r="0" g="0" b="0"/>
+      </a:effectRef>
+      <a:fontRef idx="minor">
+        <a:schemeClr val="lt1"/>
+      </a:fontRef>
+    </dgm:style>
+  </dgm:styleLbl>
+  <dgm:styleLbl name="asst3">
+    <dgm:scene3d>
+      <a:camera prst="orthographicFront"/>
+      <a:lightRig rig="threePt" dir="t"/>
+    </dgm:scene3d>
+    <dgm:sp3d/>
+    <dgm:txPr/>
+    <dgm:style>
+      <a:lnRef idx="2">
+        <a:scrgbClr r="0" g="0" b="0"/>
+      </a:lnRef>
+      <a:fillRef idx="1">
+        <a:scrgbClr r="0" g="0" b="0"/>
+      </a:fillRef>
+      <a:effectRef idx="0">
+        <a:scrgbClr r="0" g="0" b="0"/>
+      </a:effectRef>
+      <a:fontRef idx="minor">
+        <a:schemeClr val="lt1"/>
+      </a:fontRef>
+    </dgm:style>
+  </dgm:styleLbl>
+  <dgm:styleLbl name="asst4">
+    <dgm:scene3d>
+      <a:camera prst="orthographicFront"/>
+      <a:lightRig rig="threePt" dir="t"/>
+    </dgm:scene3d>
+    <dgm:sp3d/>
+    <dgm:txPr/>
+    <dgm:style>
+      <a:lnRef idx="2">
+        <a:scrgbClr r="0" g="0" b="0"/>
+      </a:lnRef>
+      <a:fillRef idx="1">
+        <a:scrgbClr r="0" g="0" b="0"/>
+      </a:fillRef>
+      <a:effectRef idx="0">
+        <a:scrgbClr r="0" g="0" b="0"/>
+      </a:effectRef>
+      <a:fontRef idx="minor">
+        <a:schemeClr val="lt1"/>
+      </a:fontRef>
+    </dgm:style>
+  </dgm:styleLbl>
+  <dgm:styleLbl name="parChTrans2D1">
+    <dgm:scene3d>
+      <a:camera prst="orthographicFront"/>
+      <a:lightRig rig="threePt" dir="t"/>
+    </dgm:scene3d>
+    <dgm:sp3d/>
+    <dgm:txPr/>
+    <dgm:style>
+      <a:lnRef idx="2">
+        <a:scrgbClr r="0" g="0" b="0"/>
+      </a:lnRef>
+      <a:fillRef idx="1">
+        <a:scrgbClr r="0" g="0" b="0"/>
+      </a:fillRef>
+      <a:effectRef idx="0">
+        <a:scrgbClr r="0" g="0" b="0"/>
+      </a:effectRef>
+      <a:fontRef idx="minor">
+        <a:schemeClr val="lt1"/>
+      </a:fontRef>
+    </dgm:style>
+  </dgm:styleLbl>
+  <dgm:styleLbl name="parChTrans2D2">
+    <dgm:scene3d>
+      <a:camera prst="orthographicFront"/>
+      <a:lightRig rig="threePt" dir="t"/>
+    </dgm:scene3d>
+    <dgm:sp3d/>
+    <dgm:txPr/>
+    <dgm:style>
+      <a:lnRef idx="2">
+        <a:scrgbClr r="0" g="0" b="0"/>
+      </a:lnRef>
+      <a:fillRef idx="1">
+        <a:scrgbClr r="0" g="0" b="0"/>
+      </a:fillRef>
+      <a:effectRef idx="0">
+        <a:scrgbClr r="0" g="0" b="0"/>
+      </a:effectRef>
+      <a:fontRef idx="minor">
+        <a:schemeClr val="lt1"/>
+      </a:fontRef>
+    </dgm:style>
+  </dgm:styleLbl>
+  <dgm:styleLbl name="parChTrans2D3">
+    <dgm:scene3d>
+      <a:camera prst="orthographicFront"/>
+      <a:lightRig rig="threePt" dir="t"/>
+    </dgm:scene3d>
+    <dgm:sp3d/>
+    <dgm:txPr/>
+    <dgm:style>
+      <a:lnRef idx="2">
+        <a:scrgbClr r="0" g="0" b="0"/>
+      </a:lnRef>
+      <a:fillRef idx="1">
+        <a:scrgbClr r="0" g="0" b="0"/>
+      </a:fillRef>
+      <a:effectRef idx="0">
+        <a:scrgbClr r="0" g="0" b="0"/>
+      </a:effectRef>
+      <a:fontRef idx="minor">
+        <a:schemeClr val="lt1"/>
+      </a:fontRef>
+    </dgm:style>
+  </dgm:styleLbl>
+  <dgm:styleLbl name="parChTrans2D4">
+    <dgm:scene3d>
+      <a:camera prst="orthographicFront"/>
+      <a:lightRig rig="threePt" dir="t"/>
+    </dgm:scene3d>
+    <dgm:sp3d/>
+    <dgm:txPr/>
+    <dgm:style>
+      <a:lnRef idx="2">
+        <a:scrgbClr r="0" g="0" b="0"/>
+      </a:lnRef>
+      <a:fillRef idx="1">
+        <a:scrgbClr r="0" g="0" b="0"/>
+      </a:fillRef>
+      <a:effectRef idx="0">
+        <a:scrgbClr r="0" g="0" b="0"/>
+      </a:effectRef>
+      <a:fontRef idx="minor">
+        <a:schemeClr val="lt1"/>
+      </a:fontRef>
+    </dgm:style>
+  </dgm:styleLbl>
+  <dgm:styleLbl name="parChTrans1D1">
+    <dgm:scene3d>
+      <a:camera prst="orthographicFront"/>
+      <a:lightRig rig="threePt" dir="t"/>
+    </dgm:scene3d>
+    <dgm:sp3d/>
+    <dgm:txPr/>
+    <dgm:style>
+      <a:lnRef idx="2">
+        <a:scrgbClr r="0" g="0" b="0"/>
+      </a:lnRef>
+      <a:fillRef idx="0">
+        <a:scrgbClr r="0" g="0" b="0"/>
+      </a:fillRef>
+      <a:effectRef idx="0">
+        <a:scrgbClr r="0" g="0" b="0"/>
+      </a:effectRef>
+      <a:fontRef idx="minor"/>
+    </dgm:style>
+  </dgm:styleLbl>
+  <dgm:styleLbl name="parChTrans1D2">
+    <dgm:scene3d>
+      <a:camera prst="orthographicFront"/>
+      <a:lightRig rig="threePt" dir="t"/>
+    </dgm:scene3d>
+    <dgm:sp3d/>
+    <dgm:txPr/>
+    <dgm:style>
+      <a:lnRef idx="2">
+        <a:scrgbClr r="0" g="0" b="0"/>
+      </a:lnRef>
+      <a:fillRef idx="0">
+        <a:scrgbClr r="0" g="0" b="0"/>
+      </a:fillRef>
+      <a:effectRef idx="0">
+        <a:scrgbClr r="0" g="0" b="0"/>
+      </a:effectRef>
+      <a:fontRef idx="minor"/>
+    </dgm:style>
+  </dgm:styleLbl>
+  <dgm:styleLbl name="parChTrans1D3">
+    <dgm:scene3d>
+      <a:camera prst="orthographicFront"/>
+      <a:lightRig rig="threePt" dir="t"/>
+    </dgm:scene3d>
+    <dgm:sp3d/>
+    <dgm:txPr/>
+    <dgm:style>
+      <a:lnRef idx="2">
+        <a:scrgbClr r="0" g="0" b="0"/>
+      </a:lnRef>
+      <a:fillRef idx="0">
+        <a:scrgbClr r="0" g="0" b="0"/>
+      </a:fillRef>
+      <a:effectRef idx="0">
+        <a:scrgbClr r="0" g="0" b="0"/>
+      </a:effectRef>
+      <a:fontRef idx="minor"/>
+    </dgm:style>
+  </dgm:styleLbl>
+  <dgm:styleLbl name="parChTrans1D4">
+    <dgm:scene3d>
+      <a:camera prst="orthographicFront"/>
+      <a:lightRig rig="threePt" dir="t"/>
+    </dgm:scene3d>
+    <dgm:sp3d/>
+    <dgm:txPr/>
+    <dgm:style>
+      <a:lnRef idx="2">
+        <a:scrgbClr r="0" g="0" b="0"/>
+      </a:lnRef>
+      <a:fillRef idx="0">
+        <a:scrgbClr r="0" g="0" b="0"/>
+      </a:fillRef>
+      <a:effectRef idx="0">
+        <a:scrgbClr r="0" g="0" b="0"/>
+      </a:effectRef>
+      <a:fontRef idx="minor"/>
+    </dgm:style>
+  </dgm:styleLbl>
+  <dgm:styleLbl name="fgAcc1">
+    <dgm:scene3d>
+      <a:camera prst="orthographicFront"/>
+      <a:lightRig rig="threePt" dir="t"/>
+    </dgm:scene3d>
+    <dgm:sp3d/>
+    <dgm:txPr/>
+    <dgm:style>
+      <a:lnRef idx="2">
+        <a:scrgbClr r="0" g="0" b="0"/>
+      </a:lnRef>
+      <a:fillRef idx="1">
+        <a:scrgbClr r="0" g="0" b="0"/>
+      </a:fillRef>
+      <a:effectRef idx="0">
+        <a:scrgbClr r="0" g="0" b="0"/>
+      </a:effectRef>
+      <a:fontRef idx="minor"/>
+    </dgm:style>
+  </dgm:styleLbl>
+  <dgm:styleLbl name="conFgAcc1">
+    <dgm:scene3d>
+      <a:camera prst="orthographicFront"/>
+      <a:lightRig rig="threePt" dir="t"/>
+    </dgm:scene3d>
+    <dgm:sp3d/>
+    <dgm:txPr/>
+    <dgm:style>
+      <a:lnRef idx="2">
+        <a:scrgbClr r="0" g="0" b="0"/>
+      </a:lnRef>
+      <a:fillRef idx="1">
+        <a:scrgbClr r="0" g="0" b="0"/>
+      </a:fillRef>
+      <a:effectRef idx="0">
+        <a:scrgbClr r="0" g="0" b="0"/>
+      </a:effectRef>
+      <a:fontRef idx="minor"/>
+    </dgm:style>
+  </dgm:styleLbl>
+  <dgm:styleLbl name="alignAcc1">
+    <dgm:scene3d>
+      <a:camera prst="orthographicFront"/>
+      <a:lightRig rig="threePt" dir="t"/>
+    </dgm:scene3d>
+    <dgm:sp3d/>
+    <dgm:txPr/>
+    <dgm:style>
+      <a:lnRef idx="2">
+        <a:scrgbClr r="0" g="0" b="0"/>
+      </a:lnRef>
+      <a:fillRef idx="1">
+        <a:scrgbClr r="0" g="0" b="0"/>
+      </a:fillRef>
+      <a:effectRef idx="0">
+        <a:scrgbClr r="0" g="0" b="0"/>
+      </a:effectRef>
+      <a:fontRef idx="minor"/>
+    </dgm:style>
+  </dgm:styleLbl>
+  <dgm:styleLbl name="trAlignAcc1">
+    <dgm:scene3d>
+      <a:camera prst="orthographicFront"/>
+      <a:lightRig rig="threePt" dir="t"/>
+    </dgm:scene3d>
+    <dgm:sp3d/>
+    <dgm:txPr/>
+    <dgm:style>
+      <a:lnRef idx="1">
+        <a:scrgbClr r="0" g="0" b="0"/>
+      </a:lnRef>
+      <a:fillRef idx="1">
+        <a:scrgbClr r="0" g="0" b="0"/>
+      </a:fillRef>
+      <a:effectRef idx="0">
+        <a:scrgbClr r="0" g="0" b="0"/>
+      </a:effectRef>
+      <a:fontRef idx="minor"/>
+    </dgm:style>
+  </dgm:styleLbl>
+  <dgm:styleLbl name="bgAcc1">
+    <dgm:scene3d>
+      <a:camera prst="orthographicFront"/>
+      <a:lightRig rig="threePt" dir="t"/>
+    </dgm:scene3d>
+    <dgm:sp3d/>
+    <dgm:txPr/>
+    <dgm:style>
+      <a:lnRef idx="2">
+        <a:scrgbClr r="0" g="0" b="0"/>
+      </a:lnRef>
+      <a:fillRef idx="1">
+        <a:scrgbClr r="0" g="0" b="0"/>
+      </a:fillRef>
+      <a:effectRef idx="0">
+        <a:scrgbClr r="0" g="0" b="0"/>
+      </a:effectRef>
+      <a:fontRef idx="minor"/>
+    </dgm:style>
+  </dgm:styleLbl>
+  <dgm:styleLbl name="solidFgAcc1">
+    <dgm:scene3d>
+      <a:camera prst="orthographicFront"/>
+      <a:lightRig rig="threePt" dir="t"/>
+    </dgm:scene3d>
+    <dgm:sp3d/>
+    <dgm:txPr/>
+    <dgm:style>
+      <a:lnRef idx="2">
+        <a:scrgbClr r="0" g="0" b="0"/>
+      </a:lnRef>
+      <a:fillRef idx="1">
+        <a:scrgbClr r="0" g="0" b="0"/>
+      </a:fillRef>
+      <a:effectRef idx="0">
+        <a:scrgbClr r="0" g="0" b="0"/>
+      </a:effectRef>
+      <a:fontRef idx="minor"/>
+    </dgm:style>
+  </dgm:styleLbl>
+  <dgm:styleLbl name="solidAlignAcc1">
+    <dgm:scene3d>
+      <a:camera prst="orthographicFront"/>
+      <a:lightRig rig="threePt" dir="t"/>
+    </dgm:scene3d>
+    <dgm:sp3d/>
+    <dgm:txPr/>
+    <dgm:style>
+      <a:lnRef idx="2">
+        <a:scrgbClr r="0" g="0" b="0"/>
+      </a:lnRef>
+      <a:fillRef idx="1">
+        <a:scrgbClr r="0" g="0" b="0"/>
+      </a:fillRef>
+      <a:effectRef idx="0">
+        <a:scrgbClr r="0" g="0" b="0"/>
+      </a:effectRef>
+      <a:fontRef idx="minor"/>
+    </dgm:style>
+  </dgm:styleLbl>
+  <dgm:styleLbl name="solidBgAcc1">
+    <dgm:scene3d>
+      <a:camera prst="orthographicFront"/>
+      <a:lightRig rig="threePt" dir="t"/>
+    </dgm:scene3d>
+    <dgm:sp3d/>
+    <dgm:txPr/>
+    <dgm:style>
+      <a:lnRef idx="2">
+        <a:scrgbClr r="0" g="0" b="0"/>
+      </a:lnRef>
+      <a:fillRef idx="1">
+        <a:scrgbClr r="0" g="0" b="0"/>
+      </a:fillRef>
+      <a:effectRef idx="0">
+        <a:scrgbClr r="0" g="0" b="0"/>
+      </a:effectRef>
+      <a:fontRef idx="minor"/>
+    </dgm:style>
+  </dgm:styleLbl>
+  <dgm:styleLbl name="fgAccFollowNode1">
+    <dgm:scene3d>
+      <a:camera prst="orthographicFront"/>
+      <a:lightRig rig="threePt" dir="t"/>
+    </dgm:scene3d>
+    <dgm:sp3d/>
+    <dgm:txPr/>
+    <dgm:style>
+      <a:lnRef idx="2">
+        <a:scrgbClr r="0" g="0" b="0"/>
+      </a:lnRef>
+      <a:fillRef idx="1">
+        <a:scrgbClr r="0" g="0" b="0"/>
+      </a:fillRef>
+      <a:effectRef idx="0">
+        <a:scrgbClr r="0" g="0" b="0"/>
+      </a:effectRef>
+      <a:fontRef idx="minor"/>
+    </dgm:style>
+  </dgm:styleLbl>
+  <dgm:styleLbl name="alignAccFollowNode1">
+    <dgm:scene3d>
+      <a:camera prst="orthographicFront"/>
+      <a:lightRig rig="threePt" dir="t"/>
+    </dgm:scene3d>
+    <dgm:sp3d/>
+    <dgm:txPr/>
+    <dgm:style>
+      <a:lnRef idx="2">
+        <a:scrgbClr r="0" g="0" b="0"/>
+      </a:lnRef>
+      <a:fillRef idx="1">
+        <a:scrgbClr r="0" g="0" b="0"/>
+      </a:fillRef>
+      <a:effectRef idx="0">
+        <a:scrgbClr r="0" g="0" b="0"/>
+      </a:effectRef>
+      <a:fontRef idx="minor"/>
+    </dgm:style>
+  </dgm:styleLbl>
+  <dgm:styleLbl name="bgAccFollowNode1">
+    <dgm:scene3d>
+      <a:camera prst="orthographicFront"/>
+      <a:lightRig rig="threePt" dir="t"/>
+    </dgm:scene3d>
+    <dgm:sp3d/>
+    <dgm:txPr/>
+    <dgm:style>
+      <a:lnRef idx="2">
+        <a:scrgbClr r="0" g="0" b="0"/>
+      </a:lnRef>
+      <a:fillRef idx="1">
+        <a:scrgbClr r="0" g="0" b="0"/>
+      </a:fillRef>
+      <a:effectRef idx="0">
+        <a:scrgbClr r="0" g="0" b="0"/>
+      </a:effectRef>
+      <a:fontRef idx="minor"/>
+    </dgm:style>
+  </dgm:styleLbl>
+  <dgm:styleLbl name="fgAcc0">
+    <dgm:scene3d>
+      <a:camera prst="orthographicFront"/>
+      <a:lightRig rig="threePt" dir="t"/>
+    </dgm:scene3d>
+    <dgm:sp3d/>
+    <dgm:txPr/>
+    <dgm:style>
+      <a:lnRef idx="2">
+        <a:scrgbClr r="0" g="0" b="0"/>
+      </a:lnRef>
+      <a:fillRef idx="1">
+        <a:scrgbClr r="0" g="0" b="0"/>
+      </a:fillRef>
+      <a:effectRef idx="0">
+        <a:scrgbClr r="0" g="0" b="0"/>
+      </a:effectRef>
+      <a:fontRef idx="minor"/>
+    </dgm:style>
+  </dgm:styleLbl>
+  <dgm:styleLbl name="fgAcc2">
+    <dgm:scene3d>
+      <a:camera prst="orthographicFront"/>
+      <a:lightRig rig="threePt" dir="t"/>
+    </dgm:scene3d>
+    <dgm:sp3d/>
+    <dgm:txPr/>
+    <dgm:style>
+      <a:lnRef idx="2">
+        <a:scrgbClr r="0" g="0" b="0"/>
+      </a:lnRef>
+      <a:fillRef idx="1">
+        <a:scrgbClr r="0" g="0" b="0"/>
+      </a:fillRef>
+      <a:effectRef idx="0">
+        <a:scrgbClr r="0" g="0" b="0"/>
+      </a:effectRef>
+      <a:fontRef idx="minor"/>
+    </dgm:style>
+  </dgm:styleLbl>
+  <dgm:styleLbl name="fgAcc3">
+    <dgm:scene3d>
+      <a:camera prst="orthographicFront"/>
+      <a:lightRig rig="threePt" dir="t"/>
+    </dgm:scene3d>
+    <dgm:sp3d/>
+    <dgm:txPr/>
+    <dgm:style>
+      <a:lnRef idx="2">
+        <a:scrgbClr r="0" g="0" b="0"/>
+      </a:lnRef>
+      <a:fillRef idx="1">
+        <a:scrgbClr r="0" g="0" b="0"/>
+      </a:fillRef>
+      <a:effectRef idx="0">
+        <a:scrgbClr r="0" g="0" b="0"/>
+      </a:effectRef>
+      <a:fontRef idx="minor"/>
+    </dgm:style>
+  </dgm:styleLbl>
+  <dgm:styleLbl name="fgAcc4">
+    <dgm:scene3d>
+      <a:camera prst="orthographicFront"/>
+      <a:lightRig rig="threePt" dir="t"/>
+    </dgm:scene3d>
+    <dgm:sp3d/>
+    <dgm:txPr/>
+    <dgm:style>
+      <a:lnRef idx="2">
+        <a:scrgbClr r="0" g="0" b="0"/>
+      </a:lnRef>
+      <a:fillRef idx="1">
+        <a:scrgbClr r="0" g="0" b="0"/>
+      </a:fillRef>
+      <a:effectRef idx="0">
+        <a:scrgbClr r="0" g="0" b="0"/>
+      </a:effectRef>
+      <a:fontRef idx="minor"/>
+    </dgm:style>
+  </dgm:styleLbl>
+  <dgm:styleLbl name="bgShp">
+    <dgm:scene3d>
+      <a:camera prst="orthographicFront"/>
+      <a:lightRig rig="threePt" dir="t"/>
+    </dgm:scene3d>
+    <dgm:sp3d/>
+    <dgm:txPr/>
+    <dgm:style>
+      <a:lnRef idx="0">
+        <a:scrgbClr r="0" g="0" b="0"/>
+      </a:lnRef>
+      <a:fillRef idx="1">
+        <a:scrgbClr r="0" g="0" b="0"/>
+      </a:fillRef>
+      <a:effectRef idx="0">
+        <a:scrgbClr r="0" g="0" b="0"/>
+      </a:effectRef>
+      <a:fontRef idx="minor"/>
+    </dgm:style>
+  </dgm:styleLbl>
+  <dgm:styleLbl name="dkBgShp">
+    <dgm:scene3d>
+      <a:camera prst="orthographicFront"/>
+      <a:lightRig rig="threePt" dir="t"/>
+    </dgm:scene3d>
+    <dgm:sp3d/>
+    <dgm:txPr/>
+    <dgm:style>
+      <a:lnRef idx="0">
+        <a:scrgbClr r="0" g="0" b="0"/>
+      </a:lnRef>
+      <a:fillRef idx="1">
+        <a:scrgbClr r="0" g="0" b="0"/>
+      </a:fillRef>
+      <a:effectRef idx="0">
+        <a:scrgbClr r="0" g="0" b="0"/>
+      </a:effectRef>
+      <a:fontRef idx="minor"/>
+    </dgm:style>
+  </dgm:styleLbl>
+  <dgm:styleLbl name="trBgShp">
+    <dgm:scene3d>
+      <a:camera prst="orthographicFront"/>
+      <a:lightRig rig="threePt" dir="t"/>
+    </dgm:scene3d>
+    <dgm:sp3d/>
+    <dgm:txPr/>
+    <dgm:style>
+      <a:lnRef idx="0">
+        <a:scrgbClr r="0" g="0" b="0"/>
+      </a:lnRef>
+      <a:fillRef idx="1">
+        <a:scrgbClr r="0" g="0" b="0"/>
+      </a:fillRef>
+      <a:effectRef idx="0">
+        <a:scrgbClr r="0" g="0" b="0"/>
+      </a:effectRef>
+      <a:fontRef idx="minor"/>
+    </dgm:style>
+  </dgm:styleLbl>
+  <dgm:styleLbl name="fgShp">
+    <dgm:scene3d>
+      <a:camera prst="orthographicFront"/>
+      <a:lightRig rig="threePt" dir="t"/>
+    </dgm:scene3d>
+    <dgm:sp3d/>
+    <dgm:txPr/>
+    <dgm:style>
+      <a:lnRef idx="2">
+        <a:scrgbClr r="0" g="0" b="0"/>
+      </a:lnRef>
+      <a:fillRef idx="1">
+        <a:scrgbClr r="0" g="0" b="0"/>
+      </a:fillRef>
+      <a:effectRef idx="0">
+        <a:scrgbClr r="0" g="0" b="0"/>
+      </a:effectRef>
+      <a:fontRef idx="minor"/>
+    </dgm:style>
+  </dgm:styleLbl>
+  <dgm:styleLbl name="revTx">
+    <dgm:scene3d>
+      <a:camera prst="orthographicFront"/>
+      <a:lightRig rig="threePt" dir="t"/>
+    </dgm:scene3d>
+    <dgm:sp3d/>
+    <dgm:txPr/>
+    <dgm:style>
+      <a:lnRef idx="0">
+        <a:scrgbClr r="0" g="0" b="0"/>
+      </a:lnRef>
+      <a:fillRef idx="0">
+        <a:scrgbClr r="0" g="0" b="0"/>
+      </a:fillRef>
+      <a:effectRef idx="0">
+        <a:scrgbClr r="0" g="0" b="0"/>
+      </a:effectRef>
+      <a:fontRef idx="minor"/>
+    </dgm:style>
+  </dgm:styleLbl>
+</dgm:styleDef>
 </file>
 
 <file path=ppt/slideLayouts/slideLayout1.xml><?xml version="1.0" encoding="utf-8"?>
@@ -447,7 +4010,7 @@
           <a:p>
             <a:fld id="{4AAD347D-5ACD-4C99-B74B-A9C85AD731AF}" type="datetimeFigureOut">
               <a:rPr lang="en-US" dirty="0"/>
-              <a:t>1/11/2023</a:t>
+              <a:t>1/25/2023</a:t>
             </a:fld>
             <a:endParaRPr lang="en-US" dirty="0"/>
           </a:p>
@@ -717,7 +4280,7 @@
           <a:p>
             <a:fld id="{4509A250-FF31-4206-8172-F9D3106AACB1}" type="datetimeFigureOut">
               <a:rPr lang="en-US" dirty="0"/>
-              <a:t>1/11/2023</a:t>
+              <a:t>1/25/2023</a:t>
             </a:fld>
             <a:endParaRPr lang="en-US" dirty="0"/>
           </a:p>
@@ -906,7 +4469,7 @@
           <a:p>
             <a:fld id="{4509A250-FF31-4206-8172-F9D3106AACB1}" type="datetimeFigureOut">
               <a:rPr lang="en-US" dirty="0"/>
-              <a:t>1/11/2023</a:t>
+              <a:t>1/25/2023</a:t>
             </a:fld>
             <a:endParaRPr lang="en-US" dirty="0"/>
           </a:p>
@@ -1174,7 +4737,7 @@
           <a:p>
             <a:fld id="{4509A250-FF31-4206-8172-F9D3106AACB1}" type="datetimeFigureOut">
               <a:rPr lang="en-US" dirty="0"/>
-              <a:t>1/11/2023</a:t>
+              <a:t>1/25/2023</a:t>
             </a:fld>
             <a:endParaRPr lang="en-US" dirty="0"/>
           </a:p>
@@ -1510,7 +5073,7 @@
           <a:p>
             <a:fld id="{4509A250-FF31-4206-8172-F9D3106AACB1}" type="datetimeFigureOut">
               <a:rPr lang="en-US" dirty="0"/>
-              <a:t>1/11/2023</a:t>
+              <a:t>1/25/2023</a:t>
             </a:fld>
             <a:endParaRPr lang="en-US" dirty="0"/>
           </a:p>
@@ -2128,7 +5691,7 @@
           <a:p>
             <a:fld id="{4509A250-FF31-4206-8172-F9D3106AACB1}" type="datetimeFigureOut">
               <a:rPr lang="en-US" dirty="0"/>
-              <a:t>1/11/2023</a:t>
+              <a:t>1/25/2023</a:t>
             </a:fld>
             <a:endParaRPr lang="en-US" dirty="0"/>
           </a:p>
@@ -2983,7 +6546,7 @@
           <a:p>
             <a:fld id="{4509A250-FF31-4206-8172-F9D3106AACB1}" type="datetimeFigureOut">
               <a:rPr lang="en-US" dirty="0"/>
-              <a:t>1/11/2023</a:t>
+              <a:t>1/25/2023</a:t>
             </a:fld>
             <a:endParaRPr lang="en-US" dirty="0"/>
           </a:p>
@@ -3148,7 +6711,7 @@
           <a:p>
             <a:fld id="{4509A250-FF31-4206-8172-F9D3106AACB1}" type="datetimeFigureOut">
               <a:rPr lang="en-US" dirty="0"/>
-              <a:t>1/11/2023</a:t>
+              <a:t>1/25/2023</a:t>
             </a:fld>
             <a:endParaRPr lang="en-US" dirty="0"/>
           </a:p>
@@ -3323,7 +6886,7 @@
           <a:p>
             <a:fld id="{4509A250-FF31-4206-8172-F9D3106AACB1}" type="datetimeFigureOut">
               <a:rPr lang="en-US" dirty="0"/>
-              <a:t>1/11/2023</a:t>
+              <a:t>1/25/2023</a:t>
             </a:fld>
             <a:endParaRPr lang="en-US" dirty="0"/>
           </a:p>
@@ -3488,7 +7051,7 @@
           <a:p>
             <a:fld id="{4509A250-FF31-4206-8172-F9D3106AACB1}" type="datetimeFigureOut">
               <a:rPr lang="en-US" dirty="0"/>
-              <a:t>1/11/2023</a:t>
+              <a:t>1/25/2023</a:t>
             </a:fld>
             <a:endParaRPr lang="en-US" dirty="0"/>
           </a:p>
@@ -3730,7 +7293,7 @@
           <a:p>
             <a:fld id="{9796027F-7875-4030-9381-8BD8C4F21935}" type="datetimeFigureOut">
               <a:rPr lang="en-US" dirty="0"/>
-              <a:t>1/11/2023</a:t>
+              <a:t>1/25/2023</a:t>
             </a:fld>
             <a:endParaRPr lang="en-US" dirty="0"/>
           </a:p>
@@ -4017,7 +7580,7 @@
           <a:p>
             <a:fld id="{9796027F-7875-4030-9381-8BD8C4F21935}" type="datetimeFigureOut">
               <a:rPr lang="en-US" dirty="0"/>
-              <a:t>1/11/2023</a:t>
+              <a:t>1/25/2023</a:t>
             </a:fld>
             <a:endParaRPr lang="en-US" dirty="0"/>
           </a:p>
@@ -4456,7 +8019,7 @@
           <a:p>
             <a:fld id="{9796027F-7875-4030-9381-8BD8C4F21935}" type="datetimeFigureOut">
               <a:rPr lang="en-US" dirty="0"/>
-              <a:t>1/11/2023</a:t>
+              <a:t>1/25/2023</a:t>
             </a:fld>
             <a:endParaRPr lang="en-US" dirty="0"/>
           </a:p>
@@ -4569,7 +8132,7 @@
           <a:p>
             <a:fld id="{4509A250-FF31-4206-8172-F9D3106AACB1}" type="datetimeFigureOut">
               <a:rPr lang="en-US" dirty="0"/>
-              <a:t>1/11/2023</a:t>
+              <a:t>1/25/2023</a:t>
             </a:fld>
             <a:endParaRPr lang="en-US" dirty="0"/>
           </a:p>
@@ -4659,7 +8222,7 @@
           <a:p>
             <a:fld id="{4509A250-FF31-4206-8172-F9D3106AACB1}" type="datetimeFigureOut">
               <a:rPr lang="en-US" dirty="0"/>
-              <a:t>1/11/2023</a:t>
+              <a:t>1/25/2023</a:t>
             </a:fld>
             <a:endParaRPr lang="en-US" dirty="0"/>
           </a:p>
@@ -4933,7 +8496,7 @@
           <a:p>
             <a:fld id="{4509A250-FF31-4206-8172-F9D3106AACB1}" type="datetimeFigureOut">
               <a:rPr lang="en-US" dirty="0"/>
-              <a:t>1/11/2023</a:t>
+              <a:t>1/25/2023</a:t>
             </a:fld>
             <a:endParaRPr lang="en-US" dirty="0"/>
           </a:p>
@@ -5203,7 +8766,7 @@
           <a:p>
             <a:fld id="{4509A250-FF31-4206-8172-F9D3106AACB1}" type="datetimeFigureOut">
               <a:rPr lang="en-US" dirty="0"/>
-              <a:t>1/11/2023</a:t>
+              <a:t>1/25/2023</a:t>
             </a:fld>
             <a:endParaRPr lang="en-US" dirty="0"/>
           </a:p>
@@ -5627,7 +9190,7 @@
           <a:p>
             <a:fld id="{4AAD347D-5ACD-4C99-B74B-A9C85AD731AF}" type="datetimeFigureOut">
               <a:rPr lang="en-US" dirty="0"/>
-              <a:t>1/11/2023</a:t>
+              <a:t>1/25/2023</a:t>
             </a:fld>
             <a:endParaRPr lang="en-US" dirty="0"/>
           </a:p>
@@ -6339,15 +9902,7 @@
           <a:p>
             <a:r>
               <a:rPr lang="hu-HU" dirty="0"/>
-              <a:t>Webshop ami használt bútorokkal foglalkozik, vagy esetleg bérbeadással (gyártó </a:t>
-            </a:r>
-            <a:r>
-              <a:rPr lang="hu-HU" dirty="0" err="1"/>
-              <a:t>álltal</a:t>
-            </a:r>
-            <a:r>
-              <a:rPr lang="hu-HU" dirty="0"/>
-              <a:t>)</a:t>
+              <a:t>Webshop ami használt bútorokkal foglalkozik, vagy esetleg bérbeadással (gyártó által)</a:t>
             </a:r>
           </a:p>
         </p:txBody>
@@ -6439,15 +9994,7 @@
           <a:p>
             <a:r>
               <a:rPr lang="hu-HU" dirty="0"/>
-              <a:t>Pár kiválasztható bútor jelleg (</a:t>
-            </a:r>
-            <a:r>
-              <a:rPr lang="hu-HU" dirty="0" err="1"/>
-              <a:t>pl</a:t>
-            </a:r>
-            <a:r>
-              <a:rPr lang="hu-HU" dirty="0"/>
-              <a:t> konyhai, előszobai, nappali)</a:t>
+              <a:t>Pár kiválasztható bútor jelleg (pl. konyhai, előszobai, nappali)</a:t>
             </a:r>
           </a:p>
           <a:p>
@@ -6458,34 +10005,14 @@
           </a:p>
           <a:p>
             <a:r>
-              <a:rPr lang="hu-HU" dirty="0" err="1"/>
-              <a:t>Fron</a:t>
-            </a:r>
-            <a:r>
               <a:rPr lang="hu-HU" dirty="0"/>
-              <a:t> választó (minták, anyag, </a:t>
-            </a:r>
-            <a:r>
-              <a:rPr lang="hu-HU" dirty="0" err="1"/>
-              <a:t>stb</a:t>
-            </a:r>
+              <a:t>Front választó (minták, anyag, stb. )</a:t>
+            </a:r>
+          </a:p>
+          <a:p>
             <a:r>
               <a:rPr lang="hu-HU" dirty="0"/>
-              <a:t>)</a:t>
-            </a:r>
-          </a:p>
-          <a:p>
-            <a:r>
-              <a:rPr lang="hu-HU" dirty="0"/>
-              <a:t>Extra választó (fiók, akasztó, polc, </a:t>
-            </a:r>
-            <a:r>
-              <a:rPr lang="hu-HU" dirty="0" err="1"/>
-              <a:t>stb</a:t>
-            </a:r>
-            <a:r>
-              <a:rPr lang="hu-HU" dirty="0"/>
-              <a:t>)</a:t>
+              <a:t>Extra választó (fiók, akasztó, polc, stb. )</a:t>
             </a:r>
           </a:p>
           <a:p>
@@ -6599,15 +10126,7 @@
             </a:r>
             <a:r>
               <a:rPr lang="hu-HU" dirty="0"/>
-              <a:t> tudna kérni időpontot, úgy ahogy neki megfelelne egy adott időkeretben (</a:t>
-            </a:r>
-            <a:r>
-              <a:rPr lang="hu-HU" dirty="0" err="1"/>
-              <a:t>pl</a:t>
-            </a:r>
-            <a:r>
-              <a:rPr lang="hu-HU" dirty="0"/>
-              <a:t> H-P 8-18ig)</a:t>
+              <a:t> tudna kérni időpontot, úgy ahogy neki megfelelne egy adott időkeretben (pl. H-P 8-18ig)</a:t>
             </a:r>
           </a:p>
           <a:p>
@@ -6741,23 +10260,7 @@
           <a:p>
             <a:r>
               <a:rPr lang="hu-HU" dirty="0"/>
-              <a:t>Leírások, tanácsok (mi kell, </a:t>
-            </a:r>
-            <a:r>
-              <a:rPr lang="hu-HU" dirty="0" err="1"/>
-              <a:t>vag</a:t>
-            </a:r>
-            <a:r>
-              <a:rPr lang="hu-HU" dirty="0"/>
-              <a:t> hogy kezd el, </a:t>
-            </a:r>
-            <a:r>
-              <a:rPr lang="hu-HU" dirty="0" err="1"/>
-              <a:t>stb</a:t>
-            </a:r>
-            <a:r>
-              <a:rPr lang="hu-HU" dirty="0"/>
-              <a:t>)</a:t>
+              <a:t>Leírások, tanácsok (mi kell, vagy hogy kezd el, stb.)</a:t>
             </a:r>
           </a:p>
           <a:p>
@@ -6855,47 +10358,27 @@
           <a:p>
             <a:r>
               <a:rPr lang="hu-HU" dirty="0"/>
-              <a:t>Használt bútorok adás vétele (hibás hiányos új </a:t>
-            </a:r>
-            <a:r>
-              <a:rPr lang="hu-HU" dirty="0" err="1"/>
-              <a:t>stb</a:t>
-            </a:r>
+              <a:t>Használt bútorok adás vétele (hibás hiányos új stb. )</a:t>
+            </a:r>
+          </a:p>
+          <a:p>
             <a:r>
               <a:rPr lang="hu-HU" dirty="0"/>
-              <a:t>)</a:t>
+              <a:t>Bérbeadható bútorok (fotózásra kelléknek forgatásra stb. )</a:t>
             </a:r>
           </a:p>
           <a:p>
             <a:r>
               <a:rPr lang="hu-HU" dirty="0"/>
-              <a:t>Bérbeadható bútorok (fotózásra kelléknek forgatásra </a:t>
-            </a:r>
-            <a:r>
-              <a:rPr lang="hu-HU" dirty="0" err="1"/>
-              <a:t>stb</a:t>
+              <a:t>Esetleg opcióként bútor kereső </a:t>
+            </a:r>
+            <a:r>
+              <a:rPr lang="hu-HU"/>
+              <a:t>(pl. </a:t>
             </a:r>
             <a:r>
               <a:rPr lang="hu-HU" dirty="0"/>
-              <a:t>)</a:t>
-            </a:r>
-          </a:p>
-          <a:p>
-            <a:r>
-              <a:rPr lang="hu-HU" dirty="0"/>
-              <a:t>Esetleg opcióként bútor kereső (</a:t>
-            </a:r>
-            <a:r>
-              <a:rPr lang="hu-HU" dirty="0" err="1"/>
-              <a:t>pl</a:t>
-            </a:r>
-            <a:r>
-              <a:rPr lang="hu-HU" dirty="0"/>
-              <a:t> külső </a:t>
-            </a:r>
-            <a:r>
-              <a:rPr lang="hu-HU"/>
-              <a:t>források bevonásával)</a:t>
+              <a:t>külső források bevonásával)</a:t>
             </a:r>
           </a:p>
         </p:txBody>
@@ -6904,6 +10387,280 @@
     <p:extLst>
       <p:ext uri="{BB962C8B-B14F-4D97-AF65-F5344CB8AC3E}">
         <p14:creationId xmlns:p14="http://schemas.microsoft.com/office/powerpoint/2010/main" val="3876860194"/>
+      </p:ext>
+    </p:extLst>
+  </p:cSld>
+  <p:clrMapOvr>
+    <a:masterClrMapping/>
+  </p:clrMapOvr>
+</p:sld>
+</file>
+
+<file path=ppt/slides/slide7.xml><?xml version="1.0" encoding="utf-8"?>
+<p:sld xmlns:a="http://schemas.openxmlformats.org/drawingml/2006/main" xmlns:r="http://schemas.openxmlformats.org/officeDocument/2006/relationships" xmlns:p="http://schemas.openxmlformats.org/presentationml/2006/main">
+  <p:cSld>
+    <p:spTree>
+      <p:nvGrpSpPr>
+        <p:cNvPr id="1" name=""/>
+        <p:cNvGrpSpPr/>
+        <p:nvPr/>
+      </p:nvGrpSpPr>
+      <p:grpSpPr>
+        <a:xfrm>
+          <a:off x="0" y="0"/>
+          <a:ext cx="0" cy="0"/>
+          <a:chOff x="0" y="0"/>
+          <a:chExt cx="0" cy="0"/>
+        </a:xfrm>
+      </p:grpSpPr>
+      <p:sp>
+        <p:nvSpPr>
+          <p:cNvPr id="2" name="Cím 1">
+            <a:extLst>
+              <a:ext uri="{FF2B5EF4-FFF2-40B4-BE49-F238E27FC236}">
+                <a16:creationId xmlns:a16="http://schemas.microsoft.com/office/drawing/2014/main" id="{DAFCA328-B9FA-09D1-48BC-94A99D7FEDEA}"/>
+              </a:ext>
+            </a:extLst>
+          </p:cNvPr>
+          <p:cNvSpPr>
+            <a:spLocks noGrp="1"/>
+          </p:cNvSpPr>
+          <p:nvPr>
+            <p:ph type="title"/>
+          </p:nvPr>
+        </p:nvSpPr>
+        <p:spPr/>
+        <p:txBody>
+          <a:bodyPr/>
+          <a:lstStyle/>
+          <a:p>
+            <a:r>
+              <a:rPr lang="hu-HU" dirty="0"/>
+              <a:t>Oldal szerkezet tervezet</a:t>
+            </a:r>
+          </a:p>
+        </p:txBody>
+      </p:sp>
+      <p:graphicFrame>
+        <p:nvGraphicFramePr>
+          <p:cNvPr id="4" name="Tartalom helye 3">
+            <a:extLst>
+              <a:ext uri="{FF2B5EF4-FFF2-40B4-BE49-F238E27FC236}">
+                <a16:creationId xmlns:a16="http://schemas.microsoft.com/office/drawing/2014/main" id="{46EBD028-A5D5-B3B7-9096-04D1D4253916}"/>
+              </a:ext>
+            </a:extLst>
+          </p:cNvPr>
+          <p:cNvGraphicFramePr>
+            <a:graphicFrameLocks noGrp="1"/>
+          </p:cNvGraphicFramePr>
+          <p:nvPr>
+            <p:ph idx="1"/>
+            <p:extLst>
+              <p:ext uri="{D42A27DB-BD31-4B8C-83A1-F6EECF244321}">
+                <p14:modId xmlns:p14="http://schemas.microsoft.com/office/powerpoint/2010/main" val="2304343041"/>
+              </p:ext>
+            </p:extLst>
+          </p:nvPr>
+        </p:nvGraphicFramePr>
+        <p:xfrm>
+          <a:off x="1103313" y="2052638"/>
+          <a:ext cx="8947150" cy="4195762"/>
+        </p:xfrm>
+        <a:graphic>
+          <a:graphicData uri="http://schemas.openxmlformats.org/drawingml/2006/diagram">
+            <dgm:relIds xmlns:dgm="http://schemas.openxmlformats.org/drawingml/2006/diagram" xmlns:r="http://schemas.openxmlformats.org/officeDocument/2006/relationships" r:dm="rId2" r:lo="rId3" r:qs="rId4" r:cs="rId5"/>
+          </a:graphicData>
+        </a:graphic>
+      </p:graphicFrame>
+    </p:spTree>
+    <p:extLst>
+      <p:ext uri="{BB962C8B-B14F-4D97-AF65-F5344CB8AC3E}">
+        <p14:creationId xmlns:p14="http://schemas.microsoft.com/office/powerpoint/2010/main" val="1338502281"/>
+      </p:ext>
+    </p:extLst>
+  </p:cSld>
+  <p:clrMapOvr>
+    <a:masterClrMapping/>
+  </p:clrMapOvr>
+</p:sld>
+</file>
+
+<file path=ppt/slides/slide8.xml><?xml version="1.0" encoding="utf-8"?>
+<p:sld xmlns:a="http://schemas.openxmlformats.org/drawingml/2006/main" xmlns:r="http://schemas.openxmlformats.org/officeDocument/2006/relationships" xmlns:p="http://schemas.openxmlformats.org/presentationml/2006/main">
+  <p:cSld>
+    <p:spTree>
+      <p:nvGrpSpPr>
+        <p:cNvPr id="1" name=""/>
+        <p:cNvGrpSpPr/>
+        <p:nvPr/>
+      </p:nvGrpSpPr>
+      <p:grpSpPr>
+        <a:xfrm>
+          <a:off x="0" y="0"/>
+          <a:ext cx="0" cy="0"/>
+          <a:chOff x="0" y="0"/>
+          <a:chExt cx="0" cy="0"/>
+        </a:xfrm>
+      </p:grpSpPr>
+      <p:sp>
+        <p:nvSpPr>
+          <p:cNvPr id="2" name="Cím 1">
+            <a:extLst>
+              <a:ext uri="{FF2B5EF4-FFF2-40B4-BE49-F238E27FC236}">
+                <a16:creationId xmlns:a16="http://schemas.microsoft.com/office/drawing/2014/main" id="{83F635F3-2F4B-8268-6C7B-945FC840AE61}"/>
+              </a:ext>
+            </a:extLst>
+          </p:cNvPr>
+          <p:cNvSpPr>
+            <a:spLocks noGrp="1"/>
+          </p:cNvSpPr>
+          <p:nvPr>
+            <p:ph type="title"/>
+          </p:nvPr>
+        </p:nvSpPr>
+        <p:spPr/>
+        <p:txBody>
+          <a:bodyPr/>
+          <a:lstStyle/>
+          <a:p>
+            <a:r>
+              <a:rPr lang="hu-HU" dirty="0"/>
+              <a:t>Feladatok felosztása</a:t>
+            </a:r>
+          </a:p>
+        </p:txBody>
+      </p:sp>
+      <p:sp>
+        <p:nvSpPr>
+          <p:cNvPr id="3" name="Tartalom helye 2">
+            <a:extLst>
+              <a:ext uri="{FF2B5EF4-FFF2-40B4-BE49-F238E27FC236}">
+                <a16:creationId xmlns:a16="http://schemas.microsoft.com/office/drawing/2014/main" id="{A1CB595E-1101-EE13-5674-3EE0EFF7C9C0}"/>
+              </a:ext>
+            </a:extLst>
+          </p:cNvPr>
+          <p:cNvSpPr>
+            <a:spLocks noGrp="1"/>
+          </p:cNvSpPr>
+          <p:nvPr>
+            <p:ph idx="1"/>
+          </p:nvPr>
+        </p:nvSpPr>
+        <p:spPr/>
+        <p:txBody>
+          <a:bodyPr/>
+          <a:lstStyle/>
+          <a:p>
+            <a:r>
+              <a:rPr lang="hu-HU" dirty="0"/>
+              <a:t>- közös tervezés</a:t>
+            </a:r>
+          </a:p>
+          <a:p>
+            <a:r>
+              <a:rPr lang="hu-HU" dirty="0"/>
+              <a:t>- Front End: Andrea / Tamás </a:t>
+            </a:r>
+          </a:p>
+          <a:p>
+            <a:r>
+              <a:rPr lang="hu-HU" dirty="0"/>
+              <a:t>- Back End: Róbert / Tamás /Andrea</a:t>
+            </a:r>
+          </a:p>
+        </p:txBody>
+      </p:sp>
+    </p:spTree>
+    <p:extLst>
+      <p:ext uri="{BB962C8B-B14F-4D97-AF65-F5344CB8AC3E}">
+        <p14:creationId xmlns:p14="http://schemas.microsoft.com/office/powerpoint/2010/main" val="349428722"/>
+      </p:ext>
+    </p:extLst>
+  </p:cSld>
+  <p:clrMapOvr>
+    <a:masterClrMapping/>
+  </p:clrMapOvr>
+</p:sld>
+</file>
+
+<file path=ppt/slides/slide9.xml><?xml version="1.0" encoding="utf-8"?>
+<p:sld xmlns:a="http://schemas.openxmlformats.org/drawingml/2006/main" xmlns:r="http://schemas.openxmlformats.org/officeDocument/2006/relationships" xmlns:p="http://schemas.openxmlformats.org/presentationml/2006/main">
+  <p:cSld>
+    <p:spTree>
+      <p:nvGrpSpPr>
+        <p:cNvPr id="1" name=""/>
+        <p:cNvGrpSpPr/>
+        <p:nvPr/>
+      </p:nvGrpSpPr>
+      <p:grpSpPr>
+        <a:xfrm>
+          <a:off x="0" y="0"/>
+          <a:ext cx="0" cy="0"/>
+          <a:chOff x="0" y="0"/>
+          <a:chExt cx="0" cy="0"/>
+        </a:xfrm>
+      </p:grpSpPr>
+      <p:sp>
+        <p:nvSpPr>
+          <p:cNvPr id="2" name="Cím 1">
+            <a:extLst>
+              <a:ext uri="{FF2B5EF4-FFF2-40B4-BE49-F238E27FC236}">
+                <a16:creationId xmlns:a16="http://schemas.microsoft.com/office/drawing/2014/main" id="{D8D4D2E9-45B9-253C-8465-9CBD03DCB5E5}"/>
+              </a:ext>
+            </a:extLst>
+          </p:cNvPr>
+          <p:cNvSpPr>
+            <a:spLocks noGrp="1"/>
+          </p:cNvSpPr>
+          <p:nvPr>
+            <p:ph type="title"/>
+          </p:nvPr>
+        </p:nvSpPr>
+        <p:spPr/>
+        <p:txBody>
+          <a:bodyPr/>
+          <a:lstStyle/>
+          <a:p>
+            <a:r>
+              <a:rPr lang="hu-HU" dirty="0"/>
+              <a:t>Weboldal terv(a verzió)</a:t>
+            </a:r>
+          </a:p>
+        </p:txBody>
+      </p:sp>
+      <p:pic>
+        <p:nvPicPr>
+          <p:cNvPr id="5" name="Tartalom helye 4" descr="A képen szöveg, élő, beltéri, szoba látható&#10;&#10;Automatikusan generált leírás">
+            <a:extLst>
+              <a:ext uri="{FF2B5EF4-FFF2-40B4-BE49-F238E27FC236}">
+                <a16:creationId xmlns:a16="http://schemas.microsoft.com/office/drawing/2014/main" id="{41FD3511-DBFC-FC72-191A-92771050B17E}"/>
+              </a:ext>
+            </a:extLst>
+          </p:cNvPr>
+          <p:cNvPicPr>
+            <a:picLocks noGrp="1" noChangeAspect="1"/>
+          </p:cNvPicPr>
+          <p:nvPr>
+            <p:ph idx="1"/>
+          </p:nvPr>
+        </p:nvPicPr>
+        <p:blipFill>
+          <a:blip r:embed="rId2"/>
+          <a:stretch>
+            <a:fillRect/>
+          </a:stretch>
+        </p:blipFill>
+        <p:spPr>
+          <a:xfrm>
+            <a:off x="1670776" y="1342764"/>
+            <a:ext cx="8380058" cy="5277825"/>
+          </a:xfrm>
+        </p:spPr>
+      </p:pic>
+    </p:spTree>
+    <p:extLst>
+      <p:ext uri="{BB962C8B-B14F-4D97-AF65-F5344CB8AC3E}">
+        <p14:creationId xmlns:p14="http://schemas.microsoft.com/office/powerpoint/2010/main" val="1819506108"/>
       </p:ext>
     </p:extLst>
   </p:cSld>

--- a/Szakvizsa projekt.pptx
+++ b/Szakvizsa projekt.pptx
@@ -123,7 +123,7 @@
 <file path=ppt/revisionInfo.xml><?xml version="1.0" encoding="utf-8"?>
 <p1510:revInfo xmlns:a="http://schemas.openxmlformats.org/drawingml/2006/main" xmlns:r="http://schemas.openxmlformats.org/officeDocument/2006/relationships" xmlns:p1510="http://schemas.microsoft.com/office/powerpoint/2015/10/main">
   <p1510:revLst>
-    <p1510:client id="{FC0DF6FE-944C-46D7-A893-BA13FBC94C51}" v="171" dt="2023-01-25T17:16:45.169"/>
+    <p1510:client id="{FC0DF6FE-944C-46D7-A893-BA13FBC94C51}" v="188" dt="2023-01-25T17:40:26.140"/>
   </p1510:revLst>
 </p1510:revInfo>
 </file>
@@ -133,7 +133,7 @@
   <pc:docChgLst>
     <pc:chgData name="Tamás Pardi" userId="4f212df6317e0062" providerId="LiveId" clId="{FC0DF6FE-944C-46D7-A893-BA13FBC94C51}"/>
     <pc:docChg chg="custSel addSld delSld modSld">
-      <pc:chgData name="Tamás Pardi" userId="4f212df6317e0062" providerId="LiveId" clId="{FC0DF6FE-944C-46D7-A893-BA13FBC94C51}" dt="2023-01-25T17:17:31.153" v="2192" actId="2696"/>
+      <pc:chgData name="Tamás Pardi" userId="4f212df6317e0062" providerId="LiveId" clId="{FC0DF6FE-944C-46D7-A893-BA13FBC94C51}" dt="2023-01-25T17:40:26.140" v="2209" actId="20577"/>
       <pc:docMkLst>
         <pc:docMk/>
       </pc:docMkLst>
@@ -268,7 +268,7 @@
         </pc:spChg>
       </pc:sldChg>
       <pc:sldChg chg="addSp delSp modSp new mod">
-        <pc:chgData name="Tamás Pardi" userId="4f212df6317e0062" providerId="LiveId" clId="{FC0DF6FE-944C-46D7-A893-BA13FBC94C51}" dt="2023-01-25T17:12:21.544" v="1975" actId="20577"/>
+        <pc:chgData name="Tamás Pardi" userId="4f212df6317e0062" providerId="LiveId" clId="{FC0DF6FE-944C-46D7-A893-BA13FBC94C51}" dt="2023-01-25T17:40:26.140" v="2209" actId="20577"/>
         <pc:sldMkLst>
           <pc:docMk/>
           <pc:sldMk cId="1338502281" sldId="262"/>
@@ -290,7 +290,7 @@
           </ac:spMkLst>
         </pc:spChg>
         <pc:graphicFrameChg chg="add mod modGraphic">
-          <ac:chgData name="Tamás Pardi" userId="4f212df6317e0062" providerId="LiveId" clId="{FC0DF6FE-944C-46D7-A893-BA13FBC94C51}" dt="2023-01-25T17:12:21.544" v="1975" actId="20577"/>
+          <ac:chgData name="Tamás Pardi" userId="4f212df6317e0062" providerId="LiveId" clId="{FC0DF6FE-944C-46D7-A893-BA13FBC94C51}" dt="2023-01-25T17:40:26.140" v="2209" actId="20577"/>
           <ac:graphicFrameMkLst>
             <pc:docMk/>
             <pc:sldMk cId="1338502281" sldId="262"/>
@@ -1218,7 +1218,7 @@
         <a:p>
           <a:r>
             <a:rPr lang="hu-HU" dirty="0"/>
-            <a:t>Tervező</a:t>
+            <a:t>Tervező opció</a:t>
           </a:r>
         </a:p>
       </dgm:t>
@@ -1271,42 +1271,6 @@
       </dgm:t>
     </dgm:pt>
     <dgm:pt modelId="{D26C065A-9ECD-4649-8FD7-9472C9AFC44E}" type="sibTrans" cxnId="{100F6358-8279-4A77-B73A-F3625CA74C9F}">
-      <dgm:prSet/>
-      <dgm:spPr/>
-      <dgm:t>
-        <a:bodyPr/>
-        <a:lstStyle/>
-        <a:p>
-          <a:endParaRPr lang="hu-HU"/>
-        </a:p>
-      </dgm:t>
-    </dgm:pt>
-    <dgm:pt modelId="{28E3100C-DF4F-445C-A646-7F9E88D171E6}">
-      <dgm:prSet phldrT="[Szöveg]"/>
-      <dgm:spPr/>
-      <dgm:t>
-        <a:bodyPr/>
-        <a:lstStyle/>
-        <a:p>
-          <a:r>
-            <a:rPr lang="hu-HU" dirty="0"/>
-            <a:t>Webshop</a:t>
-          </a:r>
-        </a:p>
-      </dgm:t>
-    </dgm:pt>
-    <dgm:pt modelId="{14D745EF-A98F-466E-9035-D633E5954490}" type="parTrans" cxnId="{7F13AC0F-0582-4BE8-9891-C685C641A436}">
-      <dgm:prSet/>
-      <dgm:spPr/>
-      <dgm:t>
-        <a:bodyPr/>
-        <a:lstStyle/>
-        <a:p>
-          <a:endParaRPr lang="hu-HU"/>
-        </a:p>
-      </dgm:t>
-    </dgm:pt>
-    <dgm:pt modelId="{47888A95-1ACF-4B74-AAF2-F98E805FD058}" type="sibTrans" cxnId="{7F13AC0F-0582-4BE8-9891-C685C641A436}">
       <dgm:prSet/>
       <dgm:spPr/>
       <dgm:t>
@@ -1382,11 +1346,11 @@
       <dgm:spPr/>
     </dgm:pt>
     <dgm:pt modelId="{8B1F4AF5-0EF0-4590-8D6B-690351CC307E}" type="pres">
-      <dgm:prSet presAssocID="{E7465DCC-90A2-46AE-8FA5-A0965FC95E9B}" presName="conn2-1" presStyleLbl="parChTrans1D2" presStyleIdx="0" presStyleCnt="5"/>
+      <dgm:prSet presAssocID="{E7465DCC-90A2-46AE-8FA5-A0965FC95E9B}" presName="conn2-1" presStyleLbl="parChTrans1D2" presStyleIdx="0" presStyleCnt="4"/>
       <dgm:spPr/>
     </dgm:pt>
     <dgm:pt modelId="{BB881D9E-A0A2-486C-86D9-D42FD651403E}" type="pres">
-      <dgm:prSet presAssocID="{E7465DCC-90A2-46AE-8FA5-A0965FC95E9B}" presName="connTx" presStyleLbl="parChTrans1D2" presStyleIdx="0" presStyleCnt="5"/>
+      <dgm:prSet presAssocID="{E7465DCC-90A2-46AE-8FA5-A0965FC95E9B}" presName="connTx" presStyleLbl="parChTrans1D2" presStyleIdx="0" presStyleCnt="4"/>
       <dgm:spPr/>
     </dgm:pt>
     <dgm:pt modelId="{B42CF51C-8963-4249-92B9-26539219321B}" type="pres">
@@ -1394,7 +1358,7 @@
       <dgm:spPr/>
     </dgm:pt>
     <dgm:pt modelId="{1D35A22F-E707-456F-8DAD-19016425F7B0}" type="pres">
-      <dgm:prSet presAssocID="{374F2ABA-864D-46D9-971D-3577A76CC074}" presName="LevelTwoTextNode" presStyleLbl="node2" presStyleIdx="0" presStyleCnt="5">
+      <dgm:prSet presAssocID="{374F2ABA-864D-46D9-971D-3577A76CC074}" presName="LevelTwoTextNode" presStyleLbl="node2" presStyleIdx="0" presStyleCnt="4">
         <dgm:presLayoutVars>
           <dgm:chPref val="3"/>
         </dgm:presLayoutVars>
@@ -1406,11 +1370,11 @@
       <dgm:spPr/>
     </dgm:pt>
     <dgm:pt modelId="{4164A9A4-20D8-4542-937C-757C62DF1683}" type="pres">
-      <dgm:prSet presAssocID="{D4912D9A-8FFE-4991-A87E-0A7876CF5281}" presName="conn2-1" presStyleLbl="parChTrans1D2" presStyleIdx="1" presStyleCnt="5"/>
+      <dgm:prSet presAssocID="{D4912D9A-8FFE-4991-A87E-0A7876CF5281}" presName="conn2-1" presStyleLbl="parChTrans1D2" presStyleIdx="1" presStyleCnt="4"/>
       <dgm:spPr/>
     </dgm:pt>
     <dgm:pt modelId="{D30F60D5-4F78-4BF4-875C-A57CC41CB995}" type="pres">
-      <dgm:prSet presAssocID="{D4912D9A-8FFE-4991-A87E-0A7876CF5281}" presName="connTx" presStyleLbl="parChTrans1D2" presStyleIdx="1" presStyleCnt="5"/>
+      <dgm:prSet presAssocID="{D4912D9A-8FFE-4991-A87E-0A7876CF5281}" presName="connTx" presStyleLbl="parChTrans1D2" presStyleIdx="1" presStyleCnt="4"/>
       <dgm:spPr/>
     </dgm:pt>
     <dgm:pt modelId="{C51EEF71-18FD-4873-8649-84834796492C}" type="pres">
@@ -1418,7 +1382,7 @@
       <dgm:spPr/>
     </dgm:pt>
     <dgm:pt modelId="{5794B2B1-5E7C-46A1-A5DC-4AA8AEDD62E7}" type="pres">
-      <dgm:prSet presAssocID="{06BD4166-2C16-41D4-BB4B-2F3FC72803FA}" presName="LevelTwoTextNode" presStyleLbl="node2" presStyleIdx="1" presStyleCnt="5">
+      <dgm:prSet presAssocID="{06BD4166-2C16-41D4-BB4B-2F3FC72803FA}" presName="LevelTwoTextNode" presStyleLbl="node2" presStyleIdx="1" presStyleCnt="4">
         <dgm:presLayoutVars>
           <dgm:chPref val="3"/>
         </dgm:presLayoutVars>
@@ -1430,11 +1394,11 @@
       <dgm:spPr/>
     </dgm:pt>
     <dgm:pt modelId="{5F7E39ED-8C05-4F66-890C-FADCBB222908}" type="pres">
-      <dgm:prSet presAssocID="{DEF28DB9-D8D1-479B-B0AC-631FB40D370F}" presName="conn2-1" presStyleLbl="parChTrans1D2" presStyleIdx="2" presStyleCnt="5"/>
+      <dgm:prSet presAssocID="{DEF28DB9-D8D1-479B-B0AC-631FB40D370F}" presName="conn2-1" presStyleLbl="parChTrans1D2" presStyleIdx="2" presStyleCnt="4"/>
       <dgm:spPr/>
     </dgm:pt>
     <dgm:pt modelId="{C466BE42-AF5D-47B1-A403-5CBE2026520A}" type="pres">
-      <dgm:prSet presAssocID="{DEF28DB9-D8D1-479B-B0AC-631FB40D370F}" presName="connTx" presStyleLbl="parChTrans1D2" presStyleIdx="2" presStyleCnt="5"/>
+      <dgm:prSet presAssocID="{DEF28DB9-D8D1-479B-B0AC-631FB40D370F}" presName="connTx" presStyleLbl="parChTrans1D2" presStyleIdx="2" presStyleCnt="4"/>
       <dgm:spPr/>
     </dgm:pt>
     <dgm:pt modelId="{BFFF484A-7067-40DD-A251-5C4C8C1F80EE}" type="pres">
@@ -1442,7 +1406,7 @@
       <dgm:spPr/>
     </dgm:pt>
     <dgm:pt modelId="{831ADD0F-9BE3-45BC-9946-E26A8A9DC81B}" type="pres">
-      <dgm:prSet presAssocID="{E948E69D-B77F-49D5-9735-630B14E46376}" presName="LevelTwoTextNode" presStyleLbl="node2" presStyleIdx="2" presStyleCnt="5">
+      <dgm:prSet presAssocID="{E948E69D-B77F-49D5-9735-630B14E46376}" presName="LevelTwoTextNode" presStyleLbl="node2" presStyleIdx="2" presStyleCnt="4">
         <dgm:presLayoutVars>
           <dgm:chPref val="3"/>
         </dgm:presLayoutVars>
@@ -1453,78 +1417,50 @@
       <dgm:prSet presAssocID="{E948E69D-B77F-49D5-9735-630B14E46376}" presName="level3hierChild" presStyleCnt="0"/>
       <dgm:spPr/>
     </dgm:pt>
-    <dgm:pt modelId="{2491600B-5D5D-4E48-BB27-70241BEE6159}" type="pres">
-      <dgm:prSet presAssocID="{14D745EF-A98F-466E-9035-D633E5954490}" presName="conn2-1" presStyleLbl="parChTrans1D2" presStyleIdx="3" presStyleCnt="5"/>
+    <dgm:pt modelId="{5C5B3B96-8443-4FD2-8567-499D56593010}" type="pres">
+      <dgm:prSet presAssocID="{1EA5D3CB-5D24-4356-A346-A663D354EA87}" presName="conn2-1" presStyleLbl="parChTrans1D2" presStyleIdx="3" presStyleCnt="4"/>
       <dgm:spPr/>
     </dgm:pt>
-    <dgm:pt modelId="{18A10E7C-92D8-480A-AB12-931B87516310}" type="pres">
-      <dgm:prSet presAssocID="{14D745EF-A98F-466E-9035-D633E5954490}" presName="connTx" presStyleLbl="parChTrans1D2" presStyleIdx="3" presStyleCnt="5"/>
+    <dgm:pt modelId="{B08E41B9-BD95-4A8A-9717-723E53F2D6DB}" type="pres">
+      <dgm:prSet presAssocID="{1EA5D3CB-5D24-4356-A346-A663D354EA87}" presName="connTx" presStyleLbl="parChTrans1D2" presStyleIdx="3" presStyleCnt="4"/>
       <dgm:spPr/>
     </dgm:pt>
-    <dgm:pt modelId="{0181A2FF-7E6D-4B4B-A8D1-41778F8E2045}" type="pres">
-      <dgm:prSet presAssocID="{28E3100C-DF4F-445C-A646-7F9E88D171E6}" presName="root2" presStyleCnt="0"/>
+    <dgm:pt modelId="{5B9F75AE-EF8E-4256-8C6E-56FEC1969D69}" type="pres">
+      <dgm:prSet presAssocID="{977C100E-12F2-480B-BE31-4E8C6D5F65F7}" presName="root2" presStyleCnt="0"/>
       <dgm:spPr/>
     </dgm:pt>
-    <dgm:pt modelId="{3E0C09DA-AA28-41F4-884B-88B86381B7AF}" type="pres">
-      <dgm:prSet presAssocID="{28E3100C-DF4F-445C-A646-7F9E88D171E6}" presName="LevelTwoTextNode" presStyleLbl="node2" presStyleIdx="3" presStyleCnt="5">
+    <dgm:pt modelId="{2AF75D57-6C0F-4C6A-9130-136FDC92E5FF}" type="pres">
+      <dgm:prSet presAssocID="{977C100E-12F2-480B-BE31-4E8C6D5F65F7}" presName="LevelTwoTextNode" presStyleLbl="node2" presStyleIdx="3" presStyleCnt="4">
         <dgm:presLayoutVars>
           <dgm:chPref val="3"/>
         </dgm:presLayoutVars>
       </dgm:prSet>
       <dgm:spPr/>
     </dgm:pt>
-    <dgm:pt modelId="{4644E4D3-1492-4C0A-97FD-D86E6A73E722}" type="pres">
-      <dgm:prSet presAssocID="{28E3100C-DF4F-445C-A646-7F9E88D171E6}" presName="level3hierChild" presStyleCnt="0"/>
-      <dgm:spPr/>
-    </dgm:pt>
-    <dgm:pt modelId="{46F7E848-9562-4D02-BBA3-0665A8FF4A52}" type="pres">
-      <dgm:prSet presAssocID="{1EA5D3CB-5D24-4356-A346-A663D354EA87}" presName="conn2-1" presStyleLbl="parChTrans1D2" presStyleIdx="4" presStyleCnt="5"/>
-      <dgm:spPr/>
-    </dgm:pt>
-    <dgm:pt modelId="{7FBD6E5A-B3F6-4244-86EB-DB96BBC5C4FE}" type="pres">
-      <dgm:prSet presAssocID="{1EA5D3CB-5D24-4356-A346-A663D354EA87}" presName="connTx" presStyleLbl="parChTrans1D2" presStyleIdx="4" presStyleCnt="5"/>
-      <dgm:spPr/>
-    </dgm:pt>
-    <dgm:pt modelId="{A440C243-8BFD-436C-A6DF-120AB108364A}" type="pres">
-      <dgm:prSet presAssocID="{977C100E-12F2-480B-BE31-4E8C6D5F65F7}" presName="root2" presStyleCnt="0"/>
-      <dgm:spPr/>
-    </dgm:pt>
-    <dgm:pt modelId="{E639B57E-D11D-4F6C-9D43-185CD8D791F4}" type="pres">
-      <dgm:prSet presAssocID="{977C100E-12F2-480B-BE31-4E8C6D5F65F7}" presName="LevelTwoTextNode" presStyleLbl="node2" presStyleIdx="4" presStyleCnt="5">
-        <dgm:presLayoutVars>
-          <dgm:chPref val="3"/>
-        </dgm:presLayoutVars>
-      </dgm:prSet>
-      <dgm:spPr/>
-    </dgm:pt>
-    <dgm:pt modelId="{35A51C97-0837-4F98-A20E-D2B506F51F10}" type="pres">
+    <dgm:pt modelId="{0A99D859-7243-4795-A796-2DDD9B1A0E70}" type="pres">
       <dgm:prSet presAssocID="{977C100E-12F2-480B-BE31-4E8C6D5F65F7}" presName="level3hierChild" presStyleCnt="0"/>
       <dgm:spPr/>
     </dgm:pt>
   </dgm:ptLst>
   <dgm:cxnLst>
+    <dgm:cxn modelId="{F34F6105-0A56-4485-9FBA-68AD0A2A5729}" type="presOf" srcId="{1EA5D3CB-5D24-4356-A346-A663D354EA87}" destId="{5C5B3B96-8443-4FD2-8567-499D56593010}" srcOrd="0" destOrd="0" presId="urn:microsoft.com/office/officeart/2008/layout/HorizontalMultiLevelHierarchy"/>
     <dgm:cxn modelId="{CBB5AF0E-3CCD-4CF6-A4FD-FE812B4B0198}" type="presOf" srcId="{06BD4166-2C16-41D4-BB4B-2F3FC72803FA}" destId="{5794B2B1-5E7C-46A1-A5DC-4AA8AEDD62E7}" srcOrd="0" destOrd="0" presId="urn:microsoft.com/office/officeart/2008/layout/HorizontalMultiLevelHierarchy"/>
-    <dgm:cxn modelId="{7F13AC0F-0582-4BE8-9891-C685C641A436}" srcId="{F00C5B57-6B92-4EBF-9595-BD1EC3363E81}" destId="{28E3100C-DF4F-445C-A646-7F9E88D171E6}" srcOrd="3" destOrd="0" parTransId="{14D745EF-A98F-466E-9035-D633E5954490}" sibTransId="{47888A95-1ACF-4B74-AAF2-F98E805FD058}"/>
     <dgm:cxn modelId="{5313021B-DEF8-4DE0-B397-04E13C631045}" srcId="{F00C5B57-6B92-4EBF-9595-BD1EC3363E81}" destId="{06BD4166-2C16-41D4-BB4B-2F3FC72803FA}" srcOrd="1" destOrd="0" parTransId="{D4912D9A-8FFE-4991-A87E-0A7876CF5281}" sibTransId="{F316972C-8BF8-448E-B2FA-55BB5EAD04EE}"/>
     <dgm:cxn modelId="{8C34F31D-8914-491A-88ED-DF81BEC4AC77}" srcId="{B890B749-F72F-474C-AE18-69EE5F0B620C}" destId="{F00C5B57-6B92-4EBF-9595-BD1EC3363E81}" srcOrd="0" destOrd="0" parTransId="{292D5F01-E896-44F1-8D52-047E2A5C7E29}" sibTransId="{B4227AA9-ED87-4CBA-8D8F-066BED599C9E}"/>
     <dgm:cxn modelId="{1595BC37-597D-4C15-945C-B2566944F558}" type="presOf" srcId="{D4912D9A-8FFE-4991-A87E-0A7876CF5281}" destId="{D30F60D5-4F78-4BF4-875C-A57CC41CB995}" srcOrd="1" destOrd="0" presId="urn:microsoft.com/office/officeart/2008/layout/HorizontalMultiLevelHierarchy"/>
     <dgm:cxn modelId="{4D6EE03E-8FF5-4B45-8E5E-644D29A62436}" type="presOf" srcId="{E7465DCC-90A2-46AE-8FA5-A0965FC95E9B}" destId="{8B1F4AF5-0EF0-4590-8D6B-690351CC307E}" srcOrd="0" destOrd="0" presId="urn:microsoft.com/office/officeart/2008/layout/HorizontalMultiLevelHierarchy"/>
-    <dgm:cxn modelId="{1B926240-179F-4F8B-89E7-120278B6CF60}" type="presOf" srcId="{28E3100C-DF4F-445C-A646-7F9E88D171E6}" destId="{3E0C09DA-AA28-41F4-884B-88B86381B7AF}" srcOrd="0" destOrd="0" presId="urn:microsoft.com/office/officeart/2008/layout/HorizontalMultiLevelHierarchy"/>
     <dgm:cxn modelId="{69C6C25E-9FFE-45CF-A4A7-EC32863DD34C}" type="presOf" srcId="{D4912D9A-8FFE-4991-A87E-0A7876CF5281}" destId="{4164A9A4-20D8-4542-937C-757C62DF1683}" srcOrd="0" destOrd="0" presId="urn:microsoft.com/office/officeart/2008/layout/HorizontalMultiLevelHierarchy"/>
-    <dgm:cxn modelId="{CAC0E263-C102-4CF4-A909-B242ABDF21E6}" type="presOf" srcId="{14D745EF-A98F-466E-9035-D633E5954490}" destId="{18A10E7C-92D8-480A-AB12-931B87516310}" srcOrd="1" destOrd="0" presId="urn:microsoft.com/office/officeart/2008/layout/HorizontalMultiLevelHierarchy"/>
-    <dgm:cxn modelId="{64EFF852-9761-48EF-9146-C9A2F07BFBDB}" type="presOf" srcId="{14D745EF-A98F-466E-9035-D633E5954490}" destId="{2491600B-5D5D-4E48-BB27-70241BEE6159}" srcOrd="0" destOrd="0" presId="urn:microsoft.com/office/officeart/2008/layout/HorizontalMultiLevelHierarchy"/>
     <dgm:cxn modelId="{100F6358-8279-4A77-B73A-F3625CA74C9F}" srcId="{F00C5B57-6B92-4EBF-9595-BD1EC3363E81}" destId="{E948E69D-B77F-49D5-9735-630B14E46376}" srcOrd="2" destOrd="0" parTransId="{DEF28DB9-D8D1-479B-B0AC-631FB40D370F}" sibTransId="{D26C065A-9ECD-4649-8FD7-9472C9AFC44E}"/>
     <dgm:cxn modelId="{6E061279-FDA0-4BD4-8FBC-D7B375781F78}" srcId="{F00C5B57-6B92-4EBF-9595-BD1EC3363E81}" destId="{374F2ABA-864D-46D9-971D-3577A76CC074}" srcOrd="0" destOrd="0" parTransId="{E7465DCC-90A2-46AE-8FA5-A0965FC95E9B}" sibTransId="{D7C792CD-CB6F-4804-A937-F4CD3C2B385F}"/>
-    <dgm:cxn modelId="{E89E6E89-5A21-43B7-AB61-D05CB52B8CE4}" type="presOf" srcId="{1EA5D3CB-5D24-4356-A346-A663D354EA87}" destId="{46F7E848-9562-4D02-BBA3-0665A8FF4A52}" srcOrd="0" destOrd="0" presId="urn:microsoft.com/office/officeart/2008/layout/HorizontalMultiLevelHierarchy"/>
-    <dgm:cxn modelId="{5753398A-EE14-44F7-A4CF-B3077EAC0EA2}" type="presOf" srcId="{977C100E-12F2-480B-BE31-4E8C6D5F65F7}" destId="{E639B57E-D11D-4F6C-9D43-185CD8D791F4}" srcOrd="0" destOrd="0" presId="urn:microsoft.com/office/officeart/2008/layout/HorizontalMultiLevelHierarchy"/>
+    <dgm:cxn modelId="{E0453196-8237-4988-9A5E-5F0112EC8DEB}" type="presOf" srcId="{1EA5D3CB-5D24-4356-A346-A663D354EA87}" destId="{B08E41B9-BD95-4A8A-9717-723E53F2D6DB}" srcOrd="1" destOrd="0" presId="urn:microsoft.com/office/officeart/2008/layout/HorizontalMultiLevelHierarchy"/>
     <dgm:cxn modelId="{6816B399-4C3E-4B2A-AD7A-5A9AA184E7C3}" type="presOf" srcId="{DEF28DB9-D8D1-479B-B0AC-631FB40D370F}" destId="{5F7E39ED-8C05-4F66-890C-FADCBB222908}" srcOrd="0" destOrd="0" presId="urn:microsoft.com/office/officeart/2008/layout/HorizontalMultiLevelHierarchy"/>
     <dgm:cxn modelId="{F430EC9E-F629-4AE4-AA56-EC92B06B69AF}" type="presOf" srcId="{F00C5B57-6B92-4EBF-9595-BD1EC3363E81}" destId="{D5EC8258-0EE2-41B3-B7BA-CC23FA384C36}" srcOrd="0" destOrd="0" presId="urn:microsoft.com/office/officeart/2008/layout/HorizontalMultiLevelHierarchy"/>
-    <dgm:cxn modelId="{D71D5BA5-CF8F-4AAB-BA1B-41E984D5DDF0}" type="presOf" srcId="{1EA5D3CB-5D24-4356-A346-A663D354EA87}" destId="{7FBD6E5A-B3F6-4244-86EB-DB96BBC5C4FE}" srcOrd="1" destOrd="0" presId="urn:microsoft.com/office/officeart/2008/layout/HorizontalMultiLevelHierarchy"/>
     <dgm:cxn modelId="{6F43DDAF-0940-4AC9-B0DC-5F6ED1525EE0}" type="presOf" srcId="{E948E69D-B77F-49D5-9735-630B14E46376}" destId="{831ADD0F-9BE3-45BC-9946-E26A8A9DC81B}" srcOrd="0" destOrd="0" presId="urn:microsoft.com/office/officeart/2008/layout/HorizontalMultiLevelHierarchy"/>
     <dgm:cxn modelId="{7B42AEB1-3584-46C1-8F89-3DF7C8F00052}" type="presOf" srcId="{DEF28DB9-D8D1-479B-B0AC-631FB40D370F}" destId="{C466BE42-AF5D-47B1-A403-5CBE2026520A}" srcOrd="1" destOrd="0" presId="urn:microsoft.com/office/officeart/2008/layout/HorizontalMultiLevelHierarchy"/>
     <dgm:cxn modelId="{18E8EDB2-61A5-4982-9D82-F6C3C3920070}" type="presOf" srcId="{B890B749-F72F-474C-AE18-69EE5F0B620C}" destId="{E5B6AEB3-5421-4F48-9B1B-A58EEEFE23DC}" srcOrd="0" destOrd="0" presId="urn:microsoft.com/office/officeart/2008/layout/HorizontalMultiLevelHierarchy"/>
-    <dgm:cxn modelId="{576475B9-2813-4E4D-91BF-A7B9330D2E4B}" srcId="{F00C5B57-6B92-4EBF-9595-BD1EC3363E81}" destId="{977C100E-12F2-480B-BE31-4E8C6D5F65F7}" srcOrd="4" destOrd="0" parTransId="{1EA5D3CB-5D24-4356-A346-A663D354EA87}" sibTransId="{55498DD9-6239-4015-8C53-F7E02990B34C}"/>
+    <dgm:cxn modelId="{576475B9-2813-4E4D-91BF-A7B9330D2E4B}" srcId="{F00C5B57-6B92-4EBF-9595-BD1EC3363E81}" destId="{977C100E-12F2-480B-BE31-4E8C6D5F65F7}" srcOrd="3" destOrd="0" parTransId="{1EA5D3CB-5D24-4356-A346-A663D354EA87}" sibTransId="{55498DD9-6239-4015-8C53-F7E02990B34C}"/>
     <dgm:cxn modelId="{539753E3-3386-4637-9556-5BD55228338F}" type="presOf" srcId="{E7465DCC-90A2-46AE-8FA5-A0965FC95E9B}" destId="{BB881D9E-A0A2-486C-86D9-D42FD651403E}" srcOrd="1" destOrd="0" presId="urn:microsoft.com/office/officeart/2008/layout/HorizontalMultiLevelHierarchy"/>
+    <dgm:cxn modelId="{DEE2E8E8-38EB-4F9B-8CAF-76CCA050846C}" type="presOf" srcId="{977C100E-12F2-480B-BE31-4E8C6D5F65F7}" destId="{2AF75D57-6C0F-4C6A-9130-136FDC92E5FF}" srcOrd="0" destOrd="0" presId="urn:microsoft.com/office/officeart/2008/layout/HorizontalMultiLevelHierarchy"/>
     <dgm:cxn modelId="{4A315AF6-B868-40C6-93F5-6521119ABAFF}" type="presOf" srcId="{374F2ABA-864D-46D9-971D-3577A76CC074}" destId="{1D35A22F-E707-456F-8DAD-19016425F7B0}" srcOrd="0" destOrd="0" presId="urn:microsoft.com/office/officeart/2008/layout/HorizontalMultiLevelHierarchy"/>
     <dgm:cxn modelId="{BF9CDF88-A4E3-414C-A27A-3148813D5022}" type="presParOf" srcId="{E5B6AEB3-5421-4F48-9B1B-A58EEEFE23DC}" destId="{A79CE6B8-B396-4BEC-81C6-6D6400DEB683}" srcOrd="0" destOrd="0" presId="urn:microsoft.com/office/officeart/2008/layout/HorizontalMultiLevelHierarchy"/>
     <dgm:cxn modelId="{7A207CAD-4DD4-4CB9-AE47-38ED0115C3DB}" type="presParOf" srcId="{A79CE6B8-B396-4BEC-81C6-6D6400DEB683}" destId="{D5EC8258-0EE2-41B3-B7BA-CC23FA384C36}" srcOrd="0" destOrd="0" presId="urn:microsoft.com/office/officeart/2008/layout/HorizontalMultiLevelHierarchy"/>
@@ -1544,16 +1480,11 @@
     <dgm:cxn modelId="{AFEDA42F-A163-4093-8516-B8A4E07A91D6}" type="presParOf" srcId="{2755FF18-05D7-46DD-A2DF-D2012BAAA091}" destId="{BFFF484A-7067-40DD-A251-5C4C8C1F80EE}" srcOrd="5" destOrd="0" presId="urn:microsoft.com/office/officeart/2008/layout/HorizontalMultiLevelHierarchy"/>
     <dgm:cxn modelId="{BF3BCE7F-DAFC-4E8A-8BDA-330691215370}" type="presParOf" srcId="{BFFF484A-7067-40DD-A251-5C4C8C1F80EE}" destId="{831ADD0F-9BE3-45BC-9946-E26A8A9DC81B}" srcOrd="0" destOrd="0" presId="urn:microsoft.com/office/officeart/2008/layout/HorizontalMultiLevelHierarchy"/>
     <dgm:cxn modelId="{61A05670-C668-4FE2-9D69-44BB2E438D0C}" type="presParOf" srcId="{BFFF484A-7067-40DD-A251-5C4C8C1F80EE}" destId="{ED660EC8-3F08-4ACD-A310-A7F3475DABF7}" srcOrd="1" destOrd="0" presId="urn:microsoft.com/office/officeart/2008/layout/HorizontalMultiLevelHierarchy"/>
-    <dgm:cxn modelId="{3C735072-CE80-4D03-84A5-D9637C2BAAB7}" type="presParOf" srcId="{2755FF18-05D7-46DD-A2DF-D2012BAAA091}" destId="{2491600B-5D5D-4E48-BB27-70241BEE6159}" srcOrd="6" destOrd="0" presId="urn:microsoft.com/office/officeart/2008/layout/HorizontalMultiLevelHierarchy"/>
-    <dgm:cxn modelId="{ACE491F9-9F1C-4124-8607-85E896F8AB56}" type="presParOf" srcId="{2491600B-5D5D-4E48-BB27-70241BEE6159}" destId="{18A10E7C-92D8-480A-AB12-931B87516310}" srcOrd="0" destOrd="0" presId="urn:microsoft.com/office/officeart/2008/layout/HorizontalMultiLevelHierarchy"/>
-    <dgm:cxn modelId="{B1344913-633E-4614-BE96-9273345120C2}" type="presParOf" srcId="{2755FF18-05D7-46DD-A2DF-D2012BAAA091}" destId="{0181A2FF-7E6D-4B4B-A8D1-41778F8E2045}" srcOrd="7" destOrd="0" presId="urn:microsoft.com/office/officeart/2008/layout/HorizontalMultiLevelHierarchy"/>
-    <dgm:cxn modelId="{E2812C48-80F0-4891-A9DB-931C82E47012}" type="presParOf" srcId="{0181A2FF-7E6D-4B4B-A8D1-41778F8E2045}" destId="{3E0C09DA-AA28-41F4-884B-88B86381B7AF}" srcOrd="0" destOrd="0" presId="urn:microsoft.com/office/officeart/2008/layout/HorizontalMultiLevelHierarchy"/>
-    <dgm:cxn modelId="{40573341-7145-4F3E-95B4-A6E1484A9ABF}" type="presParOf" srcId="{0181A2FF-7E6D-4B4B-A8D1-41778F8E2045}" destId="{4644E4D3-1492-4C0A-97FD-D86E6A73E722}" srcOrd="1" destOrd="0" presId="urn:microsoft.com/office/officeart/2008/layout/HorizontalMultiLevelHierarchy"/>
-    <dgm:cxn modelId="{ABC9C989-504F-44B9-ADC7-BC62796A6E45}" type="presParOf" srcId="{2755FF18-05D7-46DD-A2DF-D2012BAAA091}" destId="{46F7E848-9562-4D02-BBA3-0665A8FF4A52}" srcOrd="8" destOrd="0" presId="urn:microsoft.com/office/officeart/2008/layout/HorizontalMultiLevelHierarchy"/>
-    <dgm:cxn modelId="{4F2C0B4D-699B-40F7-8361-8C417E1A3F6F}" type="presParOf" srcId="{46F7E848-9562-4D02-BBA3-0665A8FF4A52}" destId="{7FBD6E5A-B3F6-4244-86EB-DB96BBC5C4FE}" srcOrd="0" destOrd="0" presId="urn:microsoft.com/office/officeart/2008/layout/HorizontalMultiLevelHierarchy"/>
-    <dgm:cxn modelId="{98E173B8-A276-492E-A5BA-2087E9CCC0C0}" type="presParOf" srcId="{2755FF18-05D7-46DD-A2DF-D2012BAAA091}" destId="{A440C243-8BFD-436C-A6DF-120AB108364A}" srcOrd="9" destOrd="0" presId="urn:microsoft.com/office/officeart/2008/layout/HorizontalMultiLevelHierarchy"/>
-    <dgm:cxn modelId="{0F450041-3CC6-4400-9ADF-1DAC5187239C}" type="presParOf" srcId="{A440C243-8BFD-436C-A6DF-120AB108364A}" destId="{E639B57E-D11D-4F6C-9D43-185CD8D791F4}" srcOrd="0" destOrd="0" presId="urn:microsoft.com/office/officeart/2008/layout/HorizontalMultiLevelHierarchy"/>
-    <dgm:cxn modelId="{D12CF8C8-E17B-4345-8803-B00D2EB70EEA}" type="presParOf" srcId="{A440C243-8BFD-436C-A6DF-120AB108364A}" destId="{35A51C97-0837-4F98-A20E-D2B506F51F10}" srcOrd="1" destOrd="0" presId="urn:microsoft.com/office/officeart/2008/layout/HorizontalMultiLevelHierarchy"/>
+    <dgm:cxn modelId="{AFDDB022-C933-422F-A57E-18241AB6BA8B}" type="presParOf" srcId="{2755FF18-05D7-46DD-A2DF-D2012BAAA091}" destId="{5C5B3B96-8443-4FD2-8567-499D56593010}" srcOrd="6" destOrd="0" presId="urn:microsoft.com/office/officeart/2008/layout/HorizontalMultiLevelHierarchy"/>
+    <dgm:cxn modelId="{046E4BC3-5EA0-4378-B4FD-FEE2D1B3A73E}" type="presParOf" srcId="{5C5B3B96-8443-4FD2-8567-499D56593010}" destId="{B08E41B9-BD95-4A8A-9717-723E53F2D6DB}" srcOrd="0" destOrd="0" presId="urn:microsoft.com/office/officeart/2008/layout/HorizontalMultiLevelHierarchy"/>
+    <dgm:cxn modelId="{57290173-98AA-49C5-86C7-C73E40CC6A3E}" type="presParOf" srcId="{2755FF18-05D7-46DD-A2DF-D2012BAAA091}" destId="{5B9F75AE-EF8E-4256-8C6E-56FEC1969D69}" srcOrd="7" destOrd="0" presId="urn:microsoft.com/office/officeart/2008/layout/HorizontalMultiLevelHierarchy"/>
+    <dgm:cxn modelId="{635CEA0B-A1D1-428A-AE64-7EC8F68B6B6E}" type="presParOf" srcId="{5B9F75AE-EF8E-4256-8C6E-56FEC1969D69}" destId="{2AF75D57-6C0F-4C6A-9130-136FDC92E5FF}" srcOrd="0" destOrd="0" presId="urn:microsoft.com/office/officeart/2008/layout/HorizontalMultiLevelHierarchy"/>
+    <dgm:cxn modelId="{5D8C37C8-FCB8-4F98-8E30-C84B42B8494D}" type="presParOf" srcId="{5B9F75AE-EF8E-4256-8C6E-56FEC1969D69}" destId="{0A99D859-7243-4795-A796-2DDD9B1A0E70}" srcOrd="1" destOrd="0" presId="urn:microsoft.com/office/officeart/2008/layout/HorizontalMultiLevelHierarchy"/>
   </dgm:cxnLst>
   <dgm:bg/>
   <dgm:whole/>
@@ -1573,15 +1504,15 @@
       <dsp:cNvGrpSpPr/>
     </dsp:nvGrpSpPr>
     <dsp:grpSpPr/>
-    <dsp:sp modelId="{46F7E848-9562-4D02-BBA3-0665A8FF4A52}">
+    <dsp:sp modelId="{5C5B3B96-8443-4FD2-8567-499D56593010}">
       <dsp:nvSpPr>
         <dsp:cNvPr id="0" name=""/>
         <dsp:cNvSpPr/>
       </dsp:nvSpPr>
       <dsp:spPr>
         <a:xfrm>
-          <a:off x="3447292" y="2097881"/>
-          <a:ext cx="458611" cy="1747756"/>
+          <a:off x="3303293" y="2097881"/>
+          <a:ext cx="522959" cy="1494740"/>
         </a:xfrm>
         <a:custGeom>
           <a:avLst/>
@@ -1595,99 +1526,13 @@
                 <a:pt x="0" y="0"/>
               </a:moveTo>
               <a:lnTo>
-                <a:pt x="229305" y="0"/>
+                <a:pt x="261479" y="0"/>
               </a:lnTo>
               <a:lnTo>
-                <a:pt x="229305" y="1747756"/>
+                <a:pt x="261479" y="1494740"/>
               </a:lnTo>
               <a:lnTo>
-                <a:pt x="458611" y="1747756"/>
-              </a:lnTo>
-            </a:path>
-          </a:pathLst>
-        </a:custGeom>
-        <a:noFill/>
-        <a:ln w="19050" cap="rnd" cmpd="sng" algn="ctr">
-          <a:solidFill>
-            <a:schemeClr val="accent1">
-              <a:shade val="60000"/>
-              <a:hueOff val="0"/>
-              <a:satOff val="0"/>
-              <a:lumOff val="0"/>
-              <a:alphaOff val="0"/>
-            </a:schemeClr>
-          </a:solidFill>
-          <a:prstDash val="solid"/>
-        </a:ln>
-        <a:effectLst/>
-      </dsp:spPr>
-      <dsp:style>
-        <a:lnRef idx="2">
-          <a:scrgbClr r="0" g="0" b="0"/>
-        </a:lnRef>
-        <a:fillRef idx="0">
-          <a:scrgbClr r="0" g="0" b="0"/>
-        </a:fillRef>
-        <a:effectRef idx="0">
-          <a:scrgbClr r="0" g="0" b="0"/>
-        </a:effectRef>
-        <a:fontRef idx="minor"/>
-      </dsp:style>
-      <dsp:txBody>
-        <a:bodyPr spcFirstLastPara="0" vert="horz" wrap="square" lIns="12700" tIns="0" rIns="12700" bIns="0" numCol="1" spcCol="1270" anchor="ctr" anchorCtr="0">
-          <a:noAutofit/>
-        </a:bodyPr>
-        <a:lstStyle/>
-        <a:p>
-          <a:pPr marL="0" lvl="0" indent="0" algn="ctr" defTabSz="266700">
-            <a:lnSpc>
-              <a:spcPct val="90000"/>
-            </a:lnSpc>
-            <a:spcBef>
-              <a:spcPct val="0"/>
-            </a:spcBef>
-            <a:spcAft>
-              <a:spcPct val="35000"/>
-            </a:spcAft>
-            <a:buNone/>
-          </a:pPr>
-          <a:endParaRPr lang="hu-HU" sz="600" kern="1200"/>
-        </a:p>
-      </dsp:txBody>
-      <dsp:txXfrm>
-        <a:off x="3631425" y="2926585"/>
-        <a:ext cx="90346" cy="90346"/>
-      </dsp:txXfrm>
-    </dsp:sp>
-    <dsp:sp modelId="{2491600B-5D5D-4E48-BB27-70241BEE6159}">
-      <dsp:nvSpPr>
-        <dsp:cNvPr id="0" name=""/>
-        <dsp:cNvSpPr/>
-      </dsp:nvSpPr>
-      <dsp:spPr>
-        <a:xfrm>
-          <a:off x="3447292" y="2097881"/>
-          <a:ext cx="458611" cy="873878"/>
-        </a:xfrm>
-        <a:custGeom>
-          <a:avLst/>
-          <a:gdLst/>
-          <a:ahLst/>
-          <a:cxnLst/>
-          <a:rect l="0" t="0" r="0" b="0"/>
-          <a:pathLst>
-            <a:path>
-              <a:moveTo>
-                <a:pt x="0" y="0"/>
-              </a:moveTo>
-              <a:lnTo>
-                <a:pt x="229305" y="0"/>
-              </a:lnTo>
-              <a:lnTo>
-                <a:pt x="229305" y="873878"/>
-              </a:lnTo>
-              <a:lnTo>
-                <a:pt x="458611" y="873878"/>
+                <a:pt x="522959" y="1494740"/>
               </a:lnTo>
             </a:path>
           </a:pathLst>
@@ -1741,8 +1586,8 @@
         </a:p>
       </dsp:txBody>
       <dsp:txXfrm>
-        <a:off x="3651925" y="2510147"/>
-        <a:ext cx="49345" cy="49345"/>
+        <a:off x="3525183" y="2805661"/>
+        <a:ext cx="79179" cy="79179"/>
       </dsp:txXfrm>
     </dsp:sp>
     <dsp:sp modelId="{5F7E39ED-8C05-4F66-890C-FADCBB222908}">
@@ -1752,8 +1597,8 @@
       </dsp:nvSpPr>
       <dsp:spPr>
         <a:xfrm>
-          <a:off x="3447292" y="2052161"/>
-          <a:ext cx="458611" cy="91440"/>
+          <a:off x="3303293" y="2097881"/>
+          <a:ext cx="522959" cy="498246"/>
         </a:xfrm>
         <a:custGeom>
           <a:avLst/>
@@ -1764,10 +1609,16 @@
           <a:pathLst>
             <a:path>
               <a:moveTo>
-                <a:pt x="0" y="45720"/>
+                <a:pt x="0" y="0"/>
               </a:moveTo>
               <a:lnTo>
-                <a:pt x="458611" y="45720"/>
+                <a:pt x="261479" y="0"/>
+              </a:lnTo>
+              <a:lnTo>
+                <a:pt x="261479" y="498246"/>
+              </a:lnTo>
+              <a:lnTo>
+                <a:pt x="522959" y="498246"/>
               </a:lnTo>
             </a:path>
           </a:pathLst>
@@ -1821,8 +1672,8 @@
         </a:p>
       </dsp:txBody>
       <dsp:txXfrm>
-        <a:off x="3665132" y="2086415"/>
-        <a:ext cx="22930" cy="22930"/>
+        <a:off x="3546715" y="2328946"/>
+        <a:ext cx="36115" cy="36115"/>
       </dsp:txXfrm>
     </dsp:sp>
     <dsp:sp modelId="{4164A9A4-20D8-4542-937C-757C62DF1683}">
@@ -1832,8 +1683,8 @@
       </dsp:nvSpPr>
       <dsp:spPr>
         <a:xfrm>
-          <a:off x="3447292" y="1224002"/>
-          <a:ext cx="458611" cy="873878"/>
+          <a:off x="3303293" y="1599634"/>
+          <a:ext cx="522959" cy="498246"/>
         </a:xfrm>
         <a:custGeom>
           <a:avLst/>
@@ -1844,16 +1695,16 @@
           <a:pathLst>
             <a:path>
               <a:moveTo>
-                <a:pt x="0" y="873878"/>
+                <a:pt x="0" y="498246"/>
               </a:moveTo>
               <a:lnTo>
-                <a:pt x="229305" y="873878"/>
+                <a:pt x="261479" y="498246"/>
               </a:lnTo>
               <a:lnTo>
-                <a:pt x="229305" y="0"/>
+                <a:pt x="261479" y="0"/>
               </a:lnTo>
               <a:lnTo>
-                <a:pt x="458611" y="0"/>
+                <a:pt x="522959" y="0"/>
               </a:lnTo>
             </a:path>
           </a:pathLst>
@@ -1907,8 +1758,8 @@
         </a:p>
       </dsp:txBody>
       <dsp:txXfrm>
-        <a:off x="3651925" y="1636269"/>
-        <a:ext cx="49345" cy="49345"/>
+        <a:off x="3546715" y="1830699"/>
+        <a:ext cx="36115" cy="36115"/>
       </dsp:txXfrm>
     </dsp:sp>
     <dsp:sp modelId="{8B1F4AF5-0EF0-4590-8D6B-690351CC307E}">
@@ -1918,8 +1769,8 @@
       </dsp:nvSpPr>
       <dsp:spPr>
         <a:xfrm>
-          <a:off x="3447292" y="350124"/>
-          <a:ext cx="458611" cy="1747756"/>
+          <a:off x="3303293" y="603140"/>
+          <a:ext cx="522959" cy="1494740"/>
         </a:xfrm>
         <a:custGeom>
           <a:avLst/>
@@ -1930,16 +1781,16 @@
           <a:pathLst>
             <a:path>
               <a:moveTo>
-                <a:pt x="0" y="1747756"/>
+                <a:pt x="0" y="1494740"/>
               </a:moveTo>
               <a:lnTo>
-                <a:pt x="229305" y="1747756"/>
+                <a:pt x="261479" y="1494740"/>
               </a:lnTo>
               <a:lnTo>
-                <a:pt x="229305" y="0"/>
+                <a:pt x="261479" y="0"/>
               </a:lnTo>
               <a:lnTo>
-                <a:pt x="458611" y="0"/>
+                <a:pt x="522959" y="0"/>
               </a:lnTo>
             </a:path>
           </a:pathLst>
@@ -1977,7 +1828,7 @@
         </a:bodyPr>
         <a:lstStyle/>
         <a:p>
-          <a:pPr marL="0" lvl="0" indent="0" algn="ctr" defTabSz="266700">
+          <a:pPr marL="0" lvl="0" indent="0" algn="ctr" defTabSz="222250">
             <a:lnSpc>
               <a:spcPct val="90000"/>
             </a:lnSpc>
@@ -1989,12 +1840,12 @@
             </a:spcAft>
             <a:buNone/>
           </a:pPr>
-          <a:endParaRPr lang="hu-HU" sz="600" kern="1200"/>
+          <a:endParaRPr lang="hu-HU" sz="500" kern="1200"/>
         </a:p>
       </dsp:txBody>
       <dsp:txXfrm>
-        <a:off x="3631425" y="1178829"/>
-        <a:ext cx="90346" cy="90346"/>
+        <a:off x="3525183" y="1310921"/>
+        <a:ext cx="79179" cy="79179"/>
       </dsp:txXfrm>
     </dsp:sp>
     <dsp:sp modelId="{D5EC8258-0EE2-41B3-B7BA-CC23FA384C36}">
@@ -2004,8 +1855,8 @@
       </dsp:nvSpPr>
       <dsp:spPr>
         <a:xfrm rot="16200000">
-          <a:off x="1257998" y="1748329"/>
-          <a:ext cx="3679486" cy="699102"/>
+          <a:off x="806814" y="1699283"/>
+          <a:ext cx="4195762" cy="797194"/>
         </a:xfrm>
         <a:prstGeom prst="rect">
           <a:avLst/>
@@ -2046,12 +1897,12 @@
         </a:fontRef>
       </dsp:style>
       <dsp:txBody>
-        <a:bodyPr spcFirstLastPara="0" vert="horz" wrap="square" lIns="23495" tIns="23495" rIns="23495" bIns="23495" numCol="1" spcCol="1270" anchor="ctr" anchorCtr="0">
+        <a:bodyPr spcFirstLastPara="0" vert="horz" wrap="square" lIns="27305" tIns="27305" rIns="27305" bIns="27305" numCol="1" spcCol="1270" anchor="ctr" anchorCtr="0">
           <a:noAutofit/>
         </a:bodyPr>
         <a:lstStyle/>
         <a:p>
-          <a:pPr marL="0" lvl="0" indent="0" algn="ctr" defTabSz="1644650">
+          <a:pPr marL="0" lvl="0" indent="0" algn="ctr" defTabSz="1911350">
             <a:lnSpc>
               <a:spcPct val="90000"/>
             </a:lnSpc>
@@ -2064,18 +1915,18 @@
             <a:buNone/>
           </a:pPr>
           <a:r>
-            <a:rPr lang="hu-HU" sz="3700" kern="1200" dirty="0" err="1"/>
+            <a:rPr lang="hu-HU" sz="4300" kern="1200" dirty="0" err="1"/>
             <a:t>AnRoTa</a:t>
           </a:r>
           <a:r>
-            <a:rPr lang="hu-HU" sz="3700" kern="1200" dirty="0"/>
+            <a:rPr lang="hu-HU" sz="4300" kern="1200" dirty="0"/>
             <a:t> Főoldal</a:t>
           </a:r>
         </a:p>
       </dsp:txBody>
       <dsp:txXfrm>
-        <a:off x="1257998" y="1748329"/>
-        <a:ext cx="3679486" cy="699102"/>
+        <a:off x="806814" y="1699283"/>
+        <a:ext cx="4195762" cy="797194"/>
       </dsp:txXfrm>
     </dsp:sp>
     <dsp:sp modelId="{1D35A22F-E707-456F-8DAD-19016425F7B0}">
@@ -2085,8 +1936,8 @@
       </dsp:nvSpPr>
       <dsp:spPr>
         <a:xfrm>
-          <a:off x="3905903" y="573"/>
-          <a:ext cx="2293056" cy="699102"/>
+          <a:off x="3826252" y="204543"/>
+          <a:ext cx="2614798" cy="797194"/>
         </a:xfrm>
         <a:prstGeom prst="rect">
           <a:avLst/>
@@ -2127,12 +1978,12 @@
         </a:fontRef>
       </dsp:style>
       <dsp:txBody>
-        <a:bodyPr spcFirstLastPara="0" vert="horz" wrap="square" lIns="13970" tIns="13970" rIns="13970" bIns="13970" numCol="1" spcCol="1270" anchor="ctr" anchorCtr="0">
+        <a:bodyPr spcFirstLastPara="0" vert="horz" wrap="square" lIns="16510" tIns="16510" rIns="16510" bIns="16510" numCol="1" spcCol="1270" anchor="ctr" anchorCtr="0">
           <a:noAutofit/>
         </a:bodyPr>
         <a:lstStyle/>
         <a:p>
-          <a:pPr marL="0" lvl="0" indent="0" algn="ctr" defTabSz="977900">
+          <a:pPr marL="0" lvl="0" indent="0" algn="ctr" defTabSz="1155700">
             <a:lnSpc>
               <a:spcPct val="90000"/>
             </a:lnSpc>
@@ -2145,14 +1996,14 @@
             <a:buNone/>
           </a:pPr>
           <a:r>
-            <a:rPr lang="hu-HU" sz="2200" kern="1200" dirty="0"/>
+            <a:rPr lang="hu-HU" sz="2600" kern="1200" dirty="0"/>
             <a:t>Kapcsolat</a:t>
           </a:r>
         </a:p>
       </dsp:txBody>
       <dsp:txXfrm>
-        <a:off x="3905903" y="573"/>
-        <a:ext cx="2293056" cy="699102"/>
+        <a:off x="3826252" y="204543"/>
+        <a:ext cx="2614798" cy="797194"/>
       </dsp:txXfrm>
     </dsp:sp>
     <dsp:sp modelId="{5794B2B1-5E7C-46A1-A5DC-4AA8AEDD62E7}">
@@ -2162,8 +2013,8 @@
       </dsp:nvSpPr>
       <dsp:spPr>
         <a:xfrm>
-          <a:off x="3905903" y="874451"/>
-          <a:ext cx="2293056" cy="699102"/>
+          <a:off x="3826252" y="1201036"/>
+          <a:ext cx="2614798" cy="797194"/>
         </a:xfrm>
         <a:prstGeom prst="rect">
           <a:avLst/>
@@ -2204,12 +2055,12 @@
         </a:fontRef>
       </dsp:style>
       <dsp:txBody>
-        <a:bodyPr spcFirstLastPara="0" vert="horz" wrap="square" lIns="13970" tIns="13970" rIns="13970" bIns="13970" numCol="1" spcCol="1270" anchor="ctr" anchorCtr="0">
+        <a:bodyPr spcFirstLastPara="0" vert="horz" wrap="square" lIns="16510" tIns="16510" rIns="16510" bIns="16510" numCol="1" spcCol="1270" anchor="ctr" anchorCtr="0">
           <a:noAutofit/>
         </a:bodyPr>
         <a:lstStyle/>
         <a:p>
-          <a:pPr marL="0" lvl="0" indent="0" algn="ctr" defTabSz="977900">
+          <a:pPr marL="0" lvl="0" indent="0" algn="ctr" defTabSz="1155700">
             <a:lnSpc>
               <a:spcPct val="90000"/>
             </a:lnSpc>
@@ -2222,14 +2073,14 @@
             <a:buNone/>
           </a:pPr>
           <a:r>
-            <a:rPr lang="hu-HU" sz="2200" kern="1200" dirty="0"/>
-            <a:t>Tervező</a:t>
+            <a:rPr lang="hu-HU" sz="2600" kern="1200" dirty="0"/>
+            <a:t>Tervező opció</a:t>
           </a:r>
         </a:p>
       </dsp:txBody>
       <dsp:txXfrm>
-        <a:off x="3905903" y="874451"/>
-        <a:ext cx="2293056" cy="699102"/>
+        <a:off x="3826252" y="1201036"/>
+        <a:ext cx="2614798" cy="797194"/>
       </dsp:txXfrm>
     </dsp:sp>
     <dsp:sp modelId="{831ADD0F-9BE3-45BC-9946-E26A8A9DC81B}">
@@ -2239,8 +2090,8 @@
       </dsp:nvSpPr>
       <dsp:spPr>
         <a:xfrm>
-          <a:off x="3905903" y="1748329"/>
-          <a:ext cx="2293056" cy="699102"/>
+          <a:off x="3826252" y="2197530"/>
+          <a:ext cx="2614798" cy="797194"/>
         </a:xfrm>
         <a:prstGeom prst="rect">
           <a:avLst/>
@@ -2281,12 +2132,12 @@
         </a:fontRef>
       </dsp:style>
       <dsp:txBody>
-        <a:bodyPr spcFirstLastPara="0" vert="horz" wrap="square" lIns="13970" tIns="13970" rIns="13970" bIns="13970" numCol="1" spcCol="1270" anchor="ctr" anchorCtr="0">
+        <a:bodyPr spcFirstLastPara="0" vert="horz" wrap="square" lIns="16510" tIns="16510" rIns="16510" bIns="16510" numCol="1" spcCol="1270" anchor="ctr" anchorCtr="0">
           <a:noAutofit/>
         </a:bodyPr>
         <a:lstStyle/>
         <a:p>
-          <a:pPr marL="0" lvl="0" indent="0" algn="ctr" defTabSz="977900">
+          <a:pPr marL="0" lvl="0" indent="0" algn="ctr" defTabSz="1155700">
             <a:lnSpc>
               <a:spcPct val="90000"/>
             </a:lnSpc>
@@ -2299,25 +2150,25 @@
             <a:buNone/>
           </a:pPr>
           <a:r>
-            <a:rPr lang="hu-HU" sz="2200" kern="1200" dirty="0"/>
+            <a:rPr lang="hu-HU" sz="2600" kern="1200" dirty="0"/>
             <a:t>Szolgáltatásaink</a:t>
           </a:r>
         </a:p>
       </dsp:txBody>
       <dsp:txXfrm>
-        <a:off x="3905903" y="1748329"/>
-        <a:ext cx="2293056" cy="699102"/>
+        <a:off x="3826252" y="2197530"/>
+        <a:ext cx="2614798" cy="797194"/>
       </dsp:txXfrm>
     </dsp:sp>
-    <dsp:sp modelId="{3E0C09DA-AA28-41F4-884B-88B86381B7AF}">
+    <dsp:sp modelId="{2AF75D57-6C0F-4C6A-9130-136FDC92E5FF}">
       <dsp:nvSpPr>
         <dsp:cNvPr id="0" name=""/>
         <dsp:cNvSpPr/>
       </dsp:nvSpPr>
       <dsp:spPr>
         <a:xfrm>
-          <a:off x="3905903" y="2622207"/>
-          <a:ext cx="2293056" cy="699102"/>
+          <a:off x="3826252" y="3194023"/>
+          <a:ext cx="2614798" cy="797194"/>
         </a:xfrm>
         <a:prstGeom prst="rect">
           <a:avLst/>
@@ -2358,12 +2209,12 @@
         </a:fontRef>
       </dsp:style>
       <dsp:txBody>
-        <a:bodyPr spcFirstLastPara="0" vert="horz" wrap="square" lIns="13970" tIns="13970" rIns="13970" bIns="13970" numCol="1" spcCol="1270" anchor="ctr" anchorCtr="0">
+        <a:bodyPr spcFirstLastPara="0" vert="horz" wrap="square" lIns="16510" tIns="16510" rIns="16510" bIns="16510" numCol="1" spcCol="1270" anchor="ctr" anchorCtr="0">
           <a:noAutofit/>
         </a:bodyPr>
         <a:lstStyle/>
         <a:p>
-          <a:pPr marL="0" lvl="0" indent="0" algn="ctr" defTabSz="977900">
+          <a:pPr marL="0" lvl="0" indent="0" algn="ctr" defTabSz="1155700">
             <a:lnSpc>
               <a:spcPct val="90000"/>
             </a:lnSpc>
@@ -2376,91 +2227,14 @@
             <a:buNone/>
           </a:pPr>
           <a:r>
-            <a:rPr lang="hu-HU" sz="2200" kern="1200" dirty="0"/>
-            <a:t>Webshop</a:t>
-          </a:r>
-        </a:p>
-      </dsp:txBody>
-      <dsp:txXfrm>
-        <a:off x="3905903" y="2622207"/>
-        <a:ext cx="2293056" cy="699102"/>
-      </dsp:txXfrm>
-    </dsp:sp>
-    <dsp:sp modelId="{E639B57E-D11D-4F6C-9D43-185CD8D791F4}">
-      <dsp:nvSpPr>
-        <dsp:cNvPr id="0" name=""/>
-        <dsp:cNvSpPr/>
-      </dsp:nvSpPr>
-      <dsp:spPr>
-        <a:xfrm>
-          <a:off x="3905903" y="3496085"/>
-          <a:ext cx="2293056" cy="699102"/>
-        </a:xfrm>
-        <a:prstGeom prst="rect">
-          <a:avLst/>
-        </a:prstGeom>
-        <a:solidFill>
-          <a:schemeClr val="accent1">
-            <a:hueOff val="0"/>
-            <a:satOff val="0"/>
-            <a:lumOff val="0"/>
-            <a:alphaOff val="0"/>
-          </a:schemeClr>
-        </a:solidFill>
-        <a:ln w="19050" cap="rnd" cmpd="sng" algn="ctr">
-          <a:solidFill>
-            <a:schemeClr val="lt1">
-              <a:hueOff val="0"/>
-              <a:satOff val="0"/>
-              <a:lumOff val="0"/>
-              <a:alphaOff val="0"/>
-            </a:schemeClr>
-          </a:solidFill>
-          <a:prstDash val="solid"/>
-        </a:ln>
-        <a:effectLst/>
-      </dsp:spPr>
-      <dsp:style>
-        <a:lnRef idx="2">
-          <a:scrgbClr r="0" g="0" b="0"/>
-        </a:lnRef>
-        <a:fillRef idx="1">
-          <a:scrgbClr r="0" g="0" b="0"/>
-        </a:fillRef>
-        <a:effectRef idx="0">
-          <a:scrgbClr r="0" g="0" b="0"/>
-        </a:effectRef>
-        <a:fontRef idx="minor">
-          <a:schemeClr val="lt1"/>
-        </a:fontRef>
-      </dsp:style>
-      <dsp:txBody>
-        <a:bodyPr spcFirstLastPara="0" vert="horz" wrap="square" lIns="13970" tIns="13970" rIns="13970" bIns="13970" numCol="1" spcCol="1270" anchor="ctr" anchorCtr="0">
-          <a:noAutofit/>
-        </a:bodyPr>
-        <a:lstStyle/>
-        <a:p>
-          <a:pPr marL="0" lvl="0" indent="0" algn="ctr" defTabSz="977900">
-            <a:lnSpc>
-              <a:spcPct val="90000"/>
-            </a:lnSpc>
-            <a:spcBef>
-              <a:spcPct val="0"/>
-            </a:spcBef>
-            <a:spcAft>
-              <a:spcPct val="35000"/>
-            </a:spcAft>
-            <a:buNone/>
-          </a:pPr>
-          <a:r>
-            <a:rPr lang="hu-HU" sz="2200" kern="1200" dirty="0"/>
+            <a:rPr lang="hu-HU" sz="2600" kern="1200" dirty="0"/>
             <a:t>DIY</a:t>
           </a:r>
         </a:p>
       </dsp:txBody>
       <dsp:txXfrm>
-        <a:off x="3905903" y="3496085"/>
-        <a:ext cx="2293056" cy="699102"/>
+        <a:off x="3826252" y="3194023"/>
+        <a:ext cx="2614798" cy="797194"/>
       </dsp:txXfrm>
     </dsp:sp>
   </dsp:spTree>
@@ -10457,7 +10231,7 @@
             <p:ph idx="1"/>
             <p:extLst>
               <p:ext uri="{D42A27DB-BD31-4B8C-83A1-F6EECF244321}">
-                <p14:modId xmlns:p14="http://schemas.microsoft.com/office/powerpoint/2010/main" val="2304343041"/>
+                <p14:modId xmlns:p14="http://schemas.microsoft.com/office/powerpoint/2010/main" val="1968006278"/>
               </p:ext>
             </p:extLst>
           </p:nvPr>
